--- a/doc/02_SlideShare/01.ネタ/２_Reactの基礎/Reactを用いたスマホアプリケーション開発入門 Reactの基礎編.pptx
+++ b/doc/02_SlideShare/01.ネタ/２_Reactの基礎/Reactを用いたスマホアプリケーション開発入門 Reactの基礎編.pptx
@@ -1115,17 +1115,7 @@
                 <a:latin typeface="Meiryo UI" panose="020B0604030504040204" pitchFamily="50" charset="-128"/>
                 <a:ea typeface="Meiryo UI" panose="020B0604030504040204" pitchFamily="50" charset="-128"/>
               </a:rPr>
-              <a:t>を用いたスマホアプリケーション開発</a:t>
-            </a:r>
-            <a:r>
-              <a:rPr kumimoji="1" lang="ja-JP" altLang="en-US" sz="3600" dirty="0" smtClean="0">
-                <a:solidFill>
-                  <a:schemeClr val="tx1"/>
-                </a:solidFill>
-                <a:latin typeface="Meiryo UI" panose="020B0604030504040204" pitchFamily="50" charset="-128"/>
-                <a:ea typeface="Meiryo UI" panose="020B0604030504040204" pitchFamily="50" charset="-128"/>
-              </a:rPr>
-              <a:t>入門</a:t>
+              <a:t>を用いたスマホアプリケーション開発入門</a:t>
             </a:r>
             <a:endParaRPr kumimoji="1" lang="en-US" altLang="ja-JP" sz="3600" dirty="0" smtClean="0">
               <a:solidFill>
@@ -5127,11 +5117,11 @@
   <p:clrMapOvr>
     <a:masterClrMapping/>
   </p:clrMapOvr>
-  <mc:AlternateContent xmlns:mc="http://schemas.openxmlformats.org/markup-compatibility/2006">
-    <mc:Choice xmlns:p14="http://schemas.microsoft.com/office/powerpoint/2010/main" Requires="p14">
+  <mc:AlternateContent xmlns:mc="http://schemas.openxmlformats.org/markup-compatibility/2006" xmlns:p14="http://schemas.microsoft.com/office/powerpoint/2010/main">
+    <mc:Choice Requires="p14">
       <p:transition spd="slow" p14:dur="2000"/>
     </mc:Choice>
-    <mc:Fallback>
+    <mc:Fallback xmlns="">
       <p:transition spd="slow"/>
     </mc:Fallback>
   </mc:AlternateContent>
@@ -6855,11 +6845,11 @@
   <p:clrMapOvr>
     <a:masterClrMapping/>
   </p:clrMapOvr>
-  <mc:AlternateContent xmlns:mc="http://schemas.openxmlformats.org/markup-compatibility/2006">
-    <mc:Choice xmlns:p14="http://schemas.microsoft.com/office/powerpoint/2010/main" Requires="p14">
+  <mc:AlternateContent xmlns:mc="http://schemas.openxmlformats.org/markup-compatibility/2006" xmlns:p14="http://schemas.microsoft.com/office/powerpoint/2010/main">
+    <mc:Choice Requires="p14">
       <p:transition spd="slow" p14:dur="2000"/>
     </mc:Choice>
-    <mc:Fallback>
+    <mc:Fallback xmlns="">
       <p:transition spd="slow"/>
     </mc:Fallback>
   </mc:AlternateContent>
@@ -7203,11 +7193,11 @@
   <p:clrMapOvr>
     <a:masterClrMapping/>
   </p:clrMapOvr>
-  <mc:AlternateContent xmlns:mc="http://schemas.openxmlformats.org/markup-compatibility/2006">
-    <mc:Choice xmlns:p14="http://schemas.microsoft.com/office/powerpoint/2010/main" Requires="p14">
+  <mc:AlternateContent xmlns:mc="http://schemas.openxmlformats.org/markup-compatibility/2006" xmlns:p14="http://schemas.microsoft.com/office/powerpoint/2010/main">
+    <mc:Choice Requires="p14">
       <p:transition spd="slow" p14:dur="2000"/>
     </mc:Choice>
-    <mc:Fallback>
+    <mc:Fallback xmlns="">
       <p:transition spd="slow"/>
     </mc:Fallback>
   </mc:AlternateContent>
@@ -10046,7 +10036,7 @@
                 <a:latin typeface="ＭＳ Ｐゴシック" panose="020B0600070205080204" pitchFamily="50" charset="-128"/>
                 <a:ea typeface="ＭＳ Ｐゴシック" panose="020B0600070205080204" pitchFamily="50" charset="-128"/>
               </a:rPr>
-              <a:t>h2&gt;second text!!&lt;h2</a:t>
+              <a:t>h2&gt;second text!!&lt;</a:t>
             </a:r>
             <a:r>
               <a:rPr lang="en-US" altLang="ja-JP" dirty="0" smtClean="0">
@@ -10056,7 +10046,7 @@
                 <a:latin typeface="ＭＳ Ｐゴシック" panose="020B0600070205080204" pitchFamily="50" charset="-128"/>
                 <a:ea typeface="ＭＳ Ｐゴシック" panose="020B0600070205080204" pitchFamily="50" charset="-128"/>
               </a:rPr>
-              <a:t>&gt;,</a:t>
+              <a:t>h2&gt;</a:t>
             </a:r>
             <a:endParaRPr lang="en-US" altLang="ja-JP" dirty="0">
               <a:solidFill>
@@ -10075,8 +10065,25 @@
                 <a:latin typeface="ＭＳ Ｐゴシック" panose="020B0600070205080204" pitchFamily="50" charset="-128"/>
                 <a:ea typeface="ＭＳ Ｐゴシック" panose="020B0600070205080204" pitchFamily="50" charset="-128"/>
               </a:rPr>
-              <a:t>  &lt;/div&gt;  </a:t>
-            </a:r>
+              <a:t>  &lt;/div</a:t>
+            </a:r>
+            <a:r>
+              <a:rPr lang="en-US" altLang="ja-JP" dirty="0" smtClean="0">
+                <a:solidFill>
+                  <a:schemeClr val="bg1"/>
+                </a:solidFill>
+                <a:latin typeface="ＭＳ Ｐゴシック" panose="020B0600070205080204" pitchFamily="50" charset="-128"/>
+                <a:ea typeface="ＭＳ Ｐゴシック" panose="020B0600070205080204" pitchFamily="50" charset="-128"/>
+              </a:rPr>
+              <a:t>&gt;,</a:t>
+            </a:r>
+            <a:endParaRPr lang="en-US" altLang="ja-JP" dirty="0" smtClean="0">
+              <a:solidFill>
+                <a:schemeClr val="bg1"/>
+              </a:solidFill>
+              <a:latin typeface="ＭＳ Ｐゴシック" panose="020B0600070205080204" pitchFamily="50" charset="-128"/>
+              <a:ea typeface="ＭＳ Ｐゴシック" panose="020B0600070205080204" pitchFamily="50" charset="-128"/>
+            </a:endParaRPr>
           </a:p>
           <a:p>
             <a:r>
@@ -11597,7 +11604,17 @@
                   <a:latin typeface="ＭＳ Ｐゴシック" panose="020B0600070205080204" pitchFamily="50" charset="-128"/>
                   <a:ea typeface="ＭＳ Ｐゴシック" panose="020B0600070205080204" pitchFamily="50" charset="-128"/>
                 </a:rPr>
-                <a:t>="name"/&gt;</a:t>
+                <a:t>="name</a:t>
+              </a:r>
+              <a:r>
+                <a:rPr lang="en-US" altLang="ja-JP" dirty="0" smtClean="0">
+                  <a:solidFill>
+                    <a:schemeClr val="bg1"/>
+                  </a:solidFill>
+                  <a:latin typeface="ＭＳ Ｐゴシック" panose="020B0600070205080204" pitchFamily="50" charset="-128"/>
+                  <a:ea typeface="ＭＳ Ｐゴシック" panose="020B0600070205080204" pitchFamily="50" charset="-128"/>
+                </a:rPr>
+                <a:t>"/&gt;,</a:t>
               </a:r>
               <a:endParaRPr lang="en-US" altLang="ja-JP" dirty="0" smtClean="0">
                 <a:solidFill>
@@ -11616,7 +11633,27 @@
                   <a:latin typeface="ＭＳ Ｐゴシック" panose="020B0600070205080204" pitchFamily="50" charset="-128"/>
                   <a:ea typeface="ＭＳ Ｐゴシック" panose="020B0600070205080204" pitchFamily="50" charset="-128"/>
                 </a:rPr>
-                <a:t>document.getElementById('root')</a:t>
+                <a:t>  </a:t>
+              </a:r>
+              <a:r>
+                <a:rPr lang="en-US" altLang="ja-JP" dirty="0" err="1" smtClean="0">
+                  <a:solidFill>
+                    <a:schemeClr val="bg1"/>
+                  </a:solidFill>
+                  <a:latin typeface="ＭＳ Ｐゴシック" panose="020B0600070205080204" pitchFamily="50" charset="-128"/>
+                  <a:ea typeface="ＭＳ Ｐゴシック" panose="020B0600070205080204" pitchFamily="50" charset="-128"/>
+                </a:rPr>
+                <a:t>document.getElementById</a:t>
+              </a:r>
+              <a:r>
+                <a:rPr lang="en-US" altLang="ja-JP" dirty="0" smtClean="0">
+                  <a:solidFill>
+                    <a:schemeClr val="bg1"/>
+                  </a:solidFill>
+                  <a:latin typeface="ＭＳ Ｐゴシック" panose="020B0600070205080204" pitchFamily="50" charset="-128"/>
+                  <a:ea typeface="ＭＳ Ｐゴシック" panose="020B0600070205080204" pitchFamily="50" charset="-128"/>
+                </a:rPr>
+                <a:t>('root')</a:t>
               </a:r>
             </a:p>
             <a:p>
@@ -11941,7 +11978,7 @@
           <p:spPr>
             <a:xfrm>
               <a:off x="92650" y="2827023"/>
-              <a:ext cx="5560800" cy="1373502"/>
+              <a:ext cx="5560800" cy="1566599"/>
             </a:xfrm>
             <a:prstGeom prst="rect">
               <a:avLst/>
@@ -12046,7 +12083,17 @@
                   <a:latin typeface="ＭＳ Ｐゴシック" panose="020B0600070205080204" pitchFamily="50" charset="-128"/>
                   <a:ea typeface="ＭＳ Ｐゴシック" panose="020B0600070205080204" pitchFamily="50" charset="-128"/>
                 </a:rPr>
-                <a:t>="name"/&gt;</a:t>
+                <a:t>="name</a:t>
+              </a:r>
+              <a:r>
+                <a:rPr lang="en-US" altLang="ja-JP" dirty="0" smtClean="0">
+                  <a:solidFill>
+                    <a:schemeClr val="bg1"/>
+                  </a:solidFill>
+                  <a:latin typeface="ＭＳ Ｐゴシック" panose="020B0600070205080204" pitchFamily="50" charset="-128"/>
+                  <a:ea typeface="ＭＳ Ｐゴシック" panose="020B0600070205080204" pitchFamily="50" charset="-128"/>
+                </a:rPr>
+                <a:t>"/&gt;,</a:t>
               </a:r>
               <a:endParaRPr lang="en-US" altLang="ja-JP" dirty="0" smtClean="0">
                 <a:solidFill>
@@ -12065,7 +12112,27 @@
                   <a:latin typeface="ＭＳ Ｐゴシック" panose="020B0600070205080204" pitchFamily="50" charset="-128"/>
                   <a:ea typeface="ＭＳ Ｐゴシック" panose="020B0600070205080204" pitchFamily="50" charset="-128"/>
                 </a:rPr>
-                <a:t>document.getElementById('root')</a:t>
+                <a:t>  </a:t>
+              </a:r>
+              <a:r>
+                <a:rPr lang="en-US" altLang="ja-JP" dirty="0" err="1" smtClean="0">
+                  <a:solidFill>
+                    <a:schemeClr val="bg1"/>
+                  </a:solidFill>
+                  <a:latin typeface="ＭＳ Ｐゴシック" panose="020B0600070205080204" pitchFamily="50" charset="-128"/>
+                  <a:ea typeface="ＭＳ Ｐゴシック" panose="020B0600070205080204" pitchFamily="50" charset="-128"/>
+                </a:rPr>
+                <a:t>document.getElementById</a:t>
+              </a:r>
+              <a:r>
+                <a:rPr lang="en-US" altLang="ja-JP" dirty="0" smtClean="0">
+                  <a:solidFill>
+                    <a:schemeClr val="bg1"/>
+                  </a:solidFill>
+                  <a:latin typeface="ＭＳ Ｐゴシック" panose="020B0600070205080204" pitchFamily="50" charset="-128"/>
+                  <a:ea typeface="ＭＳ Ｐゴシック" panose="020B0600070205080204" pitchFamily="50" charset="-128"/>
+                </a:rPr>
+                <a:t>('root')</a:t>
               </a:r>
             </a:p>
             <a:p>
@@ -17100,7 +17167,7 @@
           <p:cNvPr id="2" name="タイトル 1">
             <a:extLst>
               <a:ext uri="{FF2B5EF4-FFF2-40B4-BE49-F238E27FC236}">
-                <a16:creationId xmlns:a16="http://schemas.microsoft.com/office/drawing/2014/main" xmlns="" id="{6921666E-7AC2-472C-A272-CBF0D8C14E64}"/>
+                <a16:creationId xmlns:a16="http://schemas.microsoft.com/office/drawing/2014/main" id="{6921666E-7AC2-472C-A272-CBF0D8C14E64}"/>
               </a:ext>
             </a:extLst>
           </p:cNvPr>
@@ -17131,7 +17198,7 @@
           <p:cNvPr id="5" name="正方形/長方形 4">
             <a:extLst>
               <a:ext uri="{FF2B5EF4-FFF2-40B4-BE49-F238E27FC236}">
-                <a16:creationId xmlns:a16="http://schemas.microsoft.com/office/drawing/2014/main" xmlns="" id="{D7EF0459-09B1-447D-B9FA-988D7B92FF85}"/>
+                <a16:creationId xmlns:a16="http://schemas.microsoft.com/office/drawing/2014/main" id="{D7EF0459-09B1-447D-B9FA-988D7B92FF85}"/>
               </a:ext>
             </a:extLst>
           </p:cNvPr>
@@ -17189,7 +17256,7 @@
           <p:cNvPr id="6" name="正方形/長方形 5">
             <a:extLst>
               <a:ext uri="{FF2B5EF4-FFF2-40B4-BE49-F238E27FC236}">
-                <a16:creationId xmlns:a16="http://schemas.microsoft.com/office/drawing/2014/main" xmlns="" id="{32AC6FF7-97A5-4AAE-A5CD-059956967459}"/>
+                <a16:creationId xmlns:a16="http://schemas.microsoft.com/office/drawing/2014/main" id="{32AC6FF7-97A5-4AAE-A5CD-059956967459}"/>
               </a:ext>
             </a:extLst>
           </p:cNvPr>
@@ -17244,11 +17311,7 @@
             </a:r>
             <a:r>
               <a:rPr lang="ja-JP" altLang="en-US" dirty="0" smtClean="0"/>
-              <a:t>．</a:t>
-            </a:r>
-            <a:r>
-              <a:rPr lang="ja-JP" altLang="en-US" dirty="0" smtClean="0"/>
-              <a:t>本資料の対象読者</a:t>
+              <a:t>．本資料の対象読者</a:t>
             </a:r>
             <a:endParaRPr lang="en-US" altLang="ja-JP" dirty="0"/>
           </a:p>
@@ -17259,7 +17322,7 @@
           <p:cNvPr id="7" name="正方形/長方形 6">
             <a:extLst>
               <a:ext uri="{FF2B5EF4-FFF2-40B4-BE49-F238E27FC236}">
-                <a16:creationId xmlns:a16="http://schemas.microsoft.com/office/drawing/2014/main" xmlns="" id="{109BD630-338B-44EA-9EE5-8D3909DE0F99}"/>
+                <a16:creationId xmlns:a16="http://schemas.microsoft.com/office/drawing/2014/main" id="{109BD630-338B-44EA-9EE5-8D3909DE0F99}"/>
               </a:ext>
             </a:extLst>
           </p:cNvPr>
@@ -17317,7 +17380,7 @@
           <p:cNvPr id="8" name="正方形/長方形 7">
             <a:extLst>
               <a:ext uri="{FF2B5EF4-FFF2-40B4-BE49-F238E27FC236}">
-                <a16:creationId xmlns:a16="http://schemas.microsoft.com/office/drawing/2014/main" xmlns="" id="{6EA607F8-9FD3-4695-8573-77CFB77C72C0}"/>
+                <a16:creationId xmlns:a16="http://schemas.microsoft.com/office/drawing/2014/main" id="{6EA607F8-9FD3-4695-8573-77CFB77C72C0}"/>
               </a:ext>
             </a:extLst>
           </p:cNvPr>
@@ -17363,6 +17426,11 @@
               <a:rPr lang="en-US" altLang="ja-JP" dirty="0" smtClean="0"/>
               <a:t>React</a:t>
             </a:r>
+            <a:r>
+              <a:rPr lang="ja-JP" altLang="en-US" dirty="0" smtClean="0"/>
+              <a:t>とは</a:t>
+            </a:r>
+            <a:endParaRPr lang="en-US" altLang="ja-JP" dirty="0" smtClean="0"/>
           </a:p>
           <a:p>
             <a:r>
@@ -17391,7 +17459,7 @@
             </a:r>
             <a:r>
               <a:rPr lang="ja-JP" altLang="en-US" dirty="0" smtClean="0"/>
-              <a:t>編～</a:t>
+              <a:t>～</a:t>
             </a:r>
             <a:endParaRPr lang="en-US" altLang="ja-JP" dirty="0" smtClean="0"/>
           </a:p>
@@ -17418,7 +17486,7 @@
             </a:r>
             <a:r>
               <a:rPr lang="ja-JP" altLang="en-US" dirty="0" smtClean="0"/>
-              <a:t>編～</a:t>
+              <a:t>～</a:t>
             </a:r>
             <a:endParaRPr lang="en-US" altLang="ja-JP" dirty="0"/>
           </a:p>
@@ -17437,7 +17505,11 @@
             </a:r>
             <a:r>
               <a:rPr lang="ja-JP" altLang="en-US" dirty="0" smtClean="0"/>
-              <a:t>の基礎知識 ～コンポーネント編～</a:t>
+              <a:t>の基礎知識 ～</a:t>
+            </a:r>
+            <a:r>
+              <a:rPr lang="ja-JP" altLang="en-US" dirty="0" smtClean="0"/>
+              <a:t>コンポーネント～</a:t>
             </a:r>
             <a:endParaRPr lang="en-US" altLang="ja-JP" dirty="0"/>
           </a:p>
@@ -17467,15 +17539,7 @@
             </a:r>
             <a:r>
               <a:rPr lang="ja-JP" altLang="en-US" dirty="0" smtClean="0"/>
-              <a:t>．</a:t>
-            </a:r>
-            <a:r>
-              <a:rPr lang="ja-JP" altLang="en-US" dirty="0" smtClean="0"/>
-              <a:t>簡単</a:t>
-            </a:r>
-            <a:r>
-              <a:rPr lang="ja-JP" altLang="en-US" dirty="0" smtClean="0"/>
-              <a:t>なサンプルソース（</a:t>
+              <a:t>．簡単なサンプルソース（</a:t>
             </a:r>
             <a:r>
               <a:rPr lang="en-US" altLang="ja-JP" dirty="0" smtClean="0"/>
@@ -17483,11 +17547,7 @@
             </a:r>
             <a:r>
               <a:rPr lang="ja-JP" altLang="en-US" dirty="0" smtClean="0"/>
-              <a:t>、</a:t>
-            </a:r>
-            <a:r>
-              <a:rPr lang="ja-JP" altLang="en-US" dirty="0" smtClean="0"/>
-              <a:t>時計）</a:t>
+              <a:t>、時計）</a:t>
             </a:r>
             <a:endParaRPr lang="en-US" altLang="ja-JP" dirty="0"/>
           </a:p>
@@ -26214,21 +26274,21 @@
                 <a:gridCol w="1776380">
                   <a:extLst>
                     <a:ext uri="{9D8B030D-6E8A-4147-A177-3AD203B41FA5}">
-                      <a16:colId xmlns:a16="http://schemas.microsoft.com/office/drawing/2014/main" xmlns="" val="3381579096"/>
+                      <a16:colId xmlns:a16="http://schemas.microsoft.com/office/drawing/2014/main" val="3381579096"/>
                     </a:ext>
                   </a:extLst>
                 </a:gridCol>
                 <a:gridCol w="4105072">
                   <a:extLst>
                     <a:ext uri="{9D8B030D-6E8A-4147-A177-3AD203B41FA5}">
-                      <a16:colId xmlns:a16="http://schemas.microsoft.com/office/drawing/2014/main" xmlns="" val="447131743"/>
+                      <a16:colId xmlns:a16="http://schemas.microsoft.com/office/drawing/2014/main" val="447131743"/>
                     </a:ext>
                   </a:extLst>
                 </a:gridCol>
                 <a:gridCol w="5497749">
                   <a:extLst>
                     <a:ext uri="{9D8B030D-6E8A-4147-A177-3AD203B41FA5}">
-                      <a16:colId xmlns:a16="http://schemas.microsoft.com/office/drawing/2014/main" xmlns="" val="3744254712"/>
+                      <a16:colId xmlns:a16="http://schemas.microsoft.com/office/drawing/2014/main" val="3744254712"/>
                     </a:ext>
                   </a:extLst>
                 </a:gridCol>
@@ -26315,7 +26375,7 @@
                 </a:tc>
                 <a:extLst>
                   <a:ext uri="{0D108BD9-81ED-4DB2-BD59-A6C34878D82A}">
-                    <a16:rowId xmlns:a16="http://schemas.microsoft.com/office/drawing/2014/main" xmlns="" val="3735428000"/>
+                    <a16:rowId xmlns:a16="http://schemas.microsoft.com/office/drawing/2014/main" val="3735428000"/>
                   </a:ext>
                 </a:extLst>
               </a:tr>
@@ -26403,7 +26463,7 @@
                 </a:tc>
                 <a:extLst>
                   <a:ext uri="{0D108BD9-81ED-4DB2-BD59-A6C34878D82A}">
-                    <a16:rowId xmlns:a16="http://schemas.microsoft.com/office/drawing/2014/main" xmlns="" val="1814072756"/>
+                    <a16:rowId xmlns:a16="http://schemas.microsoft.com/office/drawing/2014/main" val="1814072756"/>
                   </a:ext>
                 </a:extLst>
               </a:tr>
@@ -26492,7 +26552,7 @@
                 </a:tc>
                 <a:extLst>
                   <a:ext uri="{0D108BD9-81ED-4DB2-BD59-A6C34878D82A}">
-                    <a16:rowId xmlns:a16="http://schemas.microsoft.com/office/drawing/2014/main" xmlns="" val="2187006364"/>
+                    <a16:rowId xmlns:a16="http://schemas.microsoft.com/office/drawing/2014/main" val="2187006364"/>
                   </a:ext>
                 </a:extLst>
               </a:tr>
@@ -26725,11 +26785,7 @@
           <a:p>
             <a:r>
               <a:rPr lang="ja-JP" altLang="en-US" dirty="0" smtClean="0"/>
-              <a:t>本章では</a:t>
-            </a:r>
-            <a:r>
-              <a:rPr lang="ja-JP" altLang="en-US" dirty="0" smtClean="0"/>
-              <a:t>、</a:t>
+              <a:t>本章では、</a:t>
             </a:r>
             <a:r>
               <a:rPr lang="ja-JP" altLang="en-US" dirty="0"/>
@@ -26943,7 +26999,6 @@
               <a:rPr lang="ja-JP" altLang="en-US" dirty="0"/>
               <a:t>他</a:t>
             </a:r>
-            <a:endParaRPr lang="ja-JP" altLang="en-US" dirty="0"/>
           </a:p>
         </p:txBody>
       </p:sp>
@@ -26989,7 +27044,7 @@
           <p:cNvPr id="2" name="タイトル 1">
             <a:extLst>
               <a:ext uri="{FF2B5EF4-FFF2-40B4-BE49-F238E27FC236}">
-                <a16:creationId xmlns:a16="http://schemas.microsoft.com/office/drawing/2014/main" xmlns="" id="{CE9C4723-849E-4189-BCAE-2B79E708A85A}"/>
+                <a16:creationId xmlns:a16="http://schemas.microsoft.com/office/drawing/2014/main" id="{CE9C4723-849E-4189-BCAE-2B79E708A85A}"/>
               </a:ext>
             </a:extLst>
           </p:cNvPr>
@@ -27007,11 +27062,19 @@
           <a:p>
             <a:r>
               <a:rPr lang="en-US" altLang="ja-JP" dirty="0" smtClean="0"/>
-              <a:t>1-1.</a:t>
+              <a:t>1-1</a:t>
+            </a:r>
+            <a:r>
+              <a:rPr lang="en-US" altLang="ja-JP" dirty="0" smtClean="0"/>
+              <a:t>. </a:t>
             </a:r>
             <a:r>
               <a:rPr lang="ja-JP" altLang="en-US" dirty="0" smtClean="0"/>
-              <a:t>まずはじめに</a:t>
+              <a:t>まず</a:t>
+            </a:r>
+            <a:r>
+              <a:rPr lang="ja-JP" altLang="en-US" dirty="0" smtClean="0"/>
+              <a:t>はじめに</a:t>
             </a:r>
             <a:endParaRPr kumimoji="1" lang="ja-JP" altLang="en-US" dirty="0"/>
           </a:p>
@@ -27022,7 +27085,7 @@
           <p:cNvPr id="4" name="コンテンツ プレースホルダー 3">
             <a:extLst>
               <a:ext uri="{FF2B5EF4-FFF2-40B4-BE49-F238E27FC236}">
-                <a16:creationId xmlns:a16="http://schemas.microsoft.com/office/drawing/2014/main" xmlns="" id="{5D7B870A-EE38-4390-92D0-2B9EE583F7F4}"/>
+                <a16:creationId xmlns:a16="http://schemas.microsoft.com/office/drawing/2014/main" id="{5D7B870A-EE38-4390-92D0-2B9EE583F7F4}"/>
               </a:ext>
             </a:extLst>
           </p:cNvPr>
@@ -27035,112 +27098,121 @@
         </p:nvSpPr>
         <p:spPr>
           <a:xfrm>
-            <a:off x="423486" y="1318415"/>
-            <a:ext cx="11379201" cy="2455563"/>
+            <a:off x="423486" y="1318416"/>
+            <a:ext cx="11379201" cy="1303486"/>
           </a:xfrm>
+          <a:solidFill>
+            <a:schemeClr val="accent1">
+              <a:lumMod val="20000"/>
+              <a:lumOff val="80000"/>
+            </a:schemeClr>
+          </a:solidFill>
+          <a:ln>
+            <a:solidFill>
+              <a:schemeClr val="accent1"/>
+            </a:solidFill>
+          </a:ln>
         </p:spPr>
         <p:txBody>
-          <a:bodyPr>
-            <a:normAutofit/>
-          </a:bodyPr>
+          <a:bodyPr anchor="ctr"/>
           <a:lstStyle/>
           <a:p>
             <a:pPr marL="0" indent="0">
               <a:buNone/>
             </a:pPr>
             <a:r>
-              <a:rPr kumimoji="1" lang="ja-JP" altLang="en-US" sz="2800" dirty="0"/>
+              <a:rPr lang="ja-JP" altLang="en-US" dirty="0"/>
               <a:t>本資料</a:t>
             </a:r>
             <a:r>
-              <a:rPr kumimoji="1" lang="ja-JP" altLang="en-US" sz="2800" dirty="0" smtClean="0"/>
+              <a:rPr lang="ja-JP" altLang="en-US" dirty="0"/>
               <a:t>は、</a:t>
             </a:r>
             <a:r>
-              <a:rPr kumimoji="1" lang="en-US" altLang="ja-JP" sz="2800" dirty="0" smtClean="0"/>
+              <a:rPr lang="en-US" altLang="ja-JP" dirty="0"/>
               <a:t>2018</a:t>
             </a:r>
             <a:r>
-              <a:rPr kumimoji="1" lang="ja-JP" altLang="en-US" sz="2800" dirty="0" smtClean="0"/>
+              <a:rPr lang="ja-JP" altLang="en-US" dirty="0"/>
               <a:t>年</a:t>
             </a:r>
             <a:r>
-              <a:rPr kumimoji="1" lang="en-US" altLang="ja-JP" sz="2800" dirty="0" smtClean="0"/>
+              <a:rPr lang="en-US" altLang="ja-JP" dirty="0"/>
               <a:t>4</a:t>
             </a:r>
             <a:r>
-              <a:rPr kumimoji="1" lang="ja-JP" altLang="en-US" sz="2800" dirty="0" smtClean="0"/>
+              <a:rPr lang="ja-JP" altLang="en-US" dirty="0"/>
               <a:t>月から</a:t>
             </a:r>
             <a:r>
-              <a:rPr kumimoji="1" lang="en-US" altLang="ja-JP" sz="2800" dirty="0" smtClean="0"/>
+              <a:rPr lang="en-US" altLang="ja-JP" dirty="0"/>
               <a:t>2019</a:t>
             </a:r>
             <a:r>
-              <a:rPr kumimoji="1" lang="ja-JP" altLang="en-US" sz="2800" dirty="0" smtClean="0"/>
+              <a:rPr lang="ja-JP" altLang="en-US" dirty="0"/>
               <a:t>年</a:t>
             </a:r>
             <a:r>
-              <a:rPr kumimoji="1" lang="en-US" altLang="ja-JP" sz="2800" dirty="0" smtClean="0"/>
+              <a:rPr lang="en-US" altLang="ja-JP" dirty="0"/>
               <a:t>3</a:t>
             </a:r>
             <a:r>
-              <a:rPr kumimoji="1" lang="ja-JP" altLang="en-US" sz="2800" dirty="0" smtClean="0"/>
+              <a:rPr lang="ja-JP" altLang="en-US" dirty="0"/>
               <a:t>月までの</a:t>
             </a:r>
             <a:r>
-              <a:rPr kumimoji="1" lang="en-US" altLang="ja-JP" sz="2800" dirty="0" smtClean="0"/>
+              <a:rPr lang="en-US" altLang="ja-JP" dirty="0"/>
               <a:t>1</a:t>
             </a:r>
             <a:r>
-              <a:rPr kumimoji="1" lang="ja-JP" altLang="en-US" sz="2800" dirty="0" smtClean="0"/>
+              <a:rPr lang="ja-JP" altLang="en-US" dirty="0"/>
               <a:t>年の期間を使用し、</a:t>
             </a:r>
-            <a:endParaRPr kumimoji="1" lang="en-US" altLang="ja-JP" sz="2800" dirty="0" smtClean="0"/>
+            <a:endParaRPr lang="en-US" altLang="ja-JP" dirty="0"/>
           </a:p>
           <a:p>
             <a:pPr marL="0" indent="0">
               <a:buNone/>
             </a:pPr>
             <a:r>
-              <a:rPr kumimoji="1" lang="ja-JP" altLang="en-US" sz="2800" dirty="0" smtClean="0"/>
+              <a:rPr lang="ja-JP" altLang="en-US" dirty="0"/>
               <a:t>入社</a:t>
             </a:r>
             <a:r>
-              <a:rPr kumimoji="1" lang="en-US" altLang="ja-JP" sz="2800" dirty="0" smtClean="0"/>
+              <a:rPr lang="en-US" altLang="ja-JP" dirty="0"/>
               <a:t>3</a:t>
             </a:r>
             <a:r>
-              <a:rPr kumimoji="1" lang="ja-JP" altLang="en-US" sz="2800" dirty="0" smtClean="0"/>
+              <a:rPr lang="ja-JP" altLang="en-US" dirty="0"/>
               <a:t>年目と</a:t>
             </a:r>
             <a:r>
-              <a:rPr kumimoji="1" lang="en-US" altLang="ja-JP" sz="2800" dirty="0" smtClean="0"/>
+              <a:rPr lang="en-US" altLang="ja-JP" dirty="0"/>
               <a:t>4</a:t>
             </a:r>
             <a:r>
-              <a:rPr kumimoji="1" lang="ja-JP" altLang="en-US" sz="2800" dirty="0" smtClean="0"/>
+              <a:rPr lang="ja-JP" altLang="en-US" dirty="0"/>
               <a:t>年目の社員で「</a:t>
             </a:r>
             <a:r>
-              <a:rPr kumimoji="1" lang="en-US" altLang="ja-JP" sz="2800" dirty="0" smtClean="0"/>
+              <a:rPr lang="en-US" altLang="ja-JP" dirty="0"/>
               <a:t>React</a:t>
             </a:r>
             <a:r>
-              <a:rPr kumimoji="1" lang="ja-JP" altLang="en-US" sz="2800" dirty="0" smtClean="0"/>
+              <a:rPr lang="ja-JP" altLang="en-US" dirty="0"/>
               <a:t>を用いたスマホアプリケーション開発」</a:t>
             </a:r>
-            <a:endParaRPr kumimoji="1" lang="en-US" altLang="ja-JP" sz="2800" dirty="0" smtClean="0"/>
+            <a:endParaRPr lang="en-US" altLang="ja-JP" dirty="0"/>
           </a:p>
           <a:p>
             <a:pPr marL="0" indent="0">
               <a:buNone/>
             </a:pPr>
             <a:r>
-              <a:rPr kumimoji="1" lang="ja-JP" altLang="en-US" sz="2800" dirty="0" smtClean="0"/>
+              <a:rPr lang="ja-JP" altLang="en-US" dirty="0"/>
               <a:t>をテーマに学習を行い、まとめた資料です。</a:t>
             </a:r>
-            <a:endParaRPr kumimoji="1" lang="en-US" altLang="ja-JP" sz="2800" dirty="0"/>
+            <a:endParaRPr lang="en-US" altLang="ja-JP" dirty="0"/>
           </a:p>
         </p:txBody>
       </p:sp>
@@ -27186,7 +27258,7 @@
           <p:cNvPr id="2" name="タイトル 1">
             <a:extLst>
               <a:ext uri="{FF2B5EF4-FFF2-40B4-BE49-F238E27FC236}">
-                <a16:creationId xmlns="" xmlns:a16="http://schemas.microsoft.com/office/drawing/2014/main" id="{CE9C4723-849E-4189-BCAE-2B79E708A85A}"/>
+                <a16:creationId xmlns:a16="http://schemas.microsoft.com/office/drawing/2014/main" id="{CE9C4723-849E-4189-BCAE-2B79E708A85A}"/>
               </a:ext>
             </a:extLst>
           </p:cNvPr>
@@ -27235,7 +27307,7 @@
           <p:cNvPr id="4" name="コンテンツ プレースホルダー 3">
             <a:extLst>
               <a:ext uri="{FF2B5EF4-FFF2-40B4-BE49-F238E27FC236}">
-                <a16:creationId xmlns="" xmlns:a16="http://schemas.microsoft.com/office/drawing/2014/main" id="{5D7B870A-EE38-4390-92D0-2B9EE583F7F4}"/>
+                <a16:creationId xmlns:a16="http://schemas.microsoft.com/office/drawing/2014/main" id="{5D7B870A-EE38-4390-92D0-2B9EE583F7F4}"/>
               </a:ext>
             </a:extLst>
           </p:cNvPr>
@@ -27604,7 +27676,7 @@
           <p:cNvPr id="2" name="タイトル 1">
             <a:extLst>
               <a:ext uri="{FF2B5EF4-FFF2-40B4-BE49-F238E27FC236}">
-                <a16:creationId xmlns="" xmlns:a16="http://schemas.microsoft.com/office/drawing/2014/main" id="{CE9C4723-849E-4189-BCAE-2B79E708A85A}"/>
+                <a16:creationId xmlns:a16="http://schemas.microsoft.com/office/drawing/2014/main" id="{CE9C4723-849E-4189-BCAE-2B79E708A85A}"/>
               </a:ext>
             </a:extLst>
           </p:cNvPr>
@@ -27649,7 +27721,7 @@
           <p:cNvPr id="4" name="コンテンツ プレースホルダー 3">
             <a:extLst>
               <a:ext uri="{FF2B5EF4-FFF2-40B4-BE49-F238E27FC236}">
-                <a16:creationId xmlns="" xmlns:a16="http://schemas.microsoft.com/office/drawing/2014/main" id="{5D7B870A-EE38-4390-92D0-2B9EE583F7F4}"/>
+                <a16:creationId xmlns:a16="http://schemas.microsoft.com/office/drawing/2014/main" id="{5D7B870A-EE38-4390-92D0-2B9EE583F7F4}"/>
               </a:ext>
             </a:extLst>
           </p:cNvPr>
@@ -30206,11 +30278,19 @@
           <a:p>
             <a:r>
               <a:rPr lang="en-US" altLang="ja-JP" dirty="0" smtClean="0"/>
-              <a:t>2-5.</a:t>
+              <a:t>2-5</a:t>
+            </a:r>
+            <a:r>
+              <a:rPr lang="en-US" altLang="ja-JP" dirty="0" smtClean="0"/>
+              <a:t>. </a:t>
             </a:r>
             <a:r>
               <a:rPr lang="ja-JP" altLang="en-US" dirty="0" smtClean="0"/>
-              <a:t>簡単なサンプルソース</a:t>
+              <a:t>簡単</a:t>
+            </a:r>
+            <a:r>
+              <a:rPr lang="ja-JP" altLang="en-US" dirty="0" smtClean="0"/>
+              <a:t>なサンプルソース</a:t>
             </a:r>
             <a:endParaRPr kumimoji="1" lang="ja-JP" altLang="en-US" dirty="0"/>
           </a:p>
@@ -30381,11 +30461,19 @@
           <a:p>
             <a:r>
               <a:rPr lang="en-US" altLang="ja-JP" dirty="0" smtClean="0"/>
-              <a:t>2-5.</a:t>
+              <a:t>2-5</a:t>
+            </a:r>
+            <a:r>
+              <a:rPr lang="en-US" altLang="ja-JP" dirty="0" smtClean="0"/>
+              <a:t>. </a:t>
             </a:r>
             <a:r>
               <a:rPr lang="ja-JP" altLang="en-US" dirty="0" smtClean="0"/>
-              <a:t>簡単なサンプルソース　～</a:t>
+              <a:t>簡単</a:t>
+            </a:r>
+            <a:r>
+              <a:rPr lang="ja-JP" altLang="en-US" dirty="0" smtClean="0"/>
+              <a:t>なサンプルソース　～</a:t>
             </a:r>
             <a:r>
               <a:rPr lang="en-US" altLang="ja-JP" dirty="0" smtClean="0"/>
@@ -30543,11 +30631,19 @@
           <a:p>
             <a:r>
               <a:rPr lang="en-US" altLang="ja-JP" dirty="0" smtClean="0"/>
-              <a:t>2-5.</a:t>
+              <a:t>2-5</a:t>
+            </a:r>
+            <a:r>
+              <a:rPr lang="en-US" altLang="ja-JP" dirty="0" smtClean="0"/>
+              <a:t>. </a:t>
             </a:r>
             <a:r>
               <a:rPr lang="ja-JP" altLang="en-US" dirty="0" smtClean="0"/>
-              <a:t>簡単なサンプルソース　～</a:t>
+              <a:t>簡単</a:t>
+            </a:r>
+            <a:r>
+              <a:rPr lang="ja-JP" altLang="en-US" dirty="0" smtClean="0"/>
+              <a:t>なサンプルソース　～</a:t>
             </a:r>
             <a:r>
               <a:rPr lang="en-US" altLang="ja-JP" dirty="0" smtClean="0"/>
@@ -30945,17 +31041,17 @@
         </p:nvSpPr>
         <p:spPr>
           <a:xfrm>
-            <a:off x="5743578" y="2253845"/>
+            <a:off x="5743578" y="2048691"/>
             <a:ext cx="5862268" cy="1108334"/>
           </a:xfrm>
           <a:prstGeom prst="borderCallout2">
             <a:avLst>
-              <a:gd name="adj1" fmla="val 17750"/>
-              <a:gd name="adj2" fmla="val 413"/>
-              <a:gd name="adj3" fmla="val 13079"/>
-              <a:gd name="adj4" fmla="val -14748"/>
-              <a:gd name="adj5" fmla="val 39014"/>
-              <a:gd name="adj6" fmla="val -67789"/>
+              <a:gd name="adj1" fmla="val 12699"/>
+              <a:gd name="adj2" fmla="val -382"/>
+              <a:gd name="adj3" fmla="val 11395"/>
+              <a:gd name="adj4" fmla="val -12361"/>
+              <a:gd name="adj5" fmla="val 60060"/>
+              <a:gd name="adj6" fmla="val -66356"/>
             </a:avLst>
           </a:prstGeom>
           <a:solidFill>
@@ -31056,10 +31152,10 @@
           </a:xfrm>
           <a:prstGeom prst="borderCallout2">
             <a:avLst>
-              <a:gd name="adj1" fmla="val 17750"/>
-              <a:gd name="adj2" fmla="val 413"/>
-              <a:gd name="adj3" fmla="val 2925"/>
-              <a:gd name="adj4" fmla="val -11868"/>
+              <a:gd name="adj1" fmla="val 39513"/>
+              <a:gd name="adj2" fmla="val -383"/>
+              <a:gd name="adj3" fmla="val -7957"/>
+              <a:gd name="adj4" fmla="val -10913"/>
               <a:gd name="adj5" fmla="val -8286"/>
               <a:gd name="adj6" fmla="val -44272"/>
             </a:avLst>
@@ -31252,11 +31348,19 @@
           <a:p>
             <a:r>
               <a:rPr lang="en-US" altLang="ja-JP" dirty="0" smtClean="0"/>
-              <a:t>2-5.</a:t>
+              <a:t>2-5</a:t>
+            </a:r>
+            <a:r>
+              <a:rPr lang="en-US" altLang="ja-JP" dirty="0" smtClean="0"/>
+              <a:t>. </a:t>
             </a:r>
             <a:r>
               <a:rPr lang="ja-JP" altLang="en-US" dirty="0" smtClean="0"/>
-              <a:t>簡単なサンプルソース　～</a:t>
+              <a:t>簡単</a:t>
+            </a:r>
+            <a:r>
+              <a:rPr lang="ja-JP" altLang="en-US" dirty="0" smtClean="0"/>
+              <a:t>なサンプルソース　～</a:t>
             </a:r>
             <a:r>
               <a:rPr lang="en-US" altLang="ja-JP" dirty="0" smtClean="0"/>
@@ -31626,8 +31730,8 @@
           </a:xfrm>
           <a:prstGeom prst="borderCallout2">
             <a:avLst>
-              <a:gd name="adj1" fmla="val 17750"/>
-              <a:gd name="adj2" fmla="val 413"/>
+              <a:gd name="adj1" fmla="val 15612"/>
+              <a:gd name="adj2" fmla="val -503"/>
               <a:gd name="adj3" fmla="val 15253"/>
               <a:gd name="adj4" fmla="val -19948"/>
               <a:gd name="adj5" fmla="val 60393"/>
@@ -31854,7 +31958,7 @@
           <p:cNvPr id="2" name="タイトル 1">
             <a:extLst>
               <a:ext uri="{FF2B5EF4-FFF2-40B4-BE49-F238E27FC236}">
-                <a16:creationId xmlns:a16="http://schemas.microsoft.com/office/drawing/2014/main" xmlns="" id="{CE9C4723-849E-4189-BCAE-2B79E708A85A}"/>
+                <a16:creationId xmlns:a16="http://schemas.microsoft.com/office/drawing/2014/main" id="{CE9C4723-849E-4189-BCAE-2B79E708A85A}"/>
               </a:ext>
             </a:extLst>
           </p:cNvPr>
@@ -31872,11 +31976,19 @@
           <a:p>
             <a:r>
               <a:rPr kumimoji="1" lang="en-US" altLang="ja-JP" dirty="0" smtClean="0"/>
-              <a:t>1-2.</a:t>
+              <a:t>1-2</a:t>
+            </a:r>
+            <a:r>
+              <a:rPr kumimoji="1" lang="en-US" altLang="ja-JP" dirty="0" smtClean="0"/>
+              <a:t>. </a:t>
             </a:r>
             <a:r>
               <a:rPr kumimoji="1" lang="ja-JP" altLang="en-US" dirty="0" smtClean="0"/>
-              <a:t>本資料の対象読者</a:t>
+              <a:t>本資料</a:t>
+            </a:r>
+            <a:r>
+              <a:rPr kumimoji="1" lang="ja-JP" altLang="en-US" dirty="0" smtClean="0"/>
+              <a:t>の対象読者</a:t>
             </a:r>
             <a:endParaRPr kumimoji="1" lang="ja-JP" altLang="en-US" dirty="0"/>
           </a:p>
@@ -31887,7 +31999,7 @@
           <p:cNvPr id="4" name="コンテンツ プレースホルダー 3">
             <a:extLst>
               <a:ext uri="{FF2B5EF4-FFF2-40B4-BE49-F238E27FC236}">
-                <a16:creationId xmlns:a16="http://schemas.microsoft.com/office/drawing/2014/main" xmlns="" id="{5D7B870A-EE38-4390-92D0-2B9EE583F7F4}"/>
+                <a16:creationId xmlns:a16="http://schemas.microsoft.com/office/drawing/2014/main" id="{5D7B870A-EE38-4390-92D0-2B9EE583F7F4}"/>
               </a:ext>
             </a:extLst>
           </p:cNvPr>
@@ -31901,55 +32013,62 @@
         <p:spPr>
           <a:xfrm>
             <a:off x="440112" y="1251914"/>
-            <a:ext cx="11379201" cy="3320086"/>
+            <a:ext cx="11379201" cy="894127"/>
           </a:xfrm>
+          <a:solidFill>
+            <a:schemeClr val="accent1">
+              <a:lumMod val="20000"/>
+              <a:lumOff val="80000"/>
+            </a:schemeClr>
+          </a:solidFill>
+          <a:ln>
+            <a:solidFill>
+              <a:schemeClr val="accent1"/>
+            </a:solidFill>
+          </a:ln>
         </p:spPr>
         <p:txBody>
-          <a:bodyPr>
-            <a:normAutofit/>
-          </a:bodyPr>
+          <a:bodyPr anchor="ctr"/>
           <a:lstStyle/>
           <a:p>
             <a:pPr marL="0" indent="0">
               <a:buNone/>
             </a:pPr>
             <a:r>
-              <a:rPr lang="en-US" altLang="ja-JP" sz="2800" dirty="0" smtClean="0"/>
+              <a:rPr lang="en-US" altLang="ja-JP" dirty="0"/>
               <a:t>Java</a:t>
             </a:r>
             <a:r>
-              <a:rPr lang="ja-JP" altLang="en-US" sz="2800" dirty="0" smtClean="0"/>
+              <a:rPr lang="ja-JP" altLang="en-US" dirty="0"/>
               <a:t>や</a:t>
             </a:r>
             <a:r>
-              <a:rPr lang="en-US" altLang="ja-JP" sz="2800" dirty="0" smtClean="0"/>
+              <a:rPr lang="en-US" altLang="ja-JP" dirty="0"/>
               <a:t>JavaScript</a:t>
             </a:r>
             <a:r>
-              <a:rPr lang="ja-JP" altLang="en-US" sz="2800" dirty="0" smtClean="0"/>
-              <a:t>等のプログラム経験は多少あるけど、</a:t>
-            </a:r>
-            <a:endParaRPr lang="en-US" altLang="ja-JP" sz="2800" dirty="0" smtClean="0"/>
+              <a:rPr lang="ja-JP" altLang="en-US" dirty="0"/>
+              <a:t>等のプログラム経験は多少あるけど</a:t>
+            </a:r>
+            <a:r>
+              <a:rPr lang="ja-JP" altLang="en-US" dirty="0" smtClean="0"/>
+              <a:t>、モバイル</a:t>
+            </a:r>
+            <a:r>
+              <a:rPr lang="ja-JP" altLang="en-US" dirty="0"/>
+              <a:t>のアプリケーションは開発したことない人向け</a:t>
+            </a:r>
+            <a:endParaRPr lang="en-US" altLang="ja-JP" dirty="0"/>
           </a:p>
           <a:p>
             <a:pPr marL="0" indent="0">
               <a:buNone/>
             </a:pPr>
             <a:r>
-              <a:rPr lang="ja-JP" altLang="en-US" sz="2800" dirty="0" smtClean="0"/>
-              <a:t>モバイルのアプリケーションは開発したことない人向け</a:t>
-            </a:r>
-            <a:endParaRPr lang="en-US" altLang="ja-JP" sz="2800" dirty="0" smtClean="0"/>
-          </a:p>
-          <a:p>
-            <a:pPr marL="0" indent="0">
-              <a:buNone/>
-            </a:pPr>
-            <a:r>
-              <a:rPr kumimoji="1" lang="ja-JP" altLang="en-US" sz="2800" dirty="0" smtClean="0"/>
+              <a:rPr lang="ja-JP" altLang="en-US" dirty="0"/>
               <a:t>⇒開発初心者用の資料となっています。</a:t>
             </a:r>
-            <a:endParaRPr kumimoji="1" lang="en-US" altLang="ja-JP" sz="2800" dirty="0"/>
+            <a:endParaRPr lang="en-US" altLang="ja-JP" dirty="0"/>
           </a:p>
         </p:txBody>
       </p:sp>
@@ -32007,11 +32126,19 @@
           <a:p>
             <a:r>
               <a:rPr lang="en-US" altLang="ja-JP" dirty="0" smtClean="0"/>
-              <a:t>2-5.</a:t>
+              <a:t>2-5</a:t>
+            </a:r>
+            <a:r>
+              <a:rPr lang="en-US" altLang="ja-JP" dirty="0" smtClean="0"/>
+              <a:t>. </a:t>
             </a:r>
             <a:r>
               <a:rPr lang="ja-JP" altLang="en-US" dirty="0" smtClean="0"/>
-              <a:t>簡単なサンプルソース　～</a:t>
+              <a:t>簡単</a:t>
+            </a:r>
+            <a:r>
+              <a:rPr lang="ja-JP" altLang="en-US" dirty="0" smtClean="0"/>
+              <a:t>なサンプルソース　～</a:t>
             </a:r>
             <a:r>
               <a:rPr lang="en-US" altLang="ja-JP" dirty="0" smtClean="0"/>
@@ -32230,11 +32357,19 @@
           <a:p>
             <a:r>
               <a:rPr kumimoji="1" lang="en-US" altLang="ja-JP" dirty="0" smtClean="0"/>
-              <a:t>2-5.</a:t>
+              <a:t>2-5</a:t>
+            </a:r>
+            <a:r>
+              <a:rPr kumimoji="1" lang="en-US" altLang="ja-JP" dirty="0" smtClean="0"/>
+              <a:t>. </a:t>
             </a:r>
             <a:r>
               <a:rPr lang="ja-JP" altLang="en-US" dirty="0" smtClean="0"/>
-              <a:t>簡単なサンプルソース　～時計～</a:t>
+              <a:t>簡単</a:t>
+            </a:r>
+            <a:r>
+              <a:rPr lang="ja-JP" altLang="en-US" dirty="0" smtClean="0"/>
+              <a:t>なサンプルソース　～時計～</a:t>
             </a:r>
             <a:endParaRPr kumimoji="1" lang="ja-JP" altLang="en-US" dirty="0"/>
           </a:p>
@@ -32374,11 +32509,19 @@
           <a:p>
             <a:r>
               <a:rPr lang="en-US" altLang="ja-JP" dirty="0" smtClean="0"/>
-              <a:t>2-5.</a:t>
+              <a:t>2-5</a:t>
+            </a:r>
+            <a:r>
+              <a:rPr lang="en-US" altLang="ja-JP" dirty="0" smtClean="0"/>
+              <a:t>. </a:t>
             </a:r>
             <a:r>
               <a:rPr lang="ja-JP" altLang="en-US" dirty="0" smtClean="0"/>
-              <a:t>簡単なサンプルソース　～時計～</a:t>
+              <a:t>簡単</a:t>
+            </a:r>
+            <a:r>
+              <a:rPr lang="ja-JP" altLang="en-US" dirty="0" smtClean="0"/>
+              <a:t>なサンプルソース　～時計～</a:t>
             </a:r>
             <a:endParaRPr kumimoji="1" lang="ja-JP" altLang="en-US" dirty="0"/>
           </a:p>
@@ -32855,11 +32998,19 @@
           <a:p>
             <a:r>
               <a:rPr lang="en-US" altLang="ja-JP" dirty="0" smtClean="0"/>
-              <a:t>2-5.</a:t>
+              <a:t>2-5</a:t>
+            </a:r>
+            <a:r>
+              <a:rPr lang="en-US" altLang="ja-JP" dirty="0" smtClean="0"/>
+              <a:t>. </a:t>
             </a:r>
             <a:r>
               <a:rPr lang="ja-JP" altLang="en-US" dirty="0" smtClean="0"/>
-              <a:t>簡単なサンプルソース　～時計～</a:t>
+              <a:t>簡単</a:t>
+            </a:r>
+            <a:r>
+              <a:rPr lang="ja-JP" altLang="en-US" dirty="0" smtClean="0"/>
+              <a:t>なサンプルソース　～時計～</a:t>
             </a:r>
             <a:endParaRPr kumimoji="1" lang="ja-JP" altLang="en-US" dirty="0"/>
           </a:p>
@@ -33269,16 +33420,16 @@
         <p:spPr>
           <a:xfrm>
             <a:off x="5514535" y="2155371"/>
-            <a:ext cx="6316393" cy="1769516"/>
+            <a:ext cx="6316393" cy="1380931"/>
           </a:xfrm>
           <a:prstGeom prst="borderCallout2">
             <a:avLst>
-              <a:gd name="adj1" fmla="val 17750"/>
-              <a:gd name="adj2" fmla="val 413"/>
-              <a:gd name="adj3" fmla="val 1826"/>
-              <a:gd name="adj4" fmla="val -17979"/>
-              <a:gd name="adj5" fmla="val 30351"/>
-              <a:gd name="adj6" fmla="val -40701"/>
+              <a:gd name="adj1" fmla="val 10318"/>
+              <a:gd name="adj2" fmla="val -30"/>
+              <a:gd name="adj3" fmla="val 9934"/>
+              <a:gd name="adj4" fmla="val -15911"/>
+              <a:gd name="adj5" fmla="val 44540"/>
+              <a:gd name="adj6" fmla="val -39962"/>
             </a:avLst>
           </a:prstGeom>
           <a:solidFill>
@@ -33435,17 +33586,17 @@
         </p:nvSpPr>
         <p:spPr>
           <a:xfrm>
-            <a:off x="5670896" y="4291315"/>
-            <a:ext cx="5555122" cy="831273"/>
+            <a:off x="5514534" y="4291315"/>
+            <a:ext cx="6316393" cy="831273"/>
           </a:xfrm>
           <a:prstGeom prst="borderCallout2">
             <a:avLst>
-              <a:gd name="adj1" fmla="val 17750"/>
-              <a:gd name="adj2" fmla="val 413"/>
+              <a:gd name="adj1" fmla="val 46934"/>
+              <a:gd name="adj2" fmla="val -259"/>
               <a:gd name="adj3" fmla="val 49212"/>
               <a:gd name="adj4" fmla="val -18635"/>
               <a:gd name="adj5" fmla="val -75452"/>
-              <a:gd name="adj6" fmla="val -67536"/>
+              <a:gd name="adj6" fmla="val -58820"/>
             </a:avLst>
           </a:prstGeom>
           <a:solidFill>
@@ -33613,11 +33764,19 @@
           <a:p>
             <a:r>
               <a:rPr lang="en-US" altLang="ja-JP" dirty="0" smtClean="0"/>
-              <a:t>2-5.</a:t>
+              <a:t>2-5</a:t>
+            </a:r>
+            <a:r>
+              <a:rPr lang="en-US" altLang="ja-JP" dirty="0" smtClean="0"/>
+              <a:t>. </a:t>
             </a:r>
             <a:r>
               <a:rPr lang="ja-JP" altLang="en-US" dirty="0" smtClean="0"/>
-              <a:t>簡単なサンプルソース　～時計～</a:t>
+              <a:t>簡単</a:t>
+            </a:r>
+            <a:r>
+              <a:rPr lang="ja-JP" altLang="en-US" dirty="0" smtClean="0"/>
+              <a:t>なサンプルソース　～時計～</a:t>
             </a:r>
             <a:endParaRPr kumimoji="1" lang="ja-JP" altLang="en-US" dirty="0"/>
           </a:p>
@@ -33954,9 +34113,9 @@
           <a:prstGeom prst="borderCallout2">
             <a:avLst>
               <a:gd name="adj1" fmla="val 17750"/>
-              <a:gd name="adj2" fmla="val 413"/>
-              <a:gd name="adj3" fmla="val 6904"/>
-              <a:gd name="adj4" fmla="val -20914"/>
+              <a:gd name="adj2" fmla="val -427"/>
+              <a:gd name="adj3" fmla="val 18128"/>
+              <a:gd name="adj4" fmla="val -18395"/>
               <a:gd name="adj5" fmla="val 95472"/>
               <a:gd name="adj6" fmla="val -67283"/>
             </a:avLst>
@@ -34036,8 +34195,8 @@
           </a:xfrm>
           <a:prstGeom prst="borderCallout2">
             <a:avLst>
-              <a:gd name="adj1" fmla="val 17750"/>
-              <a:gd name="adj2" fmla="val 413"/>
+              <a:gd name="adj1" fmla="val 22847"/>
+              <a:gd name="adj2" fmla="val 77"/>
               <a:gd name="adj3" fmla="val 23127"/>
               <a:gd name="adj4" fmla="val -22687"/>
               <a:gd name="adj5" fmla="val -10183"/>
@@ -34255,11 +34414,19 @@
           <a:p>
             <a:r>
               <a:rPr lang="en-US" altLang="ja-JP" dirty="0" smtClean="0"/>
-              <a:t>2-5.</a:t>
+              <a:t>2-5</a:t>
+            </a:r>
+            <a:r>
+              <a:rPr lang="en-US" altLang="ja-JP" dirty="0" smtClean="0"/>
+              <a:t>. </a:t>
             </a:r>
             <a:r>
               <a:rPr lang="ja-JP" altLang="en-US" dirty="0" smtClean="0"/>
-              <a:t>簡単なサンプルソース　～時計～</a:t>
+              <a:t>簡単</a:t>
+            </a:r>
+            <a:r>
+              <a:rPr lang="ja-JP" altLang="en-US" dirty="0" smtClean="0"/>
+              <a:t>なサンプルソース　～時計～</a:t>
             </a:r>
             <a:endParaRPr kumimoji="1" lang="ja-JP" altLang="en-US" dirty="0"/>
           </a:p>
@@ -34742,16 +34909,16 @@
         <p:spPr>
           <a:xfrm>
             <a:off x="5781822" y="2178818"/>
-            <a:ext cx="6063175" cy="1141157"/>
+            <a:ext cx="6063175" cy="816309"/>
           </a:xfrm>
           <a:prstGeom prst="borderCallout2">
             <a:avLst>
-              <a:gd name="adj1" fmla="val 17750"/>
-              <a:gd name="adj2" fmla="val 413"/>
-              <a:gd name="adj3" fmla="val 1781"/>
-              <a:gd name="adj4" fmla="val -22434"/>
-              <a:gd name="adj5" fmla="val 28236"/>
-              <a:gd name="adj6" fmla="val -70687"/>
+              <a:gd name="adj1" fmla="val 18893"/>
+              <a:gd name="adj2" fmla="val -203"/>
+              <a:gd name="adj3" fmla="val 18926"/>
+              <a:gd name="adj4" fmla="val -14278"/>
+              <a:gd name="adj5" fmla="val 39666"/>
+              <a:gd name="adj6" fmla="val -68994"/>
             </a:avLst>
           </a:prstGeom>
           <a:solidFill>
@@ -34860,17 +35027,17 @@
         </p:nvSpPr>
         <p:spPr>
           <a:xfrm>
-            <a:off x="5793545" y="4117815"/>
-            <a:ext cx="6063175" cy="1185705"/>
+            <a:off x="5793545" y="3893881"/>
+            <a:ext cx="6063175" cy="827409"/>
           </a:xfrm>
           <a:prstGeom prst="borderCallout2">
             <a:avLst>
-              <a:gd name="adj1" fmla="val 17750"/>
-              <a:gd name="adj2" fmla="val 413"/>
-              <a:gd name="adj3" fmla="val 9898"/>
-              <a:gd name="adj4" fmla="val -11298"/>
-              <a:gd name="adj5" fmla="val 37643"/>
-              <a:gd name="adj6" fmla="val -36348"/>
+              <a:gd name="adj1" fmla="val 27899"/>
+              <a:gd name="adj2" fmla="val -48"/>
+              <a:gd name="adj3" fmla="val 30196"/>
+              <a:gd name="adj4" fmla="val -10529"/>
+              <a:gd name="adj5" fmla="val 83878"/>
+              <a:gd name="adj6" fmla="val -28192"/>
             </a:avLst>
           </a:prstGeom>
           <a:solidFill>
@@ -35042,11 +35209,19 @@
           <a:p>
             <a:r>
               <a:rPr lang="en-US" altLang="ja-JP" dirty="0" smtClean="0"/>
-              <a:t>2-5.</a:t>
+              <a:t>2-5</a:t>
+            </a:r>
+            <a:r>
+              <a:rPr lang="en-US" altLang="ja-JP" dirty="0" smtClean="0"/>
+              <a:t>. </a:t>
             </a:r>
             <a:r>
               <a:rPr lang="ja-JP" altLang="en-US" dirty="0" smtClean="0"/>
-              <a:t>簡単なサンプルソース　～時計～</a:t>
+              <a:t>簡単</a:t>
+            </a:r>
+            <a:r>
+              <a:rPr lang="ja-JP" altLang="en-US" dirty="0" smtClean="0"/>
+              <a:t>なサンプルソース　～時計～</a:t>
             </a:r>
             <a:endParaRPr kumimoji="1" lang="ja-JP" altLang="en-US" dirty="0"/>
           </a:p>
@@ -35328,12 +35503,12 @@
           </a:xfrm>
           <a:prstGeom prst="borderCallout2">
             <a:avLst>
-              <a:gd name="adj1" fmla="val 17750"/>
-              <a:gd name="adj2" fmla="val 413"/>
-              <a:gd name="adj3" fmla="val 31367"/>
-              <a:gd name="adj4" fmla="val -18843"/>
-              <a:gd name="adj5" fmla="val 86175"/>
-              <a:gd name="adj6" fmla="val -57926"/>
+              <a:gd name="adj1" fmla="val 16932"/>
+              <a:gd name="adj2" fmla="val -320"/>
+              <a:gd name="adj3" fmla="val 16649"/>
+              <a:gd name="adj4" fmla="val -17011"/>
+              <a:gd name="adj5" fmla="val 100075"/>
+              <a:gd name="adj6" fmla="val -47482"/>
             </a:avLst>
           </a:prstGeom>
           <a:solidFill>
@@ -35513,11 +35688,19 @@
           <a:p>
             <a:r>
               <a:rPr lang="en-US" altLang="ja-JP" dirty="0" smtClean="0"/>
-              <a:t>2-5.</a:t>
+              <a:t>2-5</a:t>
+            </a:r>
+            <a:r>
+              <a:rPr lang="en-US" altLang="ja-JP" dirty="0" smtClean="0"/>
+              <a:t>. </a:t>
             </a:r>
             <a:r>
               <a:rPr lang="ja-JP" altLang="en-US" dirty="0" smtClean="0"/>
-              <a:t>簡単なサンプルソース　～時計～</a:t>
+              <a:t>簡単</a:t>
+            </a:r>
+            <a:r>
+              <a:rPr lang="ja-JP" altLang="en-US" dirty="0" smtClean="0"/>
+              <a:t>なサンプルソース　～時計～</a:t>
             </a:r>
             <a:endParaRPr kumimoji="1" lang="ja-JP" altLang="en-US" dirty="0"/>
           </a:p>
@@ -35881,7 +36064,15 @@
           <a:p>
             <a:r>
               <a:rPr lang="en-US" altLang="ja-JP" dirty="0" smtClean="0"/>
-              <a:t>2-1. React</a:t>
+              <a:t>2-1. </a:t>
+            </a:r>
+            <a:r>
+              <a:rPr lang="en-US" altLang="ja-JP" dirty="0" smtClean="0"/>
+              <a:t>React</a:t>
+            </a:r>
+            <a:r>
+              <a:rPr lang="ja-JP" altLang="en-US" dirty="0" smtClean="0"/>
+              <a:t>とは</a:t>
             </a:r>
             <a:endParaRPr kumimoji="1" lang="ja-JP" altLang="en-US" dirty="0"/>
           </a:p>
@@ -35897,8 +36088,8 @@
         </p:nvSpPr>
         <p:spPr>
           <a:xfrm>
-            <a:off x="421964" y="1268361"/>
-            <a:ext cx="11412482" cy="1070393"/>
+            <a:off x="421964" y="1212377"/>
+            <a:ext cx="11412482" cy="831028"/>
           </a:xfrm>
           <a:prstGeom prst="rect">
             <a:avLst/>
@@ -36108,7 +36299,7 @@
         </p:nvSpPr>
         <p:spPr>
           <a:xfrm>
-            <a:off x="551050" y="3338257"/>
+            <a:off x="551050" y="3207626"/>
             <a:ext cx="3883777" cy="461665"/>
           </a:xfrm>
           <a:prstGeom prst="rect">
@@ -36159,7 +36350,7 @@
         </p:nvSpPr>
         <p:spPr>
           <a:xfrm>
-            <a:off x="555219" y="2657062"/>
+            <a:off x="555219" y="2526431"/>
             <a:ext cx="5370796" cy="461665"/>
           </a:xfrm>
           <a:prstGeom prst="rect">
@@ -36218,7 +36409,7 @@
         </p:nvSpPr>
         <p:spPr>
           <a:xfrm>
-            <a:off x="551050" y="4019452"/>
+            <a:off x="551050" y="3888821"/>
             <a:ext cx="6597096" cy="461665"/>
           </a:xfrm>
           <a:prstGeom prst="rect">
@@ -36470,7 +36661,7 @@
             <a:effectLst/>
             <a:extLst>
               <a:ext uri="{C572A759-6A51-4108-AA02-DFA0A04FC94B}">
-                <ma14:wrappingTextBoxFlag xmlns:ma14="http://schemas.microsoft.com/office/mac/drawingml/2011/main" xmlns="" val="1"/>
+                <ma14:wrappingTextBoxFlag xmlns="" xmlns:ma14="http://schemas.microsoft.com/office/mac/drawingml/2011/main" val="1"/>
               </a:ext>
             </a:extLst>
           </p:spPr>
@@ -37080,7 +37271,7 @@
             <a:effectLst/>
             <a:extLst>
               <a:ext uri="{C572A759-6A51-4108-AA02-DFA0A04FC94B}">
-                <ma14:wrappingTextBoxFlag xmlns:ma14="http://schemas.microsoft.com/office/mac/drawingml/2011/main" xmlns="" val="1"/>
+                <ma14:wrappingTextBoxFlag xmlns="" xmlns:ma14="http://schemas.microsoft.com/office/mac/drawingml/2011/main" val="1"/>
               </a:ext>
             </a:extLst>
           </p:spPr>
@@ -37320,7 +37511,7 @@
           </a:ln>
           <a:extLst>
             <a:ext uri="{C572A759-6A51-4108-AA02-DFA0A04FC94B}">
-              <ma14:wrappingTextBoxFlag xmlns:ma14="http://schemas.microsoft.com/office/mac/drawingml/2011/main" xmlns="" val="1"/>
+              <ma14:wrappingTextBoxFlag xmlns="" xmlns:ma14="http://schemas.microsoft.com/office/mac/drawingml/2011/main" val="1"/>
             </a:ext>
           </a:extLst>
         </p:spPr>
@@ -37778,7 +37969,7 @@
           </a:ln>
           <a:extLst>
             <a:ext uri="{C572A759-6A51-4108-AA02-DFA0A04FC94B}">
-              <ma14:wrappingTextBoxFlag xmlns="" xmlns:ma14="http://schemas.microsoft.com/office/mac/drawingml/2011/main" val="1"/>
+              <ma14:wrappingTextBoxFlag xmlns:ma14="http://schemas.microsoft.com/office/mac/drawingml/2011/main" xmlns="" val="1"/>
             </a:ext>
           </a:extLst>
         </p:spPr>
@@ -39339,7 +39530,7 @@
           </a:ln>
           <a:extLst>
             <a:ext uri="{C572A759-6A51-4108-AA02-DFA0A04FC94B}">
-              <ma14:wrappingTextBoxFlag xmlns="" xmlns:ma14="http://schemas.microsoft.com/office/mac/drawingml/2011/main" val="1"/>
+              <ma14:wrappingTextBoxFlag xmlns:ma14="http://schemas.microsoft.com/office/mac/drawingml/2011/main" xmlns="" val="1"/>
             </a:ext>
           </a:extLst>
         </p:spPr>
@@ -39395,7 +39586,7 @@
           </a:ln>
           <a:extLst>
             <a:ext uri="{C572A759-6A51-4108-AA02-DFA0A04FC94B}">
-              <ma14:wrappingTextBoxFlag xmlns="" xmlns:ma14="http://schemas.microsoft.com/office/mac/drawingml/2011/main" val="1"/>
+              <ma14:wrappingTextBoxFlag xmlns:ma14="http://schemas.microsoft.com/office/mac/drawingml/2011/main" xmlns="" val="1"/>
             </a:ext>
           </a:extLst>
         </p:spPr>
@@ -39444,7 +39635,7 @@
           </a:ln>
           <a:extLst>
             <a:ext uri="{C572A759-6A51-4108-AA02-DFA0A04FC94B}">
-              <ma14:wrappingTextBoxFlag xmlns="" xmlns:ma14="http://schemas.microsoft.com/office/mac/drawingml/2011/main" val="1"/>
+              <ma14:wrappingTextBoxFlag xmlns:ma14="http://schemas.microsoft.com/office/mac/drawingml/2011/main" xmlns="" val="1"/>
             </a:ext>
           </a:extLst>
         </p:spPr>
@@ -39492,7 +39683,7 @@
           </a:ln>
           <a:extLst>
             <a:ext uri="{C572A759-6A51-4108-AA02-DFA0A04FC94B}">
-              <ma14:wrappingTextBoxFlag xmlns="" xmlns:ma14="http://schemas.microsoft.com/office/mac/drawingml/2011/main" val="1"/>
+              <ma14:wrappingTextBoxFlag xmlns:ma14="http://schemas.microsoft.com/office/mac/drawingml/2011/main" xmlns="" val="1"/>
             </a:ext>
           </a:extLst>
         </p:spPr>
@@ -39604,7 +39795,7 @@
           </a:ln>
           <a:extLst>
             <a:ext uri="{C572A759-6A51-4108-AA02-DFA0A04FC94B}">
-              <ma14:wrappingTextBoxFlag xmlns="" xmlns:ma14="http://schemas.microsoft.com/office/mac/drawingml/2011/main" val="1"/>
+              <ma14:wrappingTextBoxFlag xmlns:ma14="http://schemas.microsoft.com/office/mac/drawingml/2011/main" xmlns="" val="1"/>
             </a:ext>
           </a:extLst>
         </p:spPr>
@@ -39930,7 +40121,7 @@
             <a:effectLst/>
             <a:extLst>
               <a:ext uri="{C572A759-6A51-4108-AA02-DFA0A04FC94B}">
-                <ma14:wrappingTextBoxFlag xmlns:ma14="http://schemas.microsoft.com/office/mac/drawingml/2011/main" xmlns="" val="1"/>
+                <ma14:wrappingTextBoxFlag xmlns="" xmlns:ma14="http://schemas.microsoft.com/office/mac/drawingml/2011/main" val="1"/>
               </a:ext>
             </a:extLst>
           </p:spPr>
@@ -40669,7 +40860,7 @@
           <a:effectLst/>
           <a:extLst>
             <a:ext uri="{C572A759-6A51-4108-AA02-DFA0A04FC94B}">
-              <ma14:wrappingTextBoxFlag xmlns:ma14="http://schemas.microsoft.com/office/mac/drawingml/2011/main" xmlns="" val="1"/>
+              <ma14:wrappingTextBoxFlag xmlns="" xmlns:ma14="http://schemas.microsoft.com/office/mac/drawingml/2011/main" val="1"/>
             </a:ext>
           </a:extLst>
         </p:spPr>
@@ -40821,7 +41012,7 @@
             <a:effectLst/>
             <a:extLst>
               <a:ext uri="{C572A759-6A51-4108-AA02-DFA0A04FC94B}">
-                <ma14:wrappingTextBoxFlag xmlns:ma14="http://schemas.microsoft.com/office/mac/drawingml/2011/main" xmlns="" val="1"/>
+                <ma14:wrappingTextBoxFlag xmlns="" xmlns:ma14="http://schemas.microsoft.com/office/mac/drawingml/2011/main" val="1"/>
               </a:ext>
             </a:extLst>
           </p:spPr>
@@ -41321,8 +41512,112 @@
             <a:avLst/>
           </a:prstGeom>
           <a:solidFill>
+            <a:schemeClr val="tx1"/>
+          </a:solidFill>
+          <a:ln>
+            <a:noFill/>
+          </a:ln>
+        </p:spPr>
+        <p:style>
+          <a:lnRef idx="3">
+            <a:schemeClr val="lt1"/>
+          </a:lnRef>
+          <a:fillRef idx="1">
+            <a:schemeClr val="accent4"/>
+          </a:fillRef>
+          <a:effectRef idx="1">
+            <a:schemeClr val="accent4"/>
+          </a:effectRef>
+          <a:fontRef idx="minor">
+            <a:schemeClr val="lt1"/>
+          </a:fontRef>
+        </p:style>
+        <p:txBody>
+          <a:bodyPr rtlCol="0" anchor="ctr"/>
+          <a:lstStyle/>
+          <a:p>
+            <a:pPr algn="ctr"/>
+            <a:r>
+              <a:rPr lang="ja-JP" altLang="en-US" sz="2000" dirty="0" smtClean="0"/>
+              <a:t>実</a:t>
+            </a:r>
+            <a:r>
+              <a:rPr lang="en-US" altLang="ja-JP" sz="2000" dirty="0" smtClean="0"/>
+              <a:t>DOM</a:t>
+            </a:r>
+            <a:endParaRPr lang="ja-JP" altLang="en-US" sz="2000" dirty="0"/>
+          </a:p>
+        </p:txBody>
+      </p:sp>
+      <p:sp>
+        <p:nvSpPr>
+          <p:cNvPr id="22" name="角丸四角形 21"/>
+          <p:cNvSpPr/>
+          <p:nvPr/>
+        </p:nvSpPr>
+        <p:spPr>
+          <a:xfrm>
+            <a:off x="7602579" y="5317290"/>
+            <a:ext cx="1322247" cy="1095531"/>
+          </a:xfrm>
+          <a:prstGeom prst="roundRect">
+            <a:avLst/>
+          </a:prstGeom>
+          <a:solidFill>
+            <a:schemeClr val="tx1"/>
+          </a:solidFill>
+          <a:ln>
+            <a:noFill/>
+          </a:ln>
+        </p:spPr>
+        <p:style>
+          <a:lnRef idx="3">
+            <a:schemeClr val="lt1"/>
+          </a:lnRef>
+          <a:fillRef idx="1">
+            <a:schemeClr val="accent4"/>
+          </a:fillRef>
+          <a:effectRef idx="1">
+            <a:schemeClr val="accent4"/>
+          </a:effectRef>
+          <a:fontRef idx="minor">
+            <a:schemeClr val="lt1"/>
+          </a:fontRef>
+        </p:style>
+        <p:txBody>
+          <a:bodyPr rtlCol="0" anchor="ctr"/>
+          <a:lstStyle/>
+          <a:p>
+            <a:pPr algn="ctr"/>
+            <a:r>
+              <a:rPr lang="ja-JP" altLang="en-US" sz="2000" dirty="0" smtClean="0"/>
+              <a:t>実</a:t>
+            </a:r>
+            <a:r>
+              <a:rPr lang="en-US" altLang="ja-JP" sz="2000" dirty="0" smtClean="0"/>
+              <a:t>DOM</a:t>
+            </a:r>
+            <a:endParaRPr lang="ja-JP" altLang="en-US" sz="2000" dirty="0"/>
+          </a:p>
+        </p:txBody>
+      </p:sp>
+      <p:sp>
+        <p:nvSpPr>
+          <p:cNvPr id="24" name="角丸四角形 23"/>
+          <p:cNvSpPr/>
+          <p:nvPr/>
+        </p:nvSpPr>
+        <p:spPr>
+          <a:xfrm>
+            <a:off x="3694784" y="5313234"/>
+            <a:ext cx="1322247" cy="1095531"/>
+          </a:xfrm>
+          <a:prstGeom prst="roundRect">
+            <a:avLst/>
+          </a:prstGeom>
+          <a:solidFill>
             <a:schemeClr val="bg2">
-              <a:lumMod val="50000"/>
+              <a:lumMod val="25000"/>
             </a:schemeClr>
           </a:solidFill>
           <a:ln>
@@ -41347,122 +41642,22 @@
           <a:bodyPr rtlCol="0" anchor="ctr"/>
           <a:lstStyle/>
           <a:p>
-            <a:pPr algn="ctr"/>
-            <a:r>
-              <a:rPr lang="ja-JP" altLang="en-US" sz="2000" dirty="0" smtClean="0"/>
-              <a:t>実</a:t>
-            </a:r>
-            <a:r>
-              <a:rPr lang="en-US" altLang="ja-JP" sz="2000" dirty="0" smtClean="0"/>
+            <a:pPr algn="ctr" hangingPunct="0"/>
+            <a:r>
+              <a:rPr kumimoji="0" lang="ja-JP" altLang="en-US" sz="2000" dirty="0">
+                <a:sym typeface="Meiryo UI"/>
+              </a:rPr>
+              <a:t>旧仮想</a:t>
+            </a:r>
+            <a:r>
+              <a:rPr kumimoji="0" lang="en-US" altLang="ja-JP" sz="2000" dirty="0">
+                <a:sym typeface="Meiryo UI"/>
+              </a:rPr>
               <a:t>DOM</a:t>
             </a:r>
-            <a:endParaRPr lang="ja-JP" altLang="en-US" sz="2000" dirty="0"/>
-          </a:p>
-        </p:txBody>
-      </p:sp>
-      <p:sp>
-        <p:nvSpPr>
-          <p:cNvPr id="22" name="角丸四角形 21"/>
-          <p:cNvSpPr/>
-          <p:nvPr/>
-        </p:nvSpPr>
-        <p:spPr>
-          <a:xfrm>
-            <a:off x="7602579" y="5317290"/>
-            <a:ext cx="1322247" cy="1095531"/>
-          </a:xfrm>
-          <a:prstGeom prst="roundRect">
-            <a:avLst/>
-          </a:prstGeom>
-          <a:solidFill>
-            <a:schemeClr val="bg2">
-              <a:lumMod val="50000"/>
-            </a:schemeClr>
-          </a:solidFill>
-          <a:ln>
-            <a:noFill/>
-          </a:ln>
-        </p:spPr>
-        <p:style>
-          <a:lnRef idx="3">
-            <a:schemeClr val="lt1"/>
-          </a:lnRef>
-          <a:fillRef idx="1">
-            <a:schemeClr val="accent4"/>
-          </a:fillRef>
-          <a:effectRef idx="1">
-            <a:schemeClr val="accent4"/>
-          </a:effectRef>
-          <a:fontRef idx="minor">
-            <a:schemeClr val="lt1"/>
-          </a:fontRef>
-        </p:style>
-        <p:txBody>
-          <a:bodyPr rtlCol="0" anchor="ctr"/>
-          <a:lstStyle/>
-          <a:p>
-            <a:pPr algn="ctr"/>
-            <a:r>
-              <a:rPr lang="ja-JP" altLang="en-US" sz="2000" dirty="0" smtClean="0"/>
-              <a:t>実</a:t>
-            </a:r>
-            <a:r>
-              <a:rPr lang="en-US" altLang="ja-JP" sz="2000" dirty="0" smtClean="0"/>
-              <a:t>DOM</a:t>
-            </a:r>
-            <a:endParaRPr lang="ja-JP" altLang="en-US" sz="2000" dirty="0"/>
-          </a:p>
-        </p:txBody>
-      </p:sp>
-      <p:sp>
-        <p:nvSpPr>
-          <p:cNvPr id="24" name="角丸四角形 23"/>
-          <p:cNvSpPr/>
-          <p:nvPr/>
-        </p:nvSpPr>
-        <p:spPr>
-          <a:xfrm>
-            <a:off x="3694784" y="5313234"/>
-            <a:ext cx="1322247" cy="1095531"/>
-          </a:xfrm>
-          <a:prstGeom prst="roundRect">
-            <a:avLst/>
-          </a:prstGeom>
-          <a:solidFill>
-            <a:schemeClr val="bg2"/>
-          </a:solidFill>
-          <a:ln>
-            <a:noFill/>
-          </a:ln>
-        </p:spPr>
-        <p:style>
-          <a:lnRef idx="3">
-            <a:schemeClr val="lt1"/>
-          </a:lnRef>
-          <a:fillRef idx="1">
-            <a:schemeClr val="accent4"/>
-          </a:fillRef>
-          <a:effectRef idx="1">
-            <a:schemeClr val="accent4"/>
-          </a:effectRef>
-          <a:fontRef idx="minor">
-            <a:schemeClr val="lt1"/>
-          </a:fontRef>
-        </p:style>
-        <p:txBody>
-          <a:bodyPr rtlCol="0" anchor="ctr"/>
-          <a:lstStyle/>
-          <a:p>
-            <a:pPr algn="ctr"/>
-            <a:r>
-              <a:rPr lang="ja-JP" altLang="en-US" sz="2000" dirty="0" smtClean="0"/>
-              <a:t>旧仮想</a:t>
-            </a:r>
-            <a:r>
-              <a:rPr lang="en-US" altLang="ja-JP" sz="2000" dirty="0" smtClean="0"/>
-              <a:t>DOM</a:t>
-            </a:r>
-            <a:endParaRPr lang="ja-JP" altLang="en-US" sz="2000" dirty="0"/>
+            <a:endParaRPr kumimoji="0" lang="ja-JP" altLang="en-US" sz="2000" dirty="0">
+              <a:sym typeface="Meiryo UI"/>
+            </a:endParaRPr>
           </a:p>
         </p:txBody>
       </p:sp>
@@ -41481,7 +41676,9 @@
             <a:avLst/>
           </a:prstGeom>
           <a:solidFill>
-            <a:schemeClr val="bg2"/>
+            <a:schemeClr val="bg2">
+              <a:lumMod val="25000"/>
+            </a:schemeClr>
           </a:solidFill>
           <a:ln>
             <a:noFill/>

--- a/doc/02_SlideShare/01.ネタ/２_Reactの基礎/Reactを用いたスマホアプリケーション開発入門 Reactの基礎編.pptx
+++ b/doc/02_SlideShare/01.ネタ/２_Reactの基礎/Reactを用いたスマホアプリケーション開発入門 Reactの基礎編.pptx
@@ -4922,9 +4922,7 @@
             <a:avLst/>
           </a:prstGeom>
           <a:solidFill>
-            <a:schemeClr val="bg2">
-              <a:lumMod val="50000"/>
-            </a:schemeClr>
+            <a:schemeClr val="tx1"/>
           </a:solidFill>
           <a:ln>
             <a:noFill/>
@@ -10065,25 +10063,8 @@
                 <a:latin typeface="ＭＳ Ｐゴシック" panose="020B0600070205080204" pitchFamily="50" charset="-128"/>
                 <a:ea typeface="ＭＳ Ｐゴシック" panose="020B0600070205080204" pitchFamily="50" charset="-128"/>
               </a:rPr>
-              <a:t>  &lt;/div</a:t>
-            </a:r>
-            <a:r>
-              <a:rPr lang="en-US" altLang="ja-JP" dirty="0" smtClean="0">
-                <a:solidFill>
-                  <a:schemeClr val="bg1"/>
-                </a:solidFill>
-                <a:latin typeface="ＭＳ Ｐゴシック" panose="020B0600070205080204" pitchFamily="50" charset="-128"/>
-                <a:ea typeface="ＭＳ Ｐゴシック" panose="020B0600070205080204" pitchFamily="50" charset="-128"/>
-              </a:rPr>
-              <a:t>&gt;,</a:t>
-            </a:r>
-            <a:endParaRPr lang="en-US" altLang="ja-JP" dirty="0" smtClean="0">
-              <a:solidFill>
-                <a:schemeClr val="bg1"/>
-              </a:solidFill>
-              <a:latin typeface="ＭＳ Ｐゴシック" panose="020B0600070205080204" pitchFamily="50" charset="-128"/>
-              <a:ea typeface="ＭＳ Ｐゴシック" panose="020B0600070205080204" pitchFamily="50" charset="-128"/>
-            </a:endParaRPr>
+              <a:t>  &lt;/div&gt;,</a:t>
+            </a:r>
           </a:p>
           <a:p>
             <a:r>
@@ -11616,13 +11597,6 @@
                 </a:rPr>
                 <a:t>"/&gt;,</a:t>
               </a:r>
-              <a:endParaRPr lang="en-US" altLang="ja-JP" dirty="0" smtClean="0">
-                <a:solidFill>
-                  <a:schemeClr val="bg1"/>
-                </a:solidFill>
-                <a:latin typeface="ＭＳ Ｐゴシック" panose="020B0600070205080204" pitchFamily="50" charset="-128"/>
-                <a:ea typeface="ＭＳ Ｐゴシック" panose="020B0600070205080204" pitchFamily="50" charset="-128"/>
-              </a:endParaRPr>
             </a:p>
             <a:p>
               <a:r>
@@ -12095,13 +12069,6 @@
                 </a:rPr>
                 <a:t>"/&gt;,</a:t>
               </a:r>
-              <a:endParaRPr lang="en-US" altLang="ja-JP" dirty="0" smtClean="0">
-                <a:solidFill>
-                  <a:schemeClr val="bg1"/>
-                </a:solidFill>
-                <a:latin typeface="ＭＳ Ｐゴシック" panose="020B0600070205080204" pitchFamily="50" charset="-128"/>
-                <a:ea typeface="ＭＳ Ｐゴシック" panose="020B0600070205080204" pitchFamily="50" charset="-128"/>
-              </a:endParaRPr>
             </a:p>
             <a:p>
               <a:r>
@@ -17505,11 +17472,7 @@
             </a:r>
             <a:r>
               <a:rPr lang="ja-JP" altLang="en-US" dirty="0" smtClean="0"/>
-              <a:t>の基礎知識 ～</a:t>
-            </a:r>
-            <a:r>
-              <a:rPr lang="ja-JP" altLang="en-US" dirty="0" smtClean="0"/>
-              <a:t>コンポーネント～</a:t>
+              <a:t>の基礎知識 ～コンポーネント～</a:t>
             </a:r>
             <a:endParaRPr lang="en-US" altLang="ja-JP" dirty="0"/>
           </a:p>
@@ -27062,19 +27025,11 @@
           <a:p>
             <a:r>
               <a:rPr lang="en-US" altLang="ja-JP" dirty="0" smtClean="0"/>
-              <a:t>1-1</a:t>
-            </a:r>
-            <a:r>
-              <a:rPr lang="en-US" altLang="ja-JP" dirty="0" smtClean="0"/>
-              <a:t>. </a:t>
+              <a:t>1-1. </a:t>
             </a:r>
             <a:r>
               <a:rPr lang="ja-JP" altLang="en-US" dirty="0" smtClean="0"/>
-              <a:t>まず</a:t>
-            </a:r>
-            <a:r>
-              <a:rPr lang="ja-JP" altLang="en-US" dirty="0" smtClean="0"/>
-              <a:t>はじめに</a:t>
+              <a:t>まずはじめに</a:t>
             </a:r>
             <a:endParaRPr kumimoji="1" lang="ja-JP" altLang="en-US" dirty="0"/>
           </a:p>
@@ -27122,11 +27077,7 @@
             </a:pPr>
             <a:r>
               <a:rPr lang="ja-JP" altLang="en-US" dirty="0"/>
-              <a:t>本資料</a:t>
-            </a:r>
-            <a:r>
-              <a:rPr lang="ja-JP" altLang="en-US" dirty="0"/>
-              <a:t>は、</a:t>
+              <a:t>本資料は、</a:t>
             </a:r>
             <a:r>
               <a:rPr lang="en-US" altLang="ja-JP" dirty="0"/>
@@ -30278,19 +30229,11 @@
           <a:p>
             <a:r>
               <a:rPr lang="en-US" altLang="ja-JP" dirty="0" smtClean="0"/>
-              <a:t>2-5</a:t>
-            </a:r>
-            <a:r>
-              <a:rPr lang="en-US" altLang="ja-JP" dirty="0" smtClean="0"/>
-              <a:t>. </a:t>
+              <a:t>2-5. </a:t>
             </a:r>
             <a:r>
               <a:rPr lang="ja-JP" altLang="en-US" dirty="0" smtClean="0"/>
-              <a:t>簡単</a:t>
-            </a:r>
-            <a:r>
-              <a:rPr lang="ja-JP" altLang="en-US" dirty="0" smtClean="0"/>
-              <a:t>なサンプルソース</a:t>
+              <a:t>簡単なサンプルソース</a:t>
             </a:r>
             <a:endParaRPr kumimoji="1" lang="ja-JP" altLang="en-US" dirty="0"/>
           </a:p>
@@ -30461,19 +30404,11 @@
           <a:p>
             <a:r>
               <a:rPr lang="en-US" altLang="ja-JP" dirty="0" smtClean="0"/>
-              <a:t>2-5</a:t>
-            </a:r>
-            <a:r>
-              <a:rPr lang="en-US" altLang="ja-JP" dirty="0" smtClean="0"/>
-              <a:t>. </a:t>
+              <a:t>2-5. </a:t>
             </a:r>
             <a:r>
               <a:rPr lang="ja-JP" altLang="en-US" dirty="0" smtClean="0"/>
-              <a:t>簡単</a:t>
-            </a:r>
-            <a:r>
-              <a:rPr lang="ja-JP" altLang="en-US" dirty="0" smtClean="0"/>
-              <a:t>なサンプルソース　～</a:t>
+              <a:t>簡単なサンプルソース　～</a:t>
             </a:r>
             <a:r>
               <a:rPr lang="en-US" altLang="ja-JP" dirty="0" smtClean="0"/>
@@ -30631,19 +30566,11 @@
           <a:p>
             <a:r>
               <a:rPr lang="en-US" altLang="ja-JP" dirty="0" smtClean="0"/>
-              <a:t>2-5</a:t>
-            </a:r>
-            <a:r>
-              <a:rPr lang="en-US" altLang="ja-JP" dirty="0" smtClean="0"/>
-              <a:t>. </a:t>
+              <a:t>2-5. </a:t>
             </a:r>
             <a:r>
               <a:rPr lang="ja-JP" altLang="en-US" dirty="0" smtClean="0"/>
-              <a:t>簡単</a:t>
-            </a:r>
-            <a:r>
-              <a:rPr lang="ja-JP" altLang="en-US" dirty="0" smtClean="0"/>
-              <a:t>なサンプルソース　～</a:t>
+              <a:t>簡単なサンプルソース　～</a:t>
             </a:r>
             <a:r>
               <a:rPr lang="en-US" altLang="ja-JP" dirty="0" smtClean="0"/>
@@ -31348,19 +31275,11 @@
           <a:p>
             <a:r>
               <a:rPr lang="en-US" altLang="ja-JP" dirty="0" smtClean="0"/>
-              <a:t>2-5</a:t>
-            </a:r>
-            <a:r>
-              <a:rPr lang="en-US" altLang="ja-JP" dirty="0" smtClean="0"/>
-              <a:t>. </a:t>
+              <a:t>2-5. </a:t>
             </a:r>
             <a:r>
               <a:rPr lang="ja-JP" altLang="en-US" dirty="0" smtClean="0"/>
-              <a:t>簡単</a:t>
-            </a:r>
-            <a:r>
-              <a:rPr lang="ja-JP" altLang="en-US" dirty="0" smtClean="0"/>
-              <a:t>なサンプルソース　～</a:t>
+              <a:t>簡単なサンプルソース　～</a:t>
             </a:r>
             <a:r>
               <a:rPr lang="en-US" altLang="ja-JP" dirty="0" smtClean="0"/>
@@ -31976,19 +31895,11 @@
           <a:p>
             <a:r>
               <a:rPr kumimoji="1" lang="en-US" altLang="ja-JP" dirty="0" smtClean="0"/>
-              <a:t>1-2</a:t>
-            </a:r>
-            <a:r>
-              <a:rPr kumimoji="1" lang="en-US" altLang="ja-JP" dirty="0" smtClean="0"/>
-              <a:t>. </a:t>
+              <a:t>1-2. </a:t>
             </a:r>
             <a:r>
               <a:rPr kumimoji="1" lang="ja-JP" altLang="en-US" dirty="0" smtClean="0"/>
-              <a:t>本資料</a:t>
-            </a:r>
-            <a:r>
-              <a:rPr kumimoji="1" lang="ja-JP" altLang="en-US" dirty="0" smtClean="0"/>
-              <a:t>の対象読者</a:t>
+              <a:t>本資料の対象読者</a:t>
             </a:r>
             <a:endParaRPr kumimoji="1" lang="ja-JP" altLang="en-US" dirty="0"/>
           </a:p>
@@ -32126,19 +32037,11 @@
           <a:p>
             <a:r>
               <a:rPr lang="en-US" altLang="ja-JP" dirty="0" smtClean="0"/>
-              <a:t>2-5</a:t>
-            </a:r>
-            <a:r>
-              <a:rPr lang="en-US" altLang="ja-JP" dirty="0" smtClean="0"/>
-              <a:t>. </a:t>
+              <a:t>2-5. </a:t>
             </a:r>
             <a:r>
               <a:rPr lang="ja-JP" altLang="en-US" dirty="0" smtClean="0"/>
-              <a:t>簡単</a:t>
-            </a:r>
-            <a:r>
-              <a:rPr lang="ja-JP" altLang="en-US" dirty="0" smtClean="0"/>
-              <a:t>なサンプルソース　～</a:t>
+              <a:t>簡単なサンプルソース　～</a:t>
             </a:r>
             <a:r>
               <a:rPr lang="en-US" altLang="ja-JP" dirty="0" smtClean="0"/>
@@ -32357,19 +32260,11 @@
           <a:p>
             <a:r>
               <a:rPr kumimoji="1" lang="en-US" altLang="ja-JP" dirty="0" smtClean="0"/>
-              <a:t>2-5</a:t>
-            </a:r>
-            <a:r>
-              <a:rPr kumimoji="1" lang="en-US" altLang="ja-JP" dirty="0" smtClean="0"/>
-              <a:t>. </a:t>
+              <a:t>2-5. </a:t>
             </a:r>
             <a:r>
               <a:rPr lang="ja-JP" altLang="en-US" dirty="0" smtClean="0"/>
-              <a:t>簡単</a:t>
-            </a:r>
-            <a:r>
-              <a:rPr lang="ja-JP" altLang="en-US" dirty="0" smtClean="0"/>
-              <a:t>なサンプルソース　～時計～</a:t>
+              <a:t>簡単なサンプルソース　～時計～</a:t>
             </a:r>
             <a:endParaRPr kumimoji="1" lang="ja-JP" altLang="en-US" dirty="0"/>
           </a:p>
@@ -32509,19 +32404,11 @@
           <a:p>
             <a:r>
               <a:rPr lang="en-US" altLang="ja-JP" dirty="0" smtClean="0"/>
-              <a:t>2-5</a:t>
-            </a:r>
-            <a:r>
-              <a:rPr lang="en-US" altLang="ja-JP" dirty="0" smtClean="0"/>
-              <a:t>. </a:t>
+              <a:t>2-5. </a:t>
             </a:r>
             <a:r>
               <a:rPr lang="ja-JP" altLang="en-US" dirty="0" smtClean="0"/>
-              <a:t>簡単</a:t>
-            </a:r>
-            <a:r>
-              <a:rPr lang="ja-JP" altLang="en-US" dirty="0" smtClean="0"/>
-              <a:t>なサンプルソース　～時計～</a:t>
+              <a:t>簡単なサンプルソース　～時計～</a:t>
             </a:r>
             <a:endParaRPr kumimoji="1" lang="ja-JP" altLang="en-US" dirty="0"/>
           </a:p>
@@ -32998,19 +32885,11 @@
           <a:p>
             <a:r>
               <a:rPr lang="en-US" altLang="ja-JP" dirty="0" smtClean="0"/>
-              <a:t>2-5</a:t>
-            </a:r>
-            <a:r>
-              <a:rPr lang="en-US" altLang="ja-JP" dirty="0" smtClean="0"/>
-              <a:t>. </a:t>
+              <a:t>2-5. </a:t>
             </a:r>
             <a:r>
               <a:rPr lang="ja-JP" altLang="en-US" dirty="0" smtClean="0"/>
-              <a:t>簡単</a:t>
-            </a:r>
-            <a:r>
-              <a:rPr lang="ja-JP" altLang="en-US" dirty="0" smtClean="0"/>
-              <a:t>なサンプルソース　～時計～</a:t>
+              <a:t>簡単なサンプルソース　～時計～</a:t>
             </a:r>
             <a:endParaRPr kumimoji="1" lang="ja-JP" altLang="en-US" dirty="0"/>
           </a:p>
@@ -33764,19 +33643,11 @@
           <a:p>
             <a:r>
               <a:rPr lang="en-US" altLang="ja-JP" dirty="0" smtClean="0"/>
-              <a:t>2-5</a:t>
-            </a:r>
-            <a:r>
-              <a:rPr lang="en-US" altLang="ja-JP" dirty="0" smtClean="0"/>
-              <a:t>. </a:t>
+              <a:t>2-5. </a:t>
             </a:r>
             <a:r>
               <a:rPr lang="ja-JP" altLang="en-US" dirty="0" smtClean="0"/>
-              <a:t>簡単</a:t>
-            </a:r>
-            <a:r>
-              <a:rPr lang="ja-JP" altLang="en-US" dirty="0" smtClean="0"/>
-              <a:t>なサンプルソース　～時計～</a:t>
+              <a:t>簡単なサンプルソース　～時計～</a:t>
             </a:r>
             <a:endParaRPr kumimoji="1" lang="ja-JP" altLang="en-US" dirty="0"/>
           </a:p>
@@ -34414,19 +34285,11 @@
           <a:p>
             <a:r>
               <a:rPr lang="en-US" altLang="ja-JP" dirty="0" smtClean="0"/>
-              <a:t>2-5</a:t>
-            </a:r>
-            <a:r>
-              <a:rPr lang="en-US" altLang="ja-JP" dirty="0" smtClean="0"/>
-              <a:t>. </a:t>
+              <a:t>2-5. </a:t>
             </a:r>
             <a:r>
               <a:rPr lang="ja-JP" altLang="en-US" dirty="0" smtClean="0"/>
-              <a:t>簡単</a:t>
-            </a:r>
-            <a:r>
-              <a:rPr lang="ja-JP" altLang="en-US" dirty="0" smtClean="0"/>
-              <a:t>なサンプルソース　～時計～</a:t>
+              <a:t>簡単なサンプルソース　～時計～</a:t>
             </a:r>
             <a:endParaRPr kumimoji="1" lang="ja-JP" altLang="en-US" dirty="0"/>
           </a:p>
@@ -35209,19 +35072,11 @@
           <a:p>
             <a:r>
               <a:rPr lang="en-US" altLang="ja-JP" dirty="0" smtClean="0"/>
-              <a:t>2-5</a:t>
-            </a:r>
-            <a:r>
-              <a:rPr lang="en-US" altLang="ja-JP" dirty="0" smtClean="0"/>
-              <a:t>. </a:t>
+              <a:t>2-5. </a:t>
             </a:r>
             <a:r>
               <a:rPr lang="ja-JP" altLang="en-US" dirty="0" smtClean="0"/>
-              <a:t>簡単</a:t>
-            </a:r>
-            <a:r>
-              <a:rPr lang="ja-JP" altLang="en-US" dirty="0" smtClean="0"/>
-              <a:t>なサンプルソース　～時計～</a:t>
+              <a:t>簡単なサンプルソース　～時計～</a:t>
             </a:r>
             <a:endParaRPr kumimoji="1" lang="ja-JP" altLang="en-US" dirty="0"/>
           </a:p>
@@ -35688,19 +35543,11 @@
           <a:p>
             <a:r>
               <a:rPr lang="en-US" altLang="ja-JP" dirty="0" smtClean="0"/>
-              <a:t>2-5</a:t>
-            </a:r>
-            <a:r>
-              <a:rPr lang="en-US" altLang="ja-JP" dirty="0" smtClean="0"/>
-              <a:t>. </a:t>
+              <a:t>2-5. </a:t>
             </a:r>
             <a:r>
               <a:rPr lang="ja-JP" altLang="en-US" dirty="0" smtClean="0"/>
-              <a:t>簡単</a:t>
-            </a:r>
-            <a:r>
-              <a:rPr lang="ja-JP" altLang="en-US" dirty="0" smtClean="0"/>
-              <a:t>なサンプルソース　～時計～</a:t>
+              <a:t>簡単なサンプルソース　～時計～</a:t>
             </a:r>
             <a:endParaRPr kumimoji="1" lang="ja-JP" altLang="en-US" dirty="0"/>
           </a:p>
@@ -36064,11 +35911,7 @@
           <a:p>
             <a:r>
               <a:rPr lang="en-US" altLang="ja-JP" dirty="0" smtClean="0"/>
-              <a:t>2-1. </a:t>
-            </a:r>
-            <a:r>
-              <a:rPr lang="en-US" altLang="ja-JP" dirty="0" smtClean="0"/>
-              <a:t>React</a:t>
+              <a:t>2-1. React</a:t>
             </a:r>
             <a:r>
               <a:rPr lang="ja-JP" altLang="en-US" dirty="0" smtClean="0"/>
@@ -36661,7 +36504,7 @@
             <a:effectLst/>
             <a:extLst>
               <a:ext uri="{C572A759-6A51-4108-AA02-DFA0A04FC94B}">
-                <ma14:wrappingTextBoxFlag xmlns="" xmlns:ma14="http://schemas.microsoft.com/office/mac/drawingml/2011/main" val="1"/>
+                <ma14:wrappingTextBoxFlag xmlns:ma14="http://schemas.microsoft.com/office/mac/drawingml/2011/main" xmlns="" val="1"/>
               </a:ext>
             </a:extLst>
           </p:spPr>
@@ -37271,7 +37114,7 @@
             <a:effectLst/>
             <a:extLst>
               <a:ext uri="{C572A759-6A51-4108-AA02-DFA0A04FC94B}">
-                <ma14:wrappingTextBoxFlag xmlns="" xmlns:ma14="http://schemas.microsoft.com/office/mac/drawingml/2011/main" val="1"/>
+                <ma14:wrappingTextBoxFlag xmlns:ma14="http://schemas.microsoft.com/office/mac/drawingml/2011/main" xmlns="" val="1"/>
               </a:ext>
             </a:extLst>
           </p:spPr>
@@ -37511,7 +37354,7 @@
           </a:ln>
           <a:extLst>
             <a:ext uri="{C572A759-6A51-4108-AA02-DFA0A04FC94B}">
-              <ma14:wrappingTextBoxFlag xmlns="" xmlns:ma14="http://schemas.microsoft.com/office/mac/drawingml/2011/main" val="1"/>
+              <ma14:wrappingTextBoxFlag xmlns:ma14="http://schemas.microsoft.com/office/mac/drawingml/2011/main" xmlns="" val="1"/>
             </a:ext>
           </a:extLst>
         </p:spPr>
@@ -37969,7 +37812,7 @@
           </a:ln>
           <a:extLst>
             <a:ext uri="{C572A759-6A51-4108-AA02-DFA0A04FC94B}">
-              <ma14:wrappingTextBoxFlag xmlns:ma14="http://schemas.microsoft.com/office/mac/drawingml/2011/main" xmlns="" val="1"/>
+              <ma14:wrappingTextBoxFlag xmlns="" xmlns:ma14="http://schemas.microsoft.com/office/mac/drawingml/2011/main" val="1"/>
             </a:ext>
           </a:extLst>
         </p:spPr>
@@ -39530,7 +39373,7 @@
           </a:ln>
           <a:extLst>
             <a:ext uri="{C572A759-6A51-4108-AA02-DFA0A04FC94B}">
-              <ma14:wrappingTextBoxFlag xmlns:ma14="http://schemas.microsoft.com/office/mac/drawingml/2011/main" xmlns="" val="1"/>
+              <ma14:wrappingTextBoxFlag xmlns="" xmlns:ma14="http://schemas.microsoft.com/office/mac/drawingml/2011/main" val="1"/>
             </a:ext>
           </a:extLst>
         </p:spPr>
@@ -39586,7 +39429,7 @@
           </a:ln>
           <a:extLst>
             <a:ext uri="{C572A759-6A51-4108-AA02-DFA0A04FC94B}">
-              <ma14:wrappingTextBoxFlag xmlns:ma14="http://schemas.microsoft.com/office/mac/drawingml/2011/main" xmlns="" val="1"/>
+              <ma14:wrappingTextBoxFlag xmlns="" xmlns:ma14="http://schemas.microsoft.com/office/mac/drawingml/2011/main" val="1"/>
             </a:ext>
           </a:extLst>
         </p:spPr>
@@ -39635,7 +39478,7 @@
           </a:ln>
           <a:extLst>
             <a:ext uri="{C572A759-6A51-4108-AA02-DFA0A04FC94B}">
-              <ma14:wrappingTextBoxFlag xmlns:ma14="http://schemas.microsoft.com/office/mac/drawingml/2011/main" xmlns="" val="1"/>
+              <ma14:wrappingTextBoxFlag xmlns="" xmlns:ma14="http://schemas.microsoft.com/office/mac/drawingml/2011/main" val="1"/>
             </a:ext>
           </a:extLst>
         </p:spPr>
@@ -39683,7 +39526,7 @@
           </a:ln>
           <a:extLst>
             <a:ext uri="{C572A759-6A51-4108-AA02-DFA0A04FC94B}">
-              <ma14:wrappingTextBoxFlag xmlns:ma14="http://schemas.microsoft.com/office/mac/drawingml/2011/main" xmlns="" val="1"/>
+              <ma14:wrappingTextBoxFlag xmlns="" xmlns:ma14="http://schemas.microsoft.com/office/mac/drawingml/2011/main" val="1"/>
             </a:ext>
           </a:extLst>
         </p:spPr>
@@ -39795,7 +39638,7 @@
           </a:ln>
           <a:extLst>
             <a:ext uri="{C572A759-6A51-4108-AA02-DFA0A04FC94B}">
-              <ma14:wrappingTextBoxFlag xmlns:ma14="http://schemas.microsoft.com/office/mac/drawingml/2011/main" xmlns="" val="1"/>
+              <ma14:wrappingTextBoxFlag xmlns="" xmlns:ma14="http://schemas.microsoft.com/office/mac/drawingml/2011/main" val="1"/>
             </a:ext>
           </a:extLst>
         </p:spPr>
@@ -40121,7 +39964,7 @@
             <a:effectLst/>
             <a:extLst>
               <a:ext uri="{C572A759-6A51-4108-AA02-DFA0A04FC94B}">
-                <ma14:wrappingTextBoxFlag xmlns="" xmlns:ma14="http://schemas.microsoft.com/office/mac/drawingml/2011/main" val="1"/>
+                <ma14:wrappingTextBoxFlag xmlns:ma14="http://schemas.microsoft.com/office/mac/drawingml/2011/main" xmlns="" val="1"/>
               </a:ext>
             </a:extLst>
           </p:spPr>
@@ -40860,7 +40703,7 @@
           <a:effectLst/>
           <a:extLst>
             <a:ext uri="{C572A759-6A51-4108-AA02-DFA0A04FC94B}">
-              <ma14:wrappingTextBoxFlag xmlns="" xmlns:ma14="http://schemas.microsoft.com/office/mac/drawingml/2011/main" val="1"/>
+              <ma14:wrappingTextBoxFlag xmlns:ma14="http://schemas.microsoft.com/office/mac/drawingml/2011/main" xmlns="" val="1"/>
             </a:ext>
           </a:extLst>
         </p:spPr>
@@ -41012,7 +40855,7 @@
             <a:effectLst/>
             <a:extLst>
               <a:ext uri="{C572A759-6A51-4108-AA02-DFA0A04FC94B}">
-                <ma14:wrappingTextBoxFlag xmlns="" xmlns:ma14="http://schemas.microsoft.com/office/mac/drawingml/2011/main" val="1"/>
+                <ma14:wrappingTextBoxFlag xmlns:ma14="http://schemas.microsoft.com/office/mac/drawingml/2011/main" xmlns="" val="1"/>
               </a:ext>
             </a:extLst>
           </p:spPr>

--- a/doc/02_SlideShare/01.ネタ/２_Reactの基礎/Reactを用いたスマホアプリケーション開発入門 Reactの基礎編.pptx
+++ b/doc/02_SlideShare/01.ネタ/２_Reactの基礎/Reactを用いたスマホアプリケーション開発入門 Reactの基礎編.pptx
@@ -30229,7 +30229,7 @@
           <a:p>
             <a:r>
               <a:rPr lang="en-US" altLang="ja-JP" dirty="0" smtClean="0"/>
-              <a:t>2-5. </a:t>
+              <a:t>2-6. </a:t>
             </a:r>
             <a:r>
               <a:rPr lang="ja-JP" altLang="en-US" dirty="0" smtClean="0"/>
@@ -30404,7 +30404,7 @@
           <a:p>
             <a:r>
               <a:rPr lang="en-US" altLang="ja-JP" dirty="0" smtClean="0"/>
-              <a:t>2-5. </a:t>
+              <a:t>2-6. </a:t>
             </a:r>
             <a:r>
               <a:rPr lang="ja-JP" altLang="en-US" dirty="0" smtClean="0"/>
@@ -30566,7 +30566,7 @@
           <a:p>
             <a:r>
               <a:rPr lang="en-US" altLang="ja-JP" dirty="0" smtClean="0"/>
-              <a:t>2-5. </a:t>
+              <a:t>2-6. </a:t>
             </a:r>
             <a:r>
               <a:rPr lang="ja-JP" altLang="en-US" dirty="0" smtClean="0"/>
@@ -31275,7 +31275,7 @@
           <a:p>
             <a:r>
               <a:rPr lang="en-US" altLang="ja-JP" dirty="0" smtClean="0"/>
-              <a:t>2-5. </a:t>
+              <a:t>2-6. </a:t>
             </a:r>
             <a:r>
               <a:rPr lang="ja-JP" altLang="en-US" dirty="0" smtClean="0"/>
@@ -32037,7 +32037,7 @@
           <a:p>
             <a:r>
               <a:rPr lang="en-US" altLang="ja-JP" dirty="0" smtClean="0"/>
-              <a:t>2-5. </a:t>
+              <a:t>2-6. </a:t>
             </a:r>
             <a:r>
               <a:rPr lang="ja-JP" altLang="en-US" dirty="0" smtClean="0"/>
@@ -32260,7 +32260,7 @@
           <a:p>
             <a:r>
               <a:rPr kumimoji="1" lang="en-US" altLang="ja-JP" dirty="0" smtClean="0"/>
-              <a:t>2-5. </a:t>
+              <a:t>2-6. </a:t>
             </a:r>
             <a:r>
               <a:rPr lang="ja-JP" altLang="en-US" dirty="0" smtClean="0"/>
@@ -32404,7 +32404,7 @@
           <a:p>
             <a:r>
               <a:rPr lang="en-US" altLang="ja-JP" dirty="0" smtClean="0"/>
-              <a:t>2-5. </a:t>
+              <a:t>2-6. </a:t>
             </a:r>
             <a:r>
               <a:rPr lang="ja-JP" altLang="en-US" dirty="0" smtClean="0"/>
@@ -32885,7 +32885,7 @@
           <a:p>
             <a:r>
               <a:rPr lang="en-US" altLang="ja-JP" dirty="0" smtClean="0"/>
-              <a:t>2-5. </a:t>
+              <a:t>2-6. </a:t>
             </a:r>
             <a:r>
               <a:rPr lang="ja-JP" altLang="en-US" dirty="0" smtClean="0"/>
@@ -33643,7 +33643,7 @@
           <a:p>
             <a:r>
               <a:rPr lang="en-US" altLang="ja-JP" dirty="0" smtClean="0"/>
-              <a:t>2-5. </a:t>
+              <a:t>2-6. </a:t>
             </a:r>
             <a:r>
               <a:rPr lang="ja-JP" altLang="en-US" dirty="0" smtClean="0"/>
@@ -34285,7 +34285,7 @@
           <a:p>
             <a:r>
               <a:rPr lang="en-US" altLang="ja-JP" dirty="0" smtClean="0"/>
-              <a:t>2-5. </a:t>
+              <a:t>2-6. </a:t>
             </a:r>
             <a:r>
               <a:rPr lang="ja-JP" altLang="en-US" dirty="0" smtClean="0"/>
@@ -35072,7 +35072,7 @@
           <a:p>
             <a:r>
               <a:rPr lang="en-US" altLang="ja-JP" dirty="0" smtClean="0"/>
-              <a:t>2-5. </a:t>
+              <a:t>2-6. </a:t>
             </a:r>
             <a:r>
               <a:rPr lang="ja-JP" altLang="en-US" dirty="0" smtClean="0"/>
@@ -35543,7 +35543,7 @@
           <a:p>
             <a:r>
               <a:rPr lang="en-US" altLang="ja-JP" dirty="0" smtClean="0"/>
-              <a:t>2-5. </a:t>
+              <a:t>2-6. </a:t>
             </a:r>
             <a:r>
               <a:rPr lang="ja-JP" altLang="en-US" dirty="0" smtClean="0"/>
@@ -36504,7 +36504,7 @@
             <a:effectLst/>
             <a:extLst>
               <a:ext uri="{C572A759-6A51-4108-AA02-DFA0A04FC94B}">
-                <ma14:wrappingTextBoxFlag xmlns:ma14="http://schemas.microsoft.com/office/mac/drawingml/2011/main" xmlns="" val="1"/>
+                <ma14:wrappingTextBoxFlag xmlns="" xmlns:ma14="http://schemas.microsoft.com/office/mac/drawingml/2011/main" val="1"/>
               </a:ext>
             </a:extLst>
           </p:spPr>
@@ -37114,7 +37114,7 @@
             <a:effectLst/>
             <a:extLst>
               <a:ext uri="{C572A759-6A51-4108-AA02-DFA0A04FC94B}">
-                <ma14:wrappingTextBoxFlag xmlns:ma14="http://schemas.microsoft.com/office/mac/drawingml/2011/main" xmlns="" val="1"/>
+                <ma14:wrappingTextBoxFlag xmlns="" xmlns:ma14="http://schemas.microsoft.com/office/mac/drawingml/2011/main" val="1"/>
               </a:ext>
             </a:extLst>
           </p:spPr>
@@ -37354,7 +37354,7 @@
           </a:ln>
           <a:extLst>
             <a:ext uri="{C572A759-6A51-4108-AA02-DFA0A04FC94B}">
-              <ma14:wrappingTextBoxFlag xmlns:ma14="http://schemas.microsoft.com/office/mac/drawingml/2011/main" xmlns="" val="1"/>
+              <ma14:wrappingTextBoxFlag xmlns="" xmlns:ma14="http://schemas.microsoft.com/office/mac/drawingml/2011/main" val="1"/>
             </a:ext>
           </a:extLst>
         </p:spPr>
@@ -37812,7 +37812,7 @@
           </a:ln>
           <a:extLst>
             <a:ext uri="{C572A759-6A51-4108-AA02-DFA0A04FC94B}">
-              <ma14:wrappingTextBoxFlag xmlns="" xmlns:ma14="http://schemas.microsoft.com/office/mac/drawingml/2011/main" val="1"/>
+              <ma14:wrappingTextBoxFlag xmlns:ma14="http://schemas.microsoft.com/office/mac/drawingml/2011/main" xmlns="" val="1"/>
             </a:ext>
           </a:extLst>
         </p:spPr>
@@ -39373,7 +39373,7 @@
           </a:ln>
           <a:extLst>
             <a:ext uri="{C572A759-6A51-4108-AA02-DFA0A04FC94B}">
-              <ma14:wrappingTextBoxFlag xmlns="" xmlns:ma14="http://schemas.microsoft.com/office/mac/drawingml/2011/main" val="1"/>
+              <ma14:wrappingTextBoxFlag xmlns:ma14="http://schemas.microsoft.com/office/mac/drawingml/2011/main" xmlns="" val="1"/>
             </a:ext>
           </a:extLst>
         </p:spPr>
@@ -39429,7 +39429,7 @@
           </a:ln>
           <a:extLst>
             <a:ext uri="{C572A759-6A51-4108-AA02-DFA0A04FC94B}">
-              <ma14:wrappingTextBoxFlag xmlns="" xmlns:ma14="http://schemas.microsoft.com/office/mac/drawingml/2011/main" val="1"/>
+              <ma14:wrappingTextBoxFlag xmlns:ma14="http://schemas.microsoft.com/office/mac/drawingml/2011/main" xmlns="" val="1"/>
             </a:ext>
           </a:extLst>
         </p:spPr>
@@ -39478,7 +39478,7 @@
           </a:ln>
           <a:extLst>
             <a:ext uri="{C572A759-6A51-4108-AA02-DFA0A04FC94B}">
-              <ma14:wrappingTextBoxFlag xmlns="" xmlns:ma14="http://schemas.microsoft.com/office/mac/drawingml/2011/main" val="1"/>
+              <ma14:wrappingTextBoxFlag xmlns:ma14="http://schemas.microsoft.com/office/mac/drawingml/2011/main" xmlns="" val="1"/>
             </a:ext>
           </a:extLst>
         </p:spPr>
@@ -39526,7 +39526,7 @@
           </a:ln>
           <a:extLst>
             <a:ext uri="{C572A759-6A51-4108-AA02-DFA0A04FC94B}">
-              <ma14:wrappingTextBoxFlag xmlns="" xmlns:ma14="http://schemas.microsoft.com/office/mac/drawingml/2011/main" val="1"/>
+              <ma14:wrappingTextBoxFlag xmlns:ma14="http://schemas.microsoft.com/office/mac/drawingml/2011/main" xmlns="" val="1"/>
             </a:ext>
           </a:extLst>
         </p:spPr>
@@ -39638,7 +39638,7 @@
           </a:ln>
           <a:extLst>
             <a:ext uri="{C572A759-6A51-4108-AA02-DFA0A04FC94B}">
-              <ma14:wrappingTextBoxFlag xmlns="" xmlns:ma14="http://schemas.microsoft.com/office/mac/drawingml/2011/main" val="1"/>
+              <ma14:wrappingTextBoxFlag xmlns:ma14="http://schemas.microsoft.com/office/mac/drawingml/2011/main" xmlns="" val="1"/>
             </a:ext>
           </a:extLst>
         </p:spPr>
@@ -39964,7 +39964,7 @@
             <a:effectLst/>
             <a:extLst>
               <a:ext uri="{C572A759-6A51-4108-AA02-DFA0A04FC94B}">
-                <ma14:wrappingTextBoxFlag xmlns:ma14="http://schemas.microsoft.com/office/mac/drawingml/2011/main" xmlns="" val="1"/>
+                <ma14:wrappingTextBoxFlag xmlns="" xmlns:ma14="http://schemas.microsoft.com/office/mac/drawingml/2011/main" val="1"/>
               </a:ext>
             </a:extLst>
           </p:spPr>
@@ -40703,7 +40703,7 @@
           <a:effectLst/>
           <a:extLst>
             <a:ext uri="{C572A759-6A51-4108-AA02-DFA0A04FC94B}">
-              <ma14:wrappingTextBoxFlag xmlns:ma14="http://schemas.microsoft.com/office/mac/drawingml/2011/main" xmlns="" val="1"/>
+              <ma14:wrappingTextBoxFlag xmlns="" xmlns:ma14="http://schemas.microsoft.com/office/mac/drawingml/2011/main" val="1"/>
             </a:ext>
           </a:extLst>
         </p:spPr>
@@ -40855,7 +40855,7 @@
             <a:effectLst/>
             <a:extLst>
               <a:ext uri="{C572A759-6A51-4108-AA02-DFA0A04FC94B}">
-                <ma14:wrappingTextBoxFlag xmlns:ma14="http://schemas.microsoft.com/office/mac/drawingml/2011/main" xmlns="" val="1"/>
+                <ma14:wrappingTextBoxFlag xmlns="" xmlns:ma14="http://schemas.microsoft.com/office/mac/drawingml/2011/main" val="1"/>
               </a:ext>
             </a:extLst>
           </p:spPr>

--- a/doc/02_SlideShare/01.ネタ/２_Reactの基礎/Reactを用いたスマホアプリケーション開発入門 Reactの基礎編.pptx
+++ b/doc/02_SlideShare/01.ネタ/２_Reactの基礎/Reactを用いたスマホアプリケーション開発入門 Reactの基礎編.pptx
@@ -268,7 +268,7 @@
           <a:p>
             <a:fld id="{CF62E18D-AE12-454F-A1D6-19B685DC3579}" type="datetimeFigureOut">
               <a:rPr kumimoji="1" lang="ja-JP" altLang="en-US" smtClean="0"/>
-              <a:t>2019/3/25</a:t>
+              <a:t>2019/3/28</a:t>
             </a:fld>
             <a:endParaRPr kumimoji="1" lang="ja-JP" altLang="en-US"/>
           </a:p>
@@ -915,7 +915,7 @@
           <a:p>
             <a:fld id="{2FA7D4A1-D6E2-4B97-8DF5-43A2A6E9364B}" type="datetimeFigureOut">
               <a:rPr kumimoji="1" lang="ja-JP" altLang="en-US" smtClean="0"/>
-              <a:t>2019/3/25</a:t>
+              <a:t>2019/3/28</a:t>
             </a:fld>
             <a:endParaRPr kumimoji="1" lang="ja-JP" altLang="en-US"/>
           </a:p>
@@ -1423,7 +1423,7 @@
           <a:p>
             <a:fld id="{2FA7D4A1-D6E2-4B97-8DF5-43A2A6E9364B}" type="datetimeFigureOut">
               <a:rPr kumimoji="1" lang="ja-JP" altLang="en-US" smtClean="0"/>
-              <a:t>2019/3/25</a:t>
+              <a:t>2019/3/28</a:t>
             </a:fld>
             <a:endParaRPr kumimoji="1" lang="ja-JP" altLang="en-US"/>
           </a:p>
@@ -1852,7 +1852,7 @@
           <a:p>
             <a:fld id="{2FA7D4A1-D6E2-4B97-8DF5-43A2A6E9364B}" type="datetimeFigureOut">
               <a:rPr kumimoji="1" lang="ja-JP" altLang="en-US" smtClean="0"/>
-              <a:t>2019/3/25</a:t>
+              <a:t>2019/3/28</a:t>
             </a:fld>
             <a:endParaRPr kumimoji="1" lang="ja-JP" altLang="en-US"/>
           </a:p>
@@ -1969,7 +1969,7 @@
           <a:p>
             <a:fld id="{2FA7D4A1-D6E2-4B97-8DF5-43A2A6E9364B}" type="datetimeFigureOut">
               <a:rPr kumimoji="1" lang="ja-JP" altLang="en-US" smtClean="0"/>
-              <a:t>2019/3/25</a:t>
+              <a:t>2019/3/28</a:t>
             </a:fld>
             <a:endParaRPr kumimoji="1" lang="ja-JP" altLang="en-US"/>
           </a:p>
@@ -2192,7 +2192,7 @@
           <a:p>
             <a:fld id="{2FA7D4A1-D6E2-4B97-8DF5-43A2A6E9364B}" type="datetimeFigureOut">
               <a:rPr kumimoji="1" lang="ja-JP" altLang="en-US" smtClean="0"/>
-              <a:t>2019/3/25</a:t>
+              <a:t>2019/3/28</a:t>
             </a:fld>
             <a:endParaRPr kumimoji="1" lang="ja-JP" altLang="en-US"/>
           </a:p>
@@ -2421,7 +2421,7 @@
                 </a:solidFill>
               </a:rPr>
               <a:pPr/>
-              <a:t>3/25/2019</a:t>
+              <a:t>3/28/2019</a:t>
             </a:fld>
             <a:endParaRPr lang="en-US" dirty="0">
               <a:solidFill>
@@ -2714,7 +2714,7 @@
           <a:p>
             <a:fld id="{2FA7D4A1-D6E2-4B97-8DF5-43A2A6E9364B}" type="datetimeFigureOut">
               <a:rPr kumimoji="1" lang="ja-JP" altLang="en-US" smtClean="0"/>
-              <a:t>2019/3/25</a:t>
+              <a:t>2019/3/28</a:t>
             </a:fld>
             <a:endParaRPr kumimoji="1" lang="ja-JP" altLang="en-US"/>
           </a:p>
@@ -3328,7 +3328,7 @@
         </p:nvSpPr>
         <p:spPr>
           <a:xfrm>
-            <a:off x="537635" y="1164631"/>
+            <a:off x="432000" y="1080000"/>
             <a:ext cx="11164927" cy="1393175"/>
           </a:xfrm>
           <a:prstGeom prst="rect">
@@ -4961,69 +4961,6 @@
       </p:sp>
       <p:sp>
         <p:nvSpPr>
-          <p:cNvPr id="42" name="Shape 226"/>
-          <p:cNvSpPr>
-            <a:spLocks noGrp="1"/>
-          </p:cNvSpPr>
-          <p:nvPr>
-            <p:ph type="title"/>
-          </p:nvPr>
-        </p:nvSpPr>
-        <p:spPr>
-          <a:xfrm>
-            <a:off x="555218" y="284176"/>
-            <a:ext cx="9784082" cy="915974"/>
-          </a:xfrm>
-          <a:prstGeom prst="rect">
-            <a:avLst/>
-          </a:prstGeom>
-        </p:spPr>
-        <p:txBody>
-          <a:bodyPr/>
-          <a:lstStyle/>
-          <a:p>
-            <a:r>
-              <a:rPr lang="en-US" altLang="ja-JP" dirty="0"/>
-              <a:t>2-2. </a:t>
-            </a:r>
-            <a:r>
-              <a:rPr lang="ja-JP" altLang="en-US" dirty="0" smtClean="0"/>
-              <a:t>仮想</a:t>
-            </a:r>
-            <a:r>
-              <a:rPr dirty="0" smtClean="0"/>
-              <a:t>DOM</a:t>
-            </a:r>
-            <a:r>
-              <a:rPr lang="en-US" dirty="0" smtClean="0"/>
-              <a:t> </a:t>
-            </a:r>
-            <a:r>
-              <a:rPr dirty="0" smtClean="0"/>
-              <a:t>- </a:t>
-            </a:r>
-            <a:r>
-              <a:rPr lang="en-US" dirty="0" smtClean="0"/>
-              <a:t>React</a:t>
-            </a:r>
-            <a:r>
-              <a:rPr lang="ja-JP" altLang="en-US" dirty="0" smtClean="0"/>
-              <a:t>における仮想</a:t>
-            </a:r>
-            <a:r>
-              <a:rPr dirty="0" smtClean="0"/>
-              <a:t>DOM</a:t>
-            </a:r>
-            <a:r>
-              <a:rPr lang="ja-JP" altLang="en-US" dirty="0" smtClean="0"/>
-              <a:t>の利用</a:t>
-            </a:r>
-            <a:endParaRPr dirty="0"/>
-          </a:p>
-        </p:txBody>
-      </p:sp>
-      <p:sp>
-        <p:nvSpPr>
           <p:cNvPr id="47" name="線吹き出し 2 (枠付き) 46"/>
           <p:cNvSpPr/>
           <p:nvPr/>
@@ -5102,6 +5039,57 @@
                 </a:schemeClr>
               </a:solidFill>
             </a:endParaRPr>
+          </a:p>
+        </p:txBody>
+      </p:sp>
+      <p:sp>
+        <p:nvSpPr>
+          <p:cNvPr id="2" name="タイトル 1"/>
+          <p:cNvSpPr>
+            <a:spLocks noGrp="1"/>
+          </p:cNvSpPr>
+          <p:nvPr>
+            <p:ph type="title"/>
+          </p:nvPr>
+        </p:nvSpPr>
+        <p:spPr/>
+        <p:txBody>
+          <a:bodyPr/>
+          <a:lstStyle/>
+          <a:p>
+            <a:r>
+              <a:rPr lang="en-US" altLang="ja-JP" dirty="0"/>
+              <a:t>2-2. </a:t>
+            </a:r>
+            <a:r>
+              <a:rPr lang="ja-JP" altLang="en-US" dirty="0"/>
+              <a:t>仮想</a:t>
+            </a:r>
+            <a:r>
+              <a:rPr lang="en-US" altLang="ja-JP" dirty="0"/>
+              <a:t>DOM</a:t>
+            </a:r>
+            <a:r>
+              <a:rPr lang="ja-JP" altLang="en-US" dirty="0"/>
+              <a:t> </a:t>
+            </a:r>
+            <a:r>
+              <a:rPr lang="en-US" altLang="ja-JP" dirty="0"/>
+              <a:t>- React</a:t>
+            </a:r>
+            <a:r>
+              <a:rPr lang="ja-JP" altLang="en-US" dirty="0"/>
+              <a:t>における仮想</a:t>
+            </a:r>
+            <a:r>
+              <a:rPr lang="en-US" altLang="ja-JP" dirty="0"/>
+              <a:t>DOM</a:t>
+            </a:r>
+            <a:r>
+              <a:rPr lang="ja-JP" altLang="en-US" dirty="0"/>
+              <a:t>の利用</a:t>
+            </a:r>
+            <a:endParaRPr kumimoji="1" lang="ja-JP" altLang="en-US" dirty="0"/>
           </a:p>
         </p:txBody>
       </p:sp>
@@ -5721,58 +5709,6 @@
       </p:sp>
       <p:sp>
         <p:nvSpPr>
-          <p:cNvPr id="2" name="タイトル 1"/>
-          <p:cNvSpPr>
-            <a:spLocks noGrp="1"/>
-          </p:cNvSpPr>
-          <p:nvPr>
-            <p:ph type="title"/>
-          </p:nvPr>
-        </p:nvSpPr>
-        <p:spPr>
-          <a:xfrm>
-            <a:off x="555219" y="284176"/>
-            <a:ext cx="9784080" cy="915974"/>
-          </a:xfrm>
-        </p:spPr>
-        <p:txBody>
-          <a:bodyPr/>
-          <a:lstStyle/>
-          <a:p>
-            <a:r>
-              <a:rPr lang="en-US" altLang="ja-JP" dirty="0"/>
-              <a:t>2-2. </a:t>
-            </a:r>
-            <a:r>
-              <a:rPr lang="ja-JP" altLang="en-US" dirty="0" smtClean="0"/>
-              <a:t>仮想</a:t>
-            </a:r>
-            <a:r>
-              <a:rPr lang="en-US" altLang="ja-JP" dirty="0" smtClean="0"/>
-              <a:t>DOM</a:t>
-            </a:r>
-            <a:r>
-              <a:rPr kumimoji="1" lang="ja-JP" altLang="en-US" dirty="0" smtClean="0"/>
-              <a:t> </a:t>
-            </a:r>
-            <a:r>
-              <a:rPr kumimoji="1" lang="en-US" altLang="ja-JP" dirty="0" smtClean="0"/>
-              <a:t>- </a:t>
-            </a:r>
-            <a:r>
-              <a:rPr lang="ja-JP" altLang="en-US" dirty="0" smtClean="0"/>
-              <a:t>プログラム上の</a:t>
-            </a:r>
-            <a:r>
-              <a:rPr lang="en-US" altLang="ja-JP" dirty="0" smtClean="0"/>
-              <a:t>DOM</a:t>
-            </a:r>
-            <a:endParaRPr kumimoji="1" lang="ja-JP" altLang="en-US" dirty="0"/>
-          </a:p>
-        </p:txBody>
-      </p:sp>
-      <p:sp>
-        <p:nvSpPr>
           <p:cNvPr id="25" name="コンテンツ プレースホルダー 3"/>
           <p:cNvSpPr txBox="1">
             <a:spLocks/>
@@ -5781,7 +5717,7 @@
         </p:nvSpPr>
         <p:spPr>
           <a:xfrm>
-            <a:off x="537635" y="1164631"/>
+            <a:off x="432000" y="1080000"/>
             <a:ext cx="11164927" cy="871416"/>
           </a:xfrm>
           <a:prstGeom prst="rect">
@@ -6833,6 +6769,53 @@
           </a:p>
         </p:txBody>
       </p:sp>
+      <p:sp>
+        <p:nvSpPr>
+          <p:cNvPr id="3" name="タイトル 2"/>
+          <p:cNvSpPr>
+            <a:spLocks noGrp="1"/>
+          </p:cNvSpPr>
+          <p:nvPr>
+            <p:ph type="title"/>
+          </p:nvPr>
+        </p:nvSpPr>
+        <p:spPr/>
+        <p:txBody>
+          <a:bodyPr/>
+          <a:lstStyle/>
+          <a:p>
+            <a:r>
+              <a:rPr lang="en-US" altLang="ja-JP" dirty="0"/>
+              <a:t>2-2. </a:t>
+            </a:r>
+            <a:r>
+              <a:rPr lang="ja-JP" altLang="en-US" dirty="0"/>
+              <a:t>仮想</a:t>
+            </a:r>
+            <a:r>
+              <a:rPr lang="en-US" altLang="ja-JP" dirty="0"/>
+              <a:t>DOM</a:t>
+            </a:r>
+            <a:r>
+              <a:rPr lang="ja-JP" altLang="en-US" dirty="0"/>
+              <a:t> </a:t>
+            </a:r>
+            <a:r>
+              <a:rPr lang="en-US" altLang="ja-JP" dirty="0"/>
+              <a:t>- </a:t>
+            </a:r>
+            <a:r>
+              <a:rPr lang="ja-JP" altLang="en-US" dirty="0"/>
+              <a:t>プログラム上の</a:t>
+            </a:r>
+            <a:r>
+              <a:rPr lang="en-US" altLang="ja-JP" dirty="0"/>
+              <a:t>DOM</a:t>
+            </a:r>
+            <a:endParaRPr kumimoji="1" lang="ja-JP" altLang="en-US" dirty="0"/>
+          </a:p>
+        </p:txBody>
+      </p:sp>
     </p:spTree>
     <p:extLst>
       <p:ext uri="{BB962C8B-B14F-4D97-AF65-F5344CB8AC3E}">
@@ -6880,58 +6863,6 @@
       </p:grpSpPr>
       <p:sp>
         <p:nvSpPr>
-          <p:cNvPr id="2" name="タイトル 1"/>
-          <p:cNvSpPr>
-            <a:spLocks noGrp="1"/>
-          </p:cNvSpPr>
-          <p:nvPr>
-            <p:ph type="title"/>
-          </p:nvPr>
-        </p:nvSpPr>
-        <p:spPr>
-          <a:xfrm>
-            <a:off x="555219" y="284176"/>
-            <a:ext cx="9784080" cy="915974"/>
-          </a:xfrm>
-        </p:spPr>
-        <p:txBody>
-          <a:bodyPr/>
-          <a:lstStyle/>
-          <a:p>
-            <a:r>
-              <a:rPr lang="en-US" altLang="ja-JP" dirty="0"/>
-              <a:t>2-2. </a:t>
-            </a:r>
-            <a:r>
-              <a:rPr lang="ja-JP" altLang="en-US" dirty="0" smtClean="0"/>
-              <a:t>仮想</a:t>
-            </a:r>
-            <a:r>
-              <a:rPr lang="en-US" altLang="ja-JP" dirty="0" smtClean="0"/>
-              <a:t>DOM</a:t>
-            </a:r>
-            <a:r>
-              <a:rPr kumimoji="1" lang="ja-JP" altLang="en-US" dirty="0" smtClean="0"/>
-              <a:t> </a:t>
-            </a:r>
-            <a:r>
-              <a:rPr kumimoji="1" lang="en-US" altLang="ja-JP" dirty="0"/>
-              <a:t>-</a:t>
-            </a:r>
-            <a:r>
-              <a:rPr kumimoji="1" lang="en-US" altLang="ja-JP" dirty="0" smtClean="0"/>
-              <a:t> </a:t>
-            </a:r>
-            <a:r>
-              <a:rPr lang="ja-JP" altLang="en-US" dirty="0" smtClean="0"/>
-              <a:t>補足</a:t>
-            </a:r>
-            <a:endParaRPr kumimoji="1" lang="ja-JP" altLang="en-US" dirty="0"/>
-          </a:p>
-        </p:txBody>
-      </p:sp>
-      <p:sp>
-        <p:nvSpPr>
           <p:cNvPr id="4" name="コンテンツ プレースホルダー 3"/>
           <p:cNvSpPr txBox="1">
             <a:spLocks/>
@@ -6940,7 +6871,7 @@
         </p:nvSpPr>
         <p:spPr>
           <a:xfrm>
-            <a:off x="537635" y="1164631"/>
+            <a:off x="432000" y="1080000"/>
             <a:ext cx="11164927" cy="1393175"/>
           </a:xfrm>
           <a:prstGeom prst="rect">
@@ -7178,6 +7109,49 @@
               <a:rPr lang="ja-JP" altLang="en-US" dirty="0"/>
               <a:t>では裏でこんなことが行われているということを理解しておきましょう。</a:t>
             </a:r>
+          </a:p>
+        </p:txBody>
+      </p:sp>
+      <p:sp>
+        <p:nvSpPr>
+          <p:cNvPr id="3" name="タイトル 2"/>
+          <p:cNvSpPr>
+            <a:spLocks noGrp="1"/>
+          </p:cNvSpPr>
+          <p:nvPr>
+            <p:ph type="title"/>
+          </p:nvPr>
+        </p:nvSpPr>
+        <p:spPr/>
+        <p:txBody>
+          <a:bodyPr/>
+          <a:lstStyle/>
+          <a:p>
+            <a:r>
+              <a:rPr lang="en-US" altLang="ja-JP" dirty="0"/>
+              <a:t>2-2. </a:t>
+            </a:r>
+            <a:r>
+              <a:rPr lang="ja-JP" altLang="en-US" dirty="0"/>
+              <a:t>仮想</a:t>
+            </a:r>
+            <a:r>
+              <a:rPr lang="en-US" altLang="ja-JP" dirty="0"/>
+              <a:t>DOM</a:t>
+            </a:r>
+            <a:r>
+              <a:rPr lang="ja-JP" altLang="en-US" dirty="0"/>
+              <a:t> </a:t>
+            </a:r>
+            <a:r>
+              <a:rPr lang="en-US" altLang="ja-JP" dirty="0"/>
+              <a:t>- </a:t>
+            </a:r>
+            <a:r>
+              <a:rPr lang="ja-JP" altLang="en-US" dirty="0"/>
+              <a:t>補足</a:t>
+            </a:r>
+            <a:endParaRPr kumimoji="1" lang="ja-JP" altLang="en-US" dirty="0"/>
           </a:p>
         </p:txBody>
       </p:sp>
@@ -7267,7 +7241,7 @@
         </p:nvSpPr>
         <p:spPr>
           <a:xfrm>
-            <a:off x="421964" y="1268361"/>
+            <a:off x="432000" y="1080000"/>
             <a:ext cx="11379201" cy="622331"/>
           </a:xfrm>
           <a:prstGeom prst="rect">
@@ -7434,7 +7408,7 @@
         </p:nvSpPr>
         <p:spPr>
           <a:xfrm>
-            <a:off x="551050" y="3048110"/>
+            <a:off x="551050" y="2669421"/>
             <a:ext cx="3883777" cy="461665"/>
           </a:xfrm>
           <a:prstGeom prst="rect">
@@ -7483,7 +7457,7 @@
         </p:nvSpPr>
         <p:spPr>
           <a:xfrm>
-            <a:off x="555219" y="2366915"/>
+            <a:off x="555219" y="1988226"/>
             <a:ext cx="3251850" cy="461665"/>
           </a:xfrm>
           <a:prstGeom prst="rect">
@@ -7530,7 +7504,7 @@
         </p:nvSpPr>
         <p:spPr>
           <a:xfrm>
-            <a:off x="551050" y="3729305"/>
+            <a:off x="551050" y="3350616"/>
             <a:ext cx="6597096" cy="461665"/>
           </a:xfrm>
           <a:prstGeom prst="rect">
@@ -7581,7 +7555,7 @@
         </p:nvSpPr>
         <p:spPr>
           <a:xfrm>
-            <a:off x="551050" y="4410500"/>
+            <a:off x="551050" y="4031811"/>
             <a:ext cx="6597096" cy="461665"/>
           </a:xfrm>
           <a:prstGeom prst="rect">
@@ -7632,7 +7606,7 @@
         </p:nvSpPr>
         <p:spPr>
           <a:xfrm>
-            <a:off x="551050" y="5091695"/>
+            <a:off x="551050" y="4713006"/>
             <a:ext cx="6597096" cy="461665"/>
           </a:xfrm>
           <a:prstGeom prst="rect">
@@ -7683,7 +7657,7 @@
         </p:nvSpPr>
         <p:spPr>
           <a:xfrm>
-            <a:off x="551050" y="5772890"/>
+            <a:off x="551050" y="5394201"/>
             <a:ext cx="6597096" cy="461665"/>
           </a:xfrm>
           <a:prstGeom prst="rect">
@@ -8237,7 +8211,7 @@
         </p:nvSpPr>
         <p:spPr>
           <a:xfrm>
-            <a:off x="421964" y="1268361"/>
+            <a:off x="432000" y="1080000"/>
             <a:ext cx="11412482" cy="1043518"/>
           </a:xfrm>
           <a:prstGeom prst="rect">
@@ -9523,7 +9497,7 @@
         </p:nvSpPr>
         <p:spPr>
           <a:xfrm>
-            <a:off x="421964" y="1268361"/>
+            <a:off x="432000" y="1080000"/>
             <a:ext cx="11379201" cy="622331"/>
           </a:xfrm>
           <a:prstGeom prst="rect">
@@ -12477,7 +12451,7 @@
         </p:nvSpPr>
         <p:spPr>
           <a:xfrm>
-            <a:off x="421964" y="1101307"/>
+            <a:off x="432000" y="1080000"/>
             <a:ext cx="11379201" cy="1043518"/>
           </a:xfrm>
           <a:prstGeom prst="rect">
@@ -13212,7 +13186,7 @@
         </p:nvSpPr>
         <p:spPr>
           <a:xfrm>
-            <a:off x="421964" y="1268361"/>
+            <a:off x="432000" y="1080000"/>
             <a:ext cx="11379201" cy="622331"/>
           </a:xfrm>
           <a:prstGeom prst="rect">
@@ -14007,7 +13981,11 @@
           <a:p>
             <a:r>
               <a:rPr lang="en-US" altLang="ja-JP" dirty="0"/>
-              <a:t>2-3.</a:t>
+              <a:t>2-3</a:t>
+            </a:r>
+            <a:r>
+              <a:rPr lang="en-US" altLang="ja-JP" dirty="0" smtClean="0"/>
+              <a:t>. </a:t>
             </a:r>
             <a:r>
               <a:rPr kumimoji="1" lang="en-US" altLang="ja-JP" dirty="0" smtClean="0"/>
@@ -14457,7 +14435,7 @@
         </p:nvSpPr>
         <p:spPr>
           <a:xfrm>
-            <a:off x="421964" y="1268361"/>
+            <a:off x="432000" y="1080000"/>
             <a:ext cx="11379201" cy="622331"/>
           </a:xfrm>
           <a:prstGeom prst="rect">
@@ -15923,8 +15901,8 @@
           <a:lstStyle/>
           <a:p>
             <a:r>
-              <a:rPr lang="en-US" altLang="ja-JP" dirty="0"/>
-              <a:t>2-3.</a:t>
+              <a:rPr lang="en-US" altLang="ja-JP" dirty="0" smtClean="0"/>
+              <a:t>2-3. </a:t>
             </a:r>
             <a:r>
               <a:rPr kumimoji="1" lang="en-US" altLang="ja-JP" dirty="0" smtClean="0"/>
@@ -15956,7 +15934,7 @@
         </p:nvSpPr>
         <p:spPr>
           <a:xfrm>
-            <a:off x="421964" y="1252081"/>
+            <a:off x="432000" y="1080000"/>
             <a:ext cx="11379201" cy="1871332"/>
           </a:xfrm>
           <a:prstGeom prst="rect">
@@ -17174,7 +17152,7 @@
         </p:nvSpPr>
         <p:spPr>
           <a:xfrm>
-            <a:off x="564963" y="1384916"/>
+            <a:off x="417187" y="1181720"/>
             <a:ext cx="2685313" cy="809645"/>
           </a:xfrm>
           <a:prstGeom prst="rect">
@@ -17232,7 +17210,7 @@
         </p:nvSpPr>
         <p:spPr>
           <a:xfrm>
-            <a:off x="3250276" y="1384917"/>
+            <a:off x="3102500" y="1181721"/>
             <a:ext cx="8643091" cy="809644"/>
           </a:xfrm>
           <a:prstGeom prst="rect">
@@ -17298,7 +17276,7 @@
         </p:nvSpPr>
         <p:spPr>
           <a:xfrm>
-            <a:off x="564963" y="2194561"/>
+            <a:off x="417187" y="1991365"/>
             <a:ext cx="2685313" cy="1948231"/>
           </a:xfrm>
           <a:prstGeom prst="rect">
@@ -17356,7 +17334,7 @@
         </p:nvSpPr>
         <p:spPr>
           <a:xfrm>
-            <a:off x="3250276" y="2194561"/>
+            <a:off x="3102500" y="1991365"/>
             <a:ext cx="8643091" cy="1948231"/>
           </a:xfrm>
           <a:prstGeom prst="rect">
@@ -17555,38 +17533,6 @@
       </p:grpSpPr>
       <p:sp>
         <p:nvSpPr>
-          <p:cNvPr id="2" name="タイトル 1"/>
-          <p:cNvSpPr>
-            <a:spLocks noGrp="1"/>
-          </p:cNvSpPr>
-          <p:nvPr>
-            <p:ph type="title"/>
-          </p:nvPr>
-        </p:nvSpPr>
-        <p:spPr>
-          <a:xfrm>
-            <a:off x="555219" y="284176"/>
-            <a:ext cx="9784080" cy="915974"/>
-          </a:xfrm>
-        </p:spPr>
-        <p:txBody>
-          <a:bodyPr/>
-          <a:lstStyle/>
-          <a:p>
-            <a:r>
-              <a:rPr kumimoji="1" lang="en-US" altLang="ja-JP" dirty="0" smtClean="0"/>
-              <a:t>2-4. </a:t>
-            </a:r>
-            <a:r>
-              <a:rPr kumimoji="1" lang="ja-JP" altLang="en-US" dirty="0" smtClean="0"/>
-              <a:t>コンポーネント</a:t>
-            </a:r>
-            <a:endParaRPr kumimoji="1" lang="ja-JP" altLang="en-US" dirty="0"/>
-          </a:p>
-        </p:txBody>
-      </p:sp>
-      <p:sp>
-        <p:nvSpPr>
           <p:cNvPr id="76" name="コンテンツ プレースホルダー 3"/>
           <p:cNvSpPr txBox="1">
             <a:spLocks/>
@@ -17595,7 +17541,7 @@
         </p:nvSpPr>
         <p:spPr>
           <a:xfrm>
-            <a:off x="431799" y="1168403"/>
+            <a:off x="431799" y="1080000"/>
             <a:ext cx="11379201" cy="800099"/>
           </a:xfrm>
           <a:prstGeom prst="rect">
@@ -18186,6 +18132,33 @@
           </a:p>
         </p:txBody>
       </p:sp>
+      <p:sp>
+        <p:nvSpPr>
+          <p:cNvPr id="3" name="タイトル 2"/>
+          <p:cNvSpPr>
+            <a:spLocks noGrp="1"/>
+          </p:cNvSpPr>
+          <p:nvPr>
+            <p:ph type="title"/>
+          </p:nvPr>
+        </p:nvSpPr>
+        <p:spPr/>
+        <p:txBody>
+          <a:bodyPr/>
+          <a:lstStyle/>
+          <a:p>
+            <a:r>
+              <a:rPr lang="en-US" altLang="ja-JP" dirty="0"/>
+              <a:t>2-4. </a:t>
+            </a:r>
+            <a:r>
+              <a:rPr lang="ja-JP" altLang="en-US" dirty="0"/>
+              <a:t>コンポーネント</a:t>
+            </a:r>
+            <a:endParaRPr kumimoji="1" lang="ja-JP" altLang="en-US" dirty="0"/>
+          </a:p>
+        </p:txBody>
+      </p:sp>
     </p:spTree>
     <p:extLst>
       <p:ext uri="{BB962C8B-B14F-4D97-AF65-F5344CB8AC3E}">
@@ -18277,50 +18250,6 @@
       </p:sp>
       <p:sp>
         <p:nvSpPr>
-          <p:cNvPr id="2" name="タイトル 1"/>
-          <p:cNvSpPr>
-            <a:spLocks noGrp="1"/>
-          </p:cNvSpPr>
-          <p:nvPr>
-            <p:ph type="title"/>
-          </p:nvPr>
-        </p:nvSpPr>
-        <p:spPr>
-          <a:xfrm>
-            <a:off x="555219" y="284176"/>
-            <a:ext cx="9784080" cy="915974"/>
-          </a:xfrm>
-        </p:spPr>
-        <p:txBody>
-          <a:bodyPr/>
-          <a:lstStyle/>
-          <a:p>
-            <a:r>
-              <a:rPr kumimoji="1" lang="en-US" altLang="ja-JP" dirty="0" smtClean="0"/>
-              <a:t>2-4. </a:t>
-            </a:r>
-            <a:r>
-              <a:rPr kumimoji="1" lang="ja-JP" altLang="en-US" dirty="0" smtClean="0"/>
-              <a:t>コンポーネント</a:t>
-            </a:r>
-            <a:r>
-              <a:rPr lang="ja-JP" altLang="en-US" dirty="0" smtClean="0"/>
-              <a:t> </a:t>
-            </a:r>
-            <a:r>
-              <a:rPr lang="en-US" altLang="ja-JP" dirty="0" smtClean="0"/>
-              <a:t>- </a:t>
-            </a:r>
-            <a:r>
-              <a:rPr lang="ja-JP" altLang="en-US" dirty="0"/>
-              <a:t>概要</a:t>
-            </a:r>
-            <a:endParaRPr kumimoji="1" lang="ja-JP" altLang="en-US" dirty="0"/>
-          </a:p>
-        </p:txBody>
-      </p:sp>
-      <p:sp>
-        <p:nvSpPr>
           <p:cNvPr id="76" name="コンテンツ プレースホルダー 3"/>
           <p:cNvSpPr txBox="1">
             <a:spLocks/>
@@ -18329,7 +18258,7 @@
         </p:nvSpPr>
         <p:spPr>
           <a:xfrm>
-            <a:off x="431799" y="1168403"/>
+            <a:off x="431799" y="1080000"/>
             <a:ext cx="11379201" cy="800099"/>
           </a:xfrm>
           <a:prstGeom prst="rect">
@@ -19287,6 +19216,41 @@
           </a:p>
         </p:txBody>
       </p:sp>
+      <p:sp>
+        <p:nvSpPr>
+          <p:cNvPr id="3" name="タイトル 2"/>
+          <p:cNvSpPr>
+            <a:spLocks noGrp="1"/>
+          </p:cNvSpPr>
+          <p:nvPr>
+            <p:ph type="title"/>
+          </p:nvPr>
+        </p:nvSpPr>
+        <p:spPr/>
+        <p:txBody>
+          <a:bodyPr/>
+          <a:lstStyle/>
+          <a:p>
+            <a:r>
+              <a:rPr lang="en-US" altLang="ja-JP" dirty="0"/>
+              <a:t>2-4. </a:t>
+            </a:r>
+            <a:r>
+              <a:rPr lang="ja-JP" altLang="en-US" dirty="0"/>
+              <a:t>コンポーネント </a:t>
+            </a:r>
+            <a:r>
+              <a:rPr lang="en-US" altLang="ja-JP" dirty="0"/>
+              <a:t>- </a:t>
+            </a:r>
+            <a:r>
+              <a:rPr lang="ja-JP" altLang="en-US" dirty="0"/>
+              <a:t>概要</a:t>
+            </a:r>
+            <a:endParaRPr kumimoji="1" lang="ja-JP" altLang="en-US" dirty="0"/>
+          </a:p>
+        </p:txBody>
+      </p:sp>
     </p:spTree>
     <p:extLst>
       <p:ext uri="{BB962C8B-B14F-4D97-AF65-F5344CB8AC3E}">
@@ -19324,58 +19288,6 @@
           <a:chExt cx="0" cy="0"/>
         </a:xfrm>
       </p:grpSpPr>
-      <p:sp>
-        <p:nvSpPr>
-          <p:cNvPr id="2" name="タイトル 1"/>
-          <p:cNvSpPr>
-            <a:spLocks noGrp="1"/>
-          </p:cNvSpPr>
-          <p:nvPr>
-            <p:ph type="title"/>
-          </p:nvPr>
-        </p:nvSpPr>
-        <p:spPr>
-          <a:xfrm>
-            <a:off x="555219" y="284176"/>
-            <a:ext cx="9784080" cy="915974"/>
-          </a:xfrm>
-        </p:spPr>
-        <p:txBody>
-          <a:bodyPr/>
-          <a:lstStyle/>
-          <a:p>
-            <a:r>
-              <a:rPr lang="en-US" altLang="ja-JP" dirty="0"/>
-              <a:t>2-4</a:t>
-            </a:r>
-            <a:r>
-              <a:rPr lang="en-US" altLang="ja-JP" dirty="0" smtClean="0"/>
-              <a:t>. </a:t>
-            </a:r>
-            <a:r>
-              <a:rPr kumimoji="1" lang="ja-JP" altLang="en-US" dirty="0" smtClean="0"/>
-              <a:t>コンポーネント </a:t>
-            </a:r>
-            <a:r>
-              <a:rPr lang="en-US" altLang="ja-JP" dirty="0"/>
-              <a:t>-</a:t>
-            </a:r>
-            <a:r>
-              <a:rPr kumimoji="1" lang="en-US" altLang="ja-JP" dirty="0" smtClean="0"/>
-              <a:t> </a:t>
-            </a:r>
-            <a:r>
-              <a:rPr kumimoji="1" lang="ja-JP" altLang="en-US" dirty="0" smtClean="0"/>
-              <a:t>コンポーネントの</a:t>
-            </a:r>
-            <a:r>
-              <a:rPr lang="ja-JP" altLang="en-US" dirty="0" smtClean="0"/>
-              <a:t>定義と呼び出し</a:t>
-            </a:r>
-            <a:endParaRPr kumimoji="1" lang="ja-JP" altLang="en-US" dirty="0"/>
-          </a:p>
-        </p:txBody>
-      </p:sp>
       <p:grpSp>
         <p:nvGrpSpPr>
           <p:cNvPr id="17" name="グループ化 16"/>
@@ -20459,6 +20371,41 @@
           </a:p>
         </p:txBody>
       </p:sp>
+      <p:sp>
+        <p:nvSpPr>
+          <p:cNvPr id="5" name="タイトル 4"/>
+          <p:cNvSpPr>
+            <a:spLocks noGrp="1"/>
+          </p:cNvSpPr>
+          <p:nvPr>
+            <p:ph type="title"/>
+          </p:nvPr>
+        </p:nvSpPr>
+        <p:spPr/>
+        <p:txBody>
+          <a:bodyPr/>
+          <a:lstStyle/>
+          <a:p>
+            <a:r>
+              <a:rPr lang="en-US" altLang="ja-JP" dirty="0"/>
+              <a:t>2-4. </a:t>
+            </a:r>
+            <a:r>
+              <a:rPr lang="ja-JP" altLang="en-US" dirty="0"/>
+              <a:t>コンポーネント </a:t>
+            </a:r>
+            <a:r>
+              <a:rPr lang="en-US" altLang="ja-JP" dirty="0"/>
+              <a:t>- </a:t>
+            </a:r>
+            <a:r>
+              <a:rPr lang="ja-JP" altLang="en-US" dirty="0"/>
+              <a:t>コンポーネントの定義と呼び出し</a:t>
+            </a:r>
+            <a:endParaRPr kumimoji="1" lang="ja-JP" altLang="en-US" dirty="0"/>
+          </a:p>
+        </p:txBody>
+      </p:sp>
     </p:spTree>
     <p:extLst>
       <p:ext uri="{BB962C8B-B14F-4D97-AF65-F5344CB8AC3E}">
@@ -20520,54 +20467,6 @@
           </a:prstGeom>
         </p:spPr>
       </p:pic>
-      <p:sp>
-        <p:nvSpPr>
-          <p:cNvPr id="2" name="タイトル 1"/>
-          <p:cNvSpPr>
-            <a:spLocks noGrp="1"/>
-          </p:cNvSpPr>
-          <p:nvPr>
-            <p:ph type="title"/>
-          </p:nvPr>
-        </p:nvSpPr>
-        <p:spPr>
-          <a:xfrm>
-            <a:off x="555219" y="284176"/>
-            <a:ext cx="9784080" cy="915974"/>
-          </a:xfrm>
-        </p:spPr>
-        <p:txBody>
-          <a:bodyPr/>
-          <a:lstStyle/>
-          <a:p>
-            <a:r>
-              <a:rPr lang="en-US" altLang="ja-JP" dirty="0"/>
-              <a:t>2-4</a:t>
-            </a:r>
-            <a:r>
-              <a:rPr lang="en-US" altLang="ja-JP" dirty="0" smtClean="0"/>
-              <a:t>. </a:t>
-            </a:r>
-            <a:r>
-              <a:rPr kumimoji="1" lang="ja-JP" altLang="en-US" dirty="0" smtClean="0"/>
-              <a:t>コンポーネント </a:t>
-            </a:r>
-            <a:r>
-              <a:rPr lang="en-US" altLang="ja-JP" dirty="0"/>
-              <a:t>-</a:t>
-            </a:r>
-            <a:r>
-              <a:rPr kumimoji="1" lang="en-US" altLang="ja-JP" dirty="0" smtClean="0"/>
-              <a:t> </a:t>
-            </a:r>
-            <a:r>
-              <a:rPr lang="ja-JP" altLang="en-US" dirty="0" smtClean="0"/>
-              <a:t>コンポーネントの再利用</a:t>
-            </a:r>
-            <a:endParaRPr kumimoji="1" lang="ja-JP" altLang="en-US" dirty="0"/>
-          </a:p>
-        </p:txBody>
-      </p:sp>
       <p:grpSp>
         <p:nvGrpSpPr>
           <p:cNvPr id="17" name="グループ化 16"/>
@@ -21347,6 +21246,41 @@
           </a:p>
         </p:txBody>
       </p:sp>
+      <p:sp>
+        <p:nvSpPr>
+          <p:cNvPr id="3" name="タイトル 2"/>
+          <p:cNvSpPr>
+            <a:spLocks noGrp="1"/>
+          </p:cNvSpPr>
+          <p:nvPr>
+            <p:ph type="title"/>
+          </p:nvPr>
+        </p:nvSpPr>
+        <p:spPr/>
+        <p:txBody>
+          <a:bodyPr/>
+          <a:lstStyle/>
+          <a:p>
+            <a:r>
+              <a:rPr lang="en-US" altLang="ja-JP" dirty="0"/>
+              <a:t>2-4. </a:t>
+            </a:r>
+            <a:r>
+              <a:rPr lang="ja-JP" altLang="en-US" dirty="0"/>
+              <a:t>コンポーネント </a:t>
+            </a:r>
+            <a:r>
+              <a:rPr lang="en-US" altLang="ja-JP" dirty="0"/>
+              <a:t>- </a:t>
+            </a:r>
+            <a:r>
+              <a:rPr lang="ja-JP" altLang="en-US" dirty="0"/>
+              <a:t>コンポーネントの再利用</a:t>
+            </a:r>
+            <a:endParaRPr kumimoji="1" lang="ja-JP" altLang="en-US" dirty="0"/>
+          </a:p>
+        </p:txBody>
+      </p:sp>
     </p:spTree>
     <p:extLst>
       <p:ext uri="{BB962C8B-B14F-4D97-AF65-F5344CB8AC3E}">
@@ -21384,70 +21318,6 @@
           <a:chExt cx="0" cy="0"/>
         </a:xfrm>
       </p:grpSpPr>
-      <p:sp>
-        <p:nvSpPr>
-          <p:cNvPr id="2" name="タイトル 1"/>
-          <p:cNvSpPr>
-            <a:spLocks noGrp="1"/>
-          </p:cNvSpPr>
-          <p:nvPr>
-            <p:ph type="title"/>
-          </p:nvPr>
-        </p:nvSpPr>
-        <p:spPr>
-          <a:xfrm>
-            <a:off x="555219" y="284176"/>
-            <a:ext cx="9784080" cy="915974"/>
-          </a:xfrm>
-        </p:spPr>
-        <p:txBody>
-          <a:bodyPr/>
-          <a:lstStyle/>
-          <a:p>
-            <a:r>
-              <a:rPr lang="en-US" altLang="ja-JP" dirty="0"/>
-              <a:t>2-4</a:t>
-            </a:r>
-            <a:r>
-              <a:rPr lang="en-US" altLang="ja-JP" dirty="0" smtClean="0"/>
-              <a:t>. </a:t>
-            </a:r>
-            <a:r>
-              <a:rPr kumimoji="1" lang="ja-JP" altLang="en-US" dirty="0" smtClean="0"/>
-              <a:t>コンポーネント </a:t>
-            </a:r>
-            <a:r>
-              <a:rPr lang="en-US" altLang="ja-JP" dirty="0"/>
-              <a:t>-</a:t>
-            </a:r>
-            <a:r>
-              <a:rPr kumimoji="1" lang="en-US" altLang="ja-JP" dirty="0" smtClean="0"/>
-              <a:t> </a:t>
-            </a:r>
-            <a:r>
-              <a:rPr kumimoji="1" lang="ja-JP" altLang="en-US" dirty="0" smtClean="0"/>
-              <a:t>データ管理用のオブジェクト</a:t>
-            </a:r>
-            <a:r>
-              <a:rPr lang="en-US" altLang="ja-JP" dirty="0" smtClean="0"/>
-              <a:t>(</a:t>
-            </a:r>
-            <a:r>
-              <a:rPr kumimoji="1" lang="en-US" altLang="ja-JP" dirty="0" smtClean="0"/>
-              <a:t>props</a:t>
-            </a:r>
-            <a:r>
-              <a:rPr kumimoji="1" lang="ja-JP" altLang="en-US" dirty="0" smtClean="0"/>
-              <a:t>と</a:t>
-            </a:r>
-            <a:r>
-              <a:rPr kumimoji="1" lang="en-US" altLang="ja-JP" dirty="0" smtClean="0"/>
-              <a:t>state)</a:t>
-            </a:r>
-            <a:endParaRPr kumimoji="1" lang="ja-JP" altLang="en-US" dirty="0"/>
-          </a:p>
-        </p:txBody>
-      </p:sp>
       <p:sp>
         <p:nvSpPr>
           <p:cNvPr id="4" name="角丸四角形 3"/>
@@ -21705,7 +21575,7 @@
         </p:nvSpPr>
         <p:spPr>
           <a:xfrm>
-            <a:off x="537635" y="1164631"/>
+            <a:off x="432000" y="1080000"/>
             <a:ext cx="11164927" cy="871416"/>
           </a:xfrm>
           <a:prstGeom prst="rect">
@@ -22103,6 +21973,53 @@
           </a:p>
         </p:txBody>
       </p:sp>
+      <p:sp>
+        <p:nvSpPr>
+          <p:cNvPr id="3" name="タイトル 2"/>
+          <p:cNvSpPr>
+            <a:spLocks noGrp="1"/>
+          </p:cNvSpPr>
+          <p:nvPr>
+            <p:ph type="title"/>
+          </p:nvPr>
+        </p:nvSpPr>
+        <p:spPr/>
+        <p:txBody>
+          <a:bodyPr/>
+          <a:lstStyle/>
+          <a:p>
+            <a:r>
+              <a:rPr lang="en-US" altLang="ja-JP" dirty="0"/>
+              <a:t>2-4. </a:t>
+            </a:r>
+            <a:r>
+              <a:rPr lang="ja-JP" altLang="en-US" dirty="0"/>
+              <a:t>コンポーネント </a:t>
+            </a:r>
+            <a:r>
+              <a:rPr lang="en-US" altLang="ja-JP" dirty="0"/>
+              <a:t>- </a:t>
+            </a:r>
+            <a:r>
+              <a:rPr lang="ja-JP" altLang="en-US" dirty="0"/>
+              <a:t>データ管理用のオブジェクト</a:t>
+            </a:r>
+            <a:r>
+              <a:rPr lang="en-US" altLang="ja-JP" dirty="0"/>
+              <a:t>(props</a:t>
+            </a:r>
+            <a:r>
+              <a:rPr lang="ja-JP" altLang="en-US" dirty="0"/>
+              <a:t>と</a:t>
+            </a:r>
+            <a:r>
+              <a:rPr lang="en-US" altLang="ja-JP" dirty="0"/>
+              <a:t>state)</a:t>
+            </a:r>
+            <a:endParaRPr kumimoji="1" lang="ja-JP" altLang="en-US" dirty="0"/>
+          </a:p>
+        </p:txBody>
+      </p:sp>
     </p:spTree>
     <p:extLst>
       <p:ext uri="{BB962C8B-B14F-4D97-AF65-F5344CB8AC3E}">
@@ -22140,58 +22057,6 @@
           <a:chExt cx="0" cy="0"/>
         </a:xfrm>
       </p:grpSpPr>
-      <p:sp>
-        <p:nvSpPr>
-          <p:cNvPr id="2" name="タイトル 1"/>
-          <p:cNvSpPr>
-            <a:spLocks noGrp="1"/>
-          </p:cNvSpPr>
-          <p:nvPr>
-            <p:ph type="title"/>
-          </p:nvPr>
-        </p:nvSpPr>
-        <p:spPr>
-          <a:xfrm>
-            <a:off x="555219" y="284176"/>
-            <a:ext cx="9784080" cy="915974"/>
-          </a:xfrm>
-        </p:spPr>
-        <p:txBody>
-          <a:bodyPr/>
-          <a:lstStyle/>
-          <a:p>
-            <a:r>
-              <a:rPr lang="en-US" altLang="ja-JP" dirty="0"/>
-              <a:t>2-4</a:t>
-            </a:r>
-            <a:r>
-              <a:rPr lang="en-US" altLang="ja-JP" dirty="0" smtClean="0"/>
-              <a:t>. </a:t>
-            </a:r>
-            <a:r>
-              <a:rPr kumimoji="1" lang="ja-JP" altLang="en-US" dirty="0" smtClean="0"/>
-              <a:t>コンポーネント </a:t>
-            </a:r>
-            <a:r>
-              <a:rPr lang="en-US" altLang="ja-JP" dirty="0"/>
-              <a:t>-</a:t>
-            </a:r>
-            <a:r>
-              <a:rPr kumimoji="1" lang="en-US" altLang="ja-JP" dirty="0" smtClean="0"/>
-              <a:t> </a:t>
-            </a:r>
-            <a:r>
-              <a:rPr lang="en-US" altLang="ja-JP" dirty="0" smtClean="0"/>
-              <a:t>props</a:t>
-            </a:r>
-            <a:r>
-              <a:rPr lang="ja-JP" altLang="en-US" dirty="0" smtClean="0"/>
-              <a:t>の使い方</a:t>
-            </a:r>
-            <a:endParaRPr kumimoji="1" lang="ja-JP" altLang="en-US" dirty="0"/>
-          </a:p>
-        </p:txBody>
-      </p:sp>
       <p:grpSp>
         <p:nvGrpSpPr>
           <p:cNvPr id="17" name="グループ化 16"/>
@@ -23123,6 +22988,41 @@
           </a:p>
         </p:txBody>
       </p:sp>
+      <p:sp>
+        <p:nvSpPr>
+          <p:cNvPr id="4" name="タイトル 3"/>
+          <p:cNvSpPr>
+            <a:spLocks noGrp="1"/>
+          </p:cNvSpPr>
+          <p:nvPr>
+            <p:ph type="title"/>
+          </p:nvPr>
+        </p:nvSpPr>
+        <p:spPr/>
+        <p:txBody>
+          <a:bodyPr/>
+          <a:lstStyle/>
+          <a:p>
+            <a:r>
+              <a:rPr lang="en-US" altLang="ja-JP" dirty="0"/>
+              <a:t>2-4. </a:t>
+            </a:r>
+            <a:r>
+              <a:rPr lang="ja-JP" altLang="en-US" dirty="0"/>
+              <a:t>コンポーネント </a:t>
+            </a:r>
+            <a:r>
+              <a:rPr lang="en-US" altLang="ja-JP" dirty="0"/>
+              <a:t>- props</a:t>
+            </a:r>
+            <a:r>
+              <a:rPr lang="ja-JP" altLang="en-US" dirty="0"/>
+              <a:t>の使い方</a:t>
+            </a:r>
+            <a:endParaRPr kumimoji="1" lang="ja-JP" altLang="en-US" dirty="0"/>
+          </a:p>
+        </p:txBody>
+      </p:sp>
     </p:spTree>
     <p:extLst>
       <p:ext uri="{BB962C8B-B14F-4D97-AF65-F5344CB8AC3E}">
@@ -23208,58 +23108,6 @@
           </a:prstGeom>
         </p:spPr>
       </p:pic>
-      <p:sp>
-        <p:nvSpPr>
-          <p:cNvPr id="2" name="タイトル 1"/>
-          <p:cNvSpPr>
-            <a:spLocks noGrp="1"/>
-          </p:cNvSpPr>
-          <p:nvPr>
-            <p:ph type="title"/>
-          </p:nvPr>
-        </p:nvSpPr>
-        <p:spPr>
-          <a:xfrm>
-            <a:off x="555219" y="284176"/>
-            <a:ext cx="9784080" cy="915974"/>
-          </a:xfrm>
-        </p:spPr>
-        <p:txBody>
-          <a:bodyPr/>
-          <a:lstStyle/>
-          <a:p>
-            <a:r>
-              <a:rPr lang="en-US" altLang="ja-JP" dirty="0"/>
-              <a:t>2-4</a:t>
-            </a:r>
-            <a:r>
-              <a:rPr lang="en-US" altLang="ja-JP" dirty="0" smtClean="0"/>
-              <a:t>. </a:t>
-            </a:r>
-            <a:r>
-              <a:rPr kumimoji="1" lang="ja-JP" altLang="en-US" dirty="0" smtClean="0"/>
-              <a:t>コンポーネント </a:t>
-            </a:r>
-            <a:r>
-              <a:rPr lang="en-US" altLang="ja-JP" dirty="0"/>
-              <a:t>-</a:t>
-            </a:r>
-            <a:r>
-              <a:rPr kumimoji="1" lang="en-US" altLang="ja-JP" dirty="0" smtClean="0"/>
-              <a:t> </a:t>
-            </a:r>
-            <a:r>
-              <a:rPr lang="en-US" altLang="ja-JP" dirty="0" smtClean="0"/>
-              <a:t>state</a:t>
-            </a:r>
-            <a:r>
-              <a:rPr lang="ja-JP" altLang="en-US" dirty="0" smtClean="0"/>
-              <a:t>の使い方</a:t>
-            </a:r>
-            <a:endParaRPr kumimoji="1" lang="ja-JP" altLang="en-US" dirty="0"/>
-          </a:p>
-        </p:txBody>
-      </p:sp>
       <p:grpSp>
         <p:nvGrpSpPr>
           <p:cNvPr id="17" name="グループ化 16"/>
@@ -24562,6 +24410,41 @@
           </a:p>
         </p:txBody>
       </p:sp>
+      <p:sp>
+        <p:nvSpPr>
+          <p:cNvPr id="3" name="タイトル 2"/>
+          <p:cNvSpPr>
+            <a:spLocks noGrp="1"/>
+          </p:cNvSpPr>
+          <p:nvPr>
+            <p:ph type="title"/>
+          </p:nvPr>
+        </p:nvSpPr>
+        <p:spPr/>
+        <p:txBody>
+          <a:bodyPr/>
+          <a:lstStyle/>
+          <a:p>
+            <a:r>
+              <a:rPr lang="en-US" altLang="ja-JP" dirty="0"/>
+              <a:t>2-4. </a:t>
+            </a:r>
+            <a:r>
+              <a:rPr lang="ja-JP" altLang="en-US" dirty="0"/>
+              <a:t>コンポーネント </a:t>
+            </a:r>
+            <a:r>
+              <a:rPr lang="en-US" altLang="ja-JP" dirty="0"/>
+              <a:t>- state</a:t>
+            </a:r>
+            <a:r>
+              <a:rPr lang="ja-JP" altLang="en-US" dirty="0"/>
+              <a:t>の使い方</a:t>
+            </a:r>
+            <a:endParaRPr kumimoji="1" lang="ja-JP" altLang="en-US" dirty="0"/>
+          </a:p>
+        </p:txBody>
+      </p:sp>
     </p:spTree>
     <p:extLst>
       <p:ext uri="{BB962C8B-B14F-4D97-AF65-F5344CB8AC3E}">
@@ -24699,54 +24582,6 @@
           </a:extLst>
         </p:spPr>
       </p:pic>
-      <p:sp>
-        <p:nvSpPr>
-          <p:cNvPr id="2" name="タイトル 1"/>
-          <p:cNvSpPr>
-            <a:spLocks noGrp="1"/>
-          </p:cNvSpPr>
-          <p:nvPr>
-            <p:ph type="title"/>
-          </p:nvPr>
-        </p:nvSpPr>
-        <p:spPr>
-          <a:xfrm>
-            <a:off x="555219" y="284176"/>
-            <a:ext cx="9784080" cy="915974"/>
-          </a:xfrm>
-        </p:spPr>
-        <p:txBody>
-          <a:bodyPr/>
-          <a:lstStyle/>
-          <a:p>
-            <a:r>
-              <a:rPr lang="en-US" altLang="ja-JP" dirty="0"/>
-              <a:t>2-4</a:t>
-            </a:r>
-            <a:r>
-              <a:rPr lang="en-US" altLang="ja-JP" dirty="0" smtClean="0"/>
-              <a:t>. </a:t>
-            </a:r>
-            <a:r>
-              <a:rPr kumimoji="1" lang="ja-JP" altLang="en-US" dirty="0" smtClean="0"/>
-              <a:t>コンポーネント </a:t>
-            </a:r>
-            <a:r>
-              <a:rPr lang="en-US" altLang="ja-JP" dirty="0"/>
-              <a:t>-</a:t>
-            </a:r>
-            <a:r>
-              <a:rPr kumimoji="1" lang="en-US" altLang="ja-JP" dirty="0" smtClean="0"/>
-              <a:t> state</a:t>
-            </a:r>
-            <a:r>
-              <a:rPr kumimoji="1" lang="ja-JP" altLang="en-US" dirty="0" smtClean="0"/>
-              <a:t>更新による再描画</a:t>
-            </a:r>
-            <a:endParaRPr kumimoji="1" lang="ja-JP" altLang="en-US" dirty="0"/>
-          </a:p>
-        </p:txBody>
-      </p:sp>
       <p:sp>
         <p:nvSpPr>
           <p:cNvPr id="7" name="正方形/長方形 6"/>
@@ -25580,7 +25415,7 @@
         </p:nvSpPr>
         <p:spPr>
           <a:xfrm>
-            <a:off x="431799" y="1168403"/>
+            <a:off x="431799" y="1080000"/>
             <a:ext cx="11379201" cy="800099"/>
           </a:xfrm>
           <a:prstGeom prst="rect">
@@ -25950,6 +25785,41 @@
           </a:p>
         </p:txBody>
       </p:sp>
+      <p:sp>
+        <p:nvSpPr>
+          <p:cNvPr id="3" name="タイトル 2"/>
+          <p:cNvSpPr>
+            <a:spLocks noGrp="1"/>
+          </p:cNvSpPr>
+          <p:nvPr>
+            <p:ph type="title"/>
+          </p:nvPr>
+        </p:nvSpPr>
+        <p:spPr/>
+        <p:txBody>
+          <a:bodyPr/>
+          <a:lstStyle/>
+          <a:p>
+            <a:r>
+              <a:rPr lang="en-US" altLang="ja-JP" dirty="0"/>
+              <a:t>2-4. </a:t>
+            </a:r>
+            <a:r>
+              <a:rPr lang="ja-JP" altLang="en-US" dirty="0"/>
+              <a:t>コンポーネント </a:t>
+            </a:r>
+            <a:r>
+              <a:rPr lang="en-US" altLang="ja-JP" dirty="0"/>
+              <a:t>- state</a:t>
+            </a:r>
+            <a:r>
+              <a:rPr lang="ja-JP" altLang="en-US" dirty="0"/>
+              <a:t>更新による再描画</a:t>
+            </a:r>
+            <a:endParaRPr kumimoji="1" lang="ja-JP" altLang="en-US" dirty="0"/>
+          </a:p>
+        </p:txBody>
+      </p:sp>
     </p:spTree>
     <p:extLst>
       <p:ext uri="{BB962C8B-B14F-4D97-AF65-F5344CB8AC3E}">
@@ -25989,66 +25859,6 @@
       </p:grpSpPr>
       <p:sp>
         <p:nvSpPr>
-          <p:cNvPr id="2" name="タイトル 1"/>
-          <p:cNvSpPr>
-            <a:spLocks noGrp="1"/>
-          </p:cNvSpPr>
-          <p:nvPr>
-            <p:ph type="title"/>
-          </p:nvPr>
-        </p:nvSpPr>
-        <p:spPr>
-          <a:xfrm>
-            <a:off x="555219" y="284176"/>
-            <a:ext cx="9784080" cy="915974"/>
-          </a:xfrm>
-        </p:spPr>
-        <p:txBody>
-          <a:bodyPr/>
-          <a:lstStyle/>
-          <a:p>
-            <a:r>
-              <a:rPr lang="en-US" altLang="ja-JP" dirty="0"/>
-              <a:t>2-4</a:t>
-            </a:r>
-            <a:r>
-              <a:rPr lang="en-US" altLang="ja-JP" dirty="0" smtClean="0"/>
-              <a:t>. </a:t>
-            </a:r>
-            <a:r>
-              <a:rPr kumimoji="1" lang="ja-JP" altLang="en-US" dirty="0" smtClean="0"/>
-              <a:t>コンポーネント </a:t>
-            </a:r>
-            <a:r>
-              <a:rPr lang="en-US" altLang="ja-JP" dirty="0"/>
-              <a:t>-</a:t>
-            </a:r>
-            <a:r>
-              <a:rPr kumimoji="1" lang="en-US" altLang="ja-JP" dirty="0" smtClean="0"/>
-              <a:t> </a:t>
-            </a:r>
-            <a:r>
-              <a:rPr lang="en-US" altLang="ja-JP" dirty="0" smtClean="0"/>
-              <a:t>props</a:t>
-            </a:r>
-            <a:r>
-              <a:rPr lang="ja-JP" altLang="en-US" dirty="0" smtClean="0"/>
-              <a:t>と</a:t>
-            </a:r>
-            <a:r>
-              <a:rPr lang="en-US" altLang="ja-JP" dirty="0" smtClean="0"/>
-              <a:t>state</a:t>
-            </a:r>
-            <a:r>
-              <a:rPr lang="ja-JP" altLang="en-US" dirty="0" smtClean="0"/>
-              <a:t>の特徴まとめ</a:t>
-            </a:r>
-            <a:endParaRPr kumimoji="1" lang="ja-JP" altLang="en-US" dirty="0"/>
-          </a:p>
-        </p:txBody>
-      </p:sp>
-      <p:sp>
-        <p:nvSpPr>
           <p:cNvPr id="27" name="コンテンツ プレースホルダー 3"/>
           <p:cNvSpPr txBox="1">
             <a:spLocks/>
@@ -26057,7 +25867,7 @@
         </p:nvSpPr>
         <p:spPr>
           <a:xfrm>
-            <a:off x="431799" y="1168403"/>
+            <a:off x="431799" y="1080000"/>
             <a:ext cx="11379201" cy="800099"/>
           </a:xfrm>
           <a:prstGeom prst="rect">
@@ -26523,6 +26333,49 @@
           </a:graphicData>
         </a:graphic>
       </p:graphicFrame>
+      <p:sp>
+        <p:nvSpPr>
+          <p:cNvPr id="3" name="タイトル 2"/>
+          <p:cNvSpPr>
+            <a:spLocks noGrp="1"/>
+          </p:cNvSpPr>
+          <p:nvPr>
+            <p:ph type="title"/>
+          </p:nvPr>
+        </p:nvSpPr>
+        <p:spPr/>
+        <p:txBody>
+          <a:bodyPr/>
+          <a:lstStyle/>
+          <a:p>
+            <a:r>
+              <a:rPr lang="en-US" altLang="ja-JP" dirty="0"/>
+              <a:t>2-4. </a:t>
+            </a:r>
+            <a:r>
+              <a:rPr lang="ja-JP" altLang="en-US" dirty="0"/>
+              <a:t>コンポーネント </a:t>
+            </a:r>
+            <a:r>
+              <a:rPr lang="en-US" altLang="ja-JP" dirty="0"/>
+              <a:t>- props</a:t>
+            </a:r>
+            <a:r>
+              <a:rPr lang="ja-JP" altLang="en-US" dirty="0"/>
+              <a:t>と</a:t>
+            </a:r>
+            <a:r>
+              <a:rPr lang="en-US" altLang="ja-JP" dirty="0"/>
+              <a:t>state</a:t>
+            </a:r>
+            <a:r>
+              <a:rPr lang="ja-JP" altLang="en-US" dirty="0"/>
+              <a:t>の特徴まとめ</a:t>
+            </a:r>
+            <a:endParaRPr kumimoji="1" lang="ja-JP" altLang="en-US" dirty="0"/>
+          </a:p>
+        </p:txBody>
+      </p:sp>
     </p:spTree>
     <p:extLst>
       <p:ext uri="{BB962C8B-B14F-4D97-AF65-F5344CB8AC3E}">
@@ -26562,46 +26415,6 @@
       </p:grpSpPr>
       <p:sp>
         <p:nvSpPr>
-          <p:cNvPr id="2" name="タイトル 1"/>
-          <p:cNvSpPr>
-            <a:spLocks noGrp="1"/>
-          </p:cNvSpPr>
-          <p:nvPr>
-            <p:ph type="title"/>
-          </p:nvPr>
-        </p:nvSpPr>
-        <p:spPr>
-          <a:xfrm>
-            <a:off x="555219" y="284176"/>
-            <a:ext cx="9784080" cy="915974"/>
-          </a:xfrm>
-        </p:spPr>
-        <p:txBody>
-          <a:bodyPr/>
-          <a:lstStyle/>
-          <a:p>
-            <a:r>
-              <a:rPr lang="en-US" altLang="ja-JP" dirty="0"/>
-              <a:t>2-5.</a:t>
-            </a:r>
-            <a:r>
-              <a:rPr lang="ja-JP" altLang="en-US" dirty="0"/>
-              <a:t> </a:t>
-            </a:r>
-            <a:r>
-              <a:rPr lang="en-US" altLang="ja-JP" dirty="0"/>
-              <a:t>React</a:t>
-            </a:r>
-            <a:r>
-              <a:rPr lang="ja-JP" altLang="en-US" dirty="0"/>
-              <a:t>の開発環境構築手順</a:t>
-            </a:r>
-            <a:endParaRPr kumimoji="1" lang="ja-JP" altLang="en-US" dirty="0"/>
-          </a:p>
-        </p:txBody>
-      </p:sp>
-      <p:sp>
-        <p:nvSpPr>
           <p:cNvPr id="76" name="コンテンツ プレースホルダー 3"/>
           <p:cNvSpPr txBox="1">
             <a:spLocks/>
@@ -26610,7 +26423,7 @@
         </p:nvSpPr>
         <p:spPr>
           <a:xfrm>
-            <a:off x="431799" y="1168403"/>
+            <a:off x="431799" y="1080000"/>
             <a:ext cx="11379201" cy="800099"/>
           </a:xfrm>
           <a:prstGeom prst="rect">
@@ -26778,7 +26591,7 @@
         </p:nvSpPr>
         <p:spPr>
           <a:xfrm>
-            <a:off x="551050" y="3048110"/>
+            <a:off x="551050" y="2900329"/>
             <a:ext cx="5726658" cy="461665"/>
           </a:xfrm>
           <a:prstGeom prst="rect">
@@ -26825,7 +26638,7 @@
         </p:nvSpPr>
         <p:spPr>
           <a:xfrm>
-            <a:off x="555219" y="2366915"/>
+            <a:off x="555219" y="2219134"/>
             <a:ext cx="3251850" cy="461665"/>
           </a:xfrm>
           <a:prstGeom prst="rect">
@@ -26876,7 +26689,7 @@
         </p:nvSpPr>
         <p:spPr>
           <a:xfrm>
-            <a:off x="551050" y="3729305"/>
+            <a:off x="551050" y="3581524"/>
             <a:ext cx="5722489" cy="461665"/>
           </a:xfrm>
           <a:prstGeom prst="rect">
@@ -26923,7 +26736,7 @@
         </p:nvSpPr>
         <p:spPr>
           <a:xfrm>
-            <a:off x="551050" y="4410500"/>
+            <a:off x="551050" y="4262719"/>
             <a:ext cx="6597096" cy="461665"/>
           </a:xfrm>
           <a:prstGeom prst="rect">
@@ -26962,6 +26775,41 @@
               <a:rPr lang="ja-JP" altLang="en-US" dirty="0"/>
               <a:t>他</a:t>
             </a:r>
+          </a:p>
+        </p:txBody>
+      </p:sp>
+      <p:sp>
+        <p:nvSpPr>
+          <p:cNvPr id="3" name="タイトル 2"/>
+          <p:cNvSpPr>
+            <a:spLocks noGrp="1"/>
+          </p:cNvSpPr>
+          <p:nvPr>
+            <p:ph type="title"/>
+          </p:nvPr>
+        </p:nvSpPr>
+        <p:spPr/>
+        <p:txBody>
+          <a:bodyPr/>
+          <a:lstStyle/>
+          <a:p>
+            <a:r>
+              <a:rPr lang="en-US" altLang="ja-JP" dirty="0"/>
+              <a:t>2-5.</a:t>
+            </a:r>
+            <a:r>
+              <a:rPr lang="ja-JP" altLang="en-US" dirty="0"/>
+              <a:t> </a:t>
+            </a:r>
+            <a:r>
+              <a:rPr lang="en-US" altLang="ja-JP" dirty="0"/>
+              <a:t>React</a:t>
+            </a:r>
+            <a:r>
+              <a:rPr lang="ja-JP" altLang="en-US" dirty="0"/>
+              <a:t>の開発環境構築手順</a:t>
+            </a:r>
+            <a:endParaRPr kumimoji="1" lang="ja-JP" altLang="en-US" dirty="0"/>
           </a:p>
         </p:txBody>
       </p:sp>
@@ -27053,7 +26901,7 @@
         </p:nvSpPr>
         <p:spPr>
           <a:xfrm>
-            <a:off x="423486" y="1318416"/>
+            <a:off x="432000" y="1080000"/>
             <a:ext cx="11379201" cy="1303486"/>
           </a:xfrm>
           <a:solidFill>
@@ -27271,141 +27119,151 @@
         </p:nvSpPr>
         <p:spPr>
           <a:xfrm>
-            <a:off x="423486" y="1177734"/>
+            <a:off x="432000" y="1080000"/>
             <a:ext cx="11379201" cy="3731887"/>
           </a:xfrm>
+          <a:solidFill>
+            <a:schemeClr val="accent1">
+              <a:lumMod val="20000"/>
+              <a:lumOff val="80000"/>
+            </a:schemeClr>
+          </a:solidFill>
+          <a:ln>
+            <a:solidFill>
+              <a:schemeClr val="accent1"/>
+            </a:solidFill>
+          </a:ln>
         </p:spPr>
         <p:txBody>
-          <a:bodyPr>
-            <a:normAutofit/>
-          </a:bodyPr>
+          <a:bodyPr anchor="ctr"/>
           <a:lstStyle/>
-          <a:p>
-            <a:pPr marL="0" indent="0">
-              <a:buFont typeface="Wingdings" pitchFamily="2" charset="2"/>
-              <a:buChar char="l"/>
-            </a:pPr>
-            <a:r>
-              <a:rPr lang="en-US" altLang="ja-JP" sz="1800" dirty="0" smtClean="0"/>
-              <a:t>Node.js</a:t>
-            </a:r>
-            <a:r>
-              <a:rPr lang="ja-JP" altLang="en-US" sz="1800" dirty="0" smtClean="0"/>
-              <a:t>とは</a:t>
-            </a:r>
-            <a:endParaRPr lang="en-US" altLang="ja-JP" sz="1800" dirty="0" smtClean="0"/>
-          </a:p>
           <a:p>
             <a:pPr marL="0" indent="0">
               <a:buNone/>
             </a:pPr>
             <a:r>
-              <a:rPr kumimoji="1" lang="ja-JP" altLang="en-US" sz="1800" dirty="0" smtClean="0"/>
-              <a:t>　・</a:t>
-            </a:r>
-            <a:r>
-              <a:rPr lang="ja-JP" altLang="en-US" sz="1800" dirty="0" smtClean="0"/>
-              <a:t>サーバーサイドで動く</a:t>
-            </a:r>
-            <a:r>
-              <a:rPr lang="en-US" altLang="ja-JP" sz="1800" dirty="0" smtClean="0"/>
-              <a:t>JavaScript</a:t>
-            </a:r>
+              <a:rPr lang="ja-JP" altLang="en-US" dirty="0" smtClean="0"/>
+              <a:t>●</a:t>
+            </a:r>
+            <a:r>
+              <a:rPr lang="en-US" altLang="ja-JP" dirty="0" smtClean="0"/>
+              <a:t>Node.js</a:t>
+            </a:r>
+            <a:r>
+              <a:rPr lang="ja-JP" altLang="en-US" dirty="0"/>
+              <a:t>とは</a:t>
+            </a:r>
+            <a:endParaRPr lang="en-US" altLang="ja-JP" dirty="0"/>
           </a:p>
           <a:p>
             <a:pPr marL="0" indent="0">
               <a:buNone/>
             </a:pPr>
             <a:r>
-              <a:rPr lang="ja-JP" altLang="en-US" sz="1800" dirty="0" smtClean="0"/>
-              <a:t>　・「</a:t>
-            </a:r>
-            <a:r>
-              <a:rPr lang="en-US" altLang="ja-JP" sz="1800" dirty="0" err="1" smtClean="0"/>
-              <a:t>npm</a:t>
-            </a:r>
-            <a:r>
-              <a:rPr lang="ja-JP" altLang="en-US" sz="1800" dirty="0" smtClean="0"/>
-              <a:t>」という</a:t>
-            </a:r>
-            <a:r>
-              <a:rPr lang="en-US" altLang="ja-JP" sz="1800" dirty="0" smtClean="0"/>
-              <a:t>Node.js</a:t>
-            </a:r>
-            <a:r>
-              <a:rPr lang="ja-JP" altLang="en-US" sz="1800" dirty="0" smtClean="0"/>
-              <a:t>のパッケージを管理するツールがあります。</a:t>
-            </a:r>
-            <a:endParaRPr lang="en-US" altLang="ja-JP" sz="1800" dirty="0" smtClean="0"/>
+              <a:rPr lang="ja-JP" altLang="en-US" dirty="0"/>
+              <a:t>　・サーバーサイドで動く</a:t>
+            </a:r>
+            <a:r>
+              <a:rPr lang="en-US" altLang="ja-JP" dirty="0"/>
+              <a:t>JavaScript</a:t>
+            </a:r>
           </a:p>
           <a:p>
             <a:pPr marL="0" indent="0">
               <a:buNone/>
             </a:pPr>
-            <a:endParaRPr kumimoji="1" lang="en-US" altLang="ja-JP" sz="1800" dirty="0" smtClean="0"/>
-          </a:p>
-          <a:p>
-            <a:pPr marL="0" indent="0">
-              <a:buFont typeface="Wingdings" pitchFamily="2" charset="2"/>
-              <a:buChar char="l"/>
-            </a:pPr>
-            <a:r>
-              <a:rPr lang="ja-JP" altLang="en-US" sz="1800" dirty="0" smtClean="0"/>
-              <a:t>特徴</a:t>
-            </a:r>
-            <a:endParaRPr lang="en-US" altLang="ja-JP" sz="1800" dirty="0" smtClean="0"/>
+            <a:r>
+              <a:rPr lang="ja-JP" altLang="en-US" dirty="0"/>
+              <a:t>　・「</a:t>
+            </a:r>
+            <a:r>
+              <a:rPr lang="en-US" altLang="ja-JP" dirty="0" err="1"/>
+              <a:t>npm</a:t>
+            </a:r>
+            <a:r>
+              <a:rPr lang="ja-JP" altLang="en-US" dirty="0"/>
+              <a:t>」という</a:t>
+            </a:r>
+            <a:r>
+              <a:rPr lang="en-US" altLang="ja-JP" dirty="0"/>
+              <a:t>Node.js</a:t>
+            </a:r>
+            <a:r>
+              <a:rPr lang="ja-JP" altLang="en-US" dirty="0"/>
+              <a:t>のパッケージを管理するツールがあります。</a:t>
+            </a:r>
+            <a:endParaRPr lang="en-US" altLang="ja-JP" dirty="0"/>
           </a:p>
           <a:p>
             <a:pPr marL="0" indent="0">
               <a:buNone/>
             </a:pPr>
-            <a:r>
-              <a:rPr lang="ja-JP" altLang="en-US" sz="1800" dirty="0" smtClean="0"/>
-              <a:t>　・非同期処理のため、</a:t>
-            </a:r>
-            <a:r>
-              <a:rPr lang="en-US" altLang="ja-JP" sz="1800" dirty="0" smtClean="0"/>
-              <a:t>I/O</a:t>
-            </a:r>
-            <a:r>
-              <a:rPr lang="ja-JP" altLang="en-US" sz="1800" dirty="0" smtClean="0"/>
-              <a:t>の処理結果を待たずに処理を進めることができます。</a:t>
-            </a:r>
-            <a:endParaRPr lang="en-US" altLang="ja-JP" sz="1800" dirty="0" smtClean="0"/>
+            <a:endParaRPr lang="en-US" altLang="ja-JP" dirty="0"/>
           </a:p>
           <a:p>
             <a:pPr marL="0" indent="0">
               <a:buNone/>
             </a:pPr>
             <a:r>
-              <a:rPr lang="ja-JP" altLang="en-US" sz="1800" dirty="0" smtClean="0"/>
-              <a:t>　・シングルスレッドのため、メモリ消費が少なく、切替が</a:t>
-            </a:r>
-            <a:r>
-              <a:rPr lang="ja-JP" altLang="en-US" sz="1800" smtClean="0"/>
-              <a:t>少ないので処理が速い</a:t>
-            </a:r>
-            <a:r>
-              <a:rPr lang="ja-JP" altLang="en-US" sz="1800" dirty="0" smtClean="0"/>
-              <a:t>です。</a:t>
-            </a:r>
-            <a:endParaRPr lang="en-US" altLang="ja-JP" sz="1800" dirty="0" smtClean="0"/>
+              <a:rPr lang="ja-JP" altLang="en-US" dirty="0" smtClean="0"/>
+              <a:t>●特徴</a:t>
+            </a:r>
+            <a:endParaRPr lang="en-US" altLang="ja-JP" dirty="0"/>
           </a:p>
           <a:p>
             <a:pPr marL="0" indent="0">
               <a:buNone/>
             </a:pPr>
             <a:r>
-              <a:rPr lang="ja-JP" altLang="en-US" sz="1800" dirty="0" smtClean="0"/>
-              <a:t>　　など</a:t>
-            </a:r>
-            <a:endParaRPr lang="en-US" altLang="ja-JP" sz="1800" dirty="0" smtClean="0"/>
+              <a:rPr lang="ja-JP" altLang="en-US" dirty="0"/>
+              <a:t>　・非同期処理のため、</a:t>
+            </a:r>
+            <a:r>
+              <a:rPr lang="en-US" altLang="ja-JP" dirty="0"/>
+              <a:t>I/O</a:t>
+            </a:r>
+            <a:r>
+              <a:rPr lang="ja-JP" altLang="en-US" dirty="0"/>
+              <a:t>の処理結果を待たずに処理を進めることが</a:t>
+            </a:r>
+            <a:r>
+              <a:rPr lang="ja-JP" altLang="en-US" dirty="0" smtClean="0"/>
+              <a:t>できる。</a:t>
+            </a:r>
+            <a:endParaRPr lang="en-US" altLang="ja-JP" dirty="0"/>
           </a:p>
           <a:p>
             <a:pPr marL="0" indent="0">
               <a:buNone/>
             </a:pPr>
-            <a:endParaRPr kumimoji="1" lang="en-US" altLang="ja-JP" sz="1800" dirty="0" smtClean="0"/>
+            <a:r>
+              <a:rPr lang="ja-JP" altLang="en-US" dirty="0"/>
+              <a:t>　・シングルスレッドのため、メモリ消費が少なく、切替が少ないので処理</a:t>
+            </a:r>
+            <a:r>
+              <a:rPr lang="ja-JP" altLang="en-US" dirty="0" smtClean="0"/>
+              <a:t>が高速。</a:t>
+            </a:r>
+            <a:endParaRPr lang="en-US" altLang="ja-JP" dirty="0"/>
+          </a:p>
+          <a:p>
+            <a:pPr marL="0" indent="0">
+              <a:buNone/>
+            </a:pPr>
+            <a:r>
+              <a:rPr lang="ja-JP" altLang="en-US" dirty="0"/>
+              <a:t>　　</a:t>
+            </a:r>
+            <a:r>
+              <a:rPr lang="ja-JP" altLang="en-US" dirty="0" smtClean="0"/>
+              <a:t>など</a:t>
+            </a:r>
+          </a:p>
+          <a:p>
+            <a:pPr marL="0" indent="0">
+              <a:buNone/>
+            </a:pPr>
+            <a:endParaRPr lang="en-US" altLang="ja-JP" dirty="0"/>
           </a:p>
         </p:txBody>
       </p:sp>
@@ -27419,8 +27277,8 @@
         </p:nvSpPr>
         <p:spPr>
           <a:xfrm>
-            <a:off x="403664" y="5044944"/>
-            <a:ext cx="11379201" cy="1221078"/>
+            <a:off x="403664" y="4943344"/>
+            <a:ext cx="11407537" cy="1254256"/>
           </a:xfrm>
           <a:prstGeom prst="rect">
             <a:avLst/>
@@ -27438,112 +27296,127 @@
           </a:ln>
         </p:spPr>
         <p:txBody>
-          <a:bodyPr anchor="ctr"/>
+          <a:bodyPr vert="horz" lIns="91440" tIns="45720" rIns="91440" bIns="45720" rtlCol="0" anchor="ctr">
+            <a:normAutofit/>
+          </a:bodyPr>
           <a:lstStyle>
-            <a:defPPr>
-              <a:defRPr lang="ja-JP"/>
-            </a:defPPr>
-            <a:lvl1pPr marL="0" algn="l" defTabSz="914400" rtl="0" eaLnBrk="1" latinLnBrk="0" hangingPunct="1">
-              <a:defRPr kumimoji="1" sz="1800" kern="1200">
-                <a:solidFill>
-                  <a:schemeClr val="tx1"/>
-                </a:solidFill>
-                <a:latin typeface="+mn-lt"/>
-                <a:ea typeface="+mn-ea"/>
-                <a:cs typeface="+mn-cs"/>
+            <a:lvl1pPr indent="0">
+              <a:lnSpc>
+                <a:spcPct val="90000"/>
+              </a:lnSpc>
+              <a:spcBef>
+                <a:spcPts val="1000"/>
+              </a:spcBef>
+              <a:buFont typeface="Arial" panose="020B0604020202020204" pitchFamily="34" charset="0"/>
+              <a:buNone/>
+              <a:defRPr sz="2000">
+                <a:latin typeface="Meiryo UI" panose="020B0604030504040204" pitchFamily="50" charset="-128"/>
+                <a:ea typeface="Meiryo UI" panose="020B0604030504040204" pitchFamily="50" charset="-128"/>
               </a:defRPr>
             </a:lvl1pPr>
-            <a:lvl2pPr marL="457200" algn="l" defTabSz="914400" rtl="0" eaLnBrk="1" latinLnBrk="0" hangingPunct="1">
-              <a:defRPr kumimoji="1" sz="1800" kern="1200">
-                <a:solidFill>
-                  <a:schemeClr val="tx1"/>
-                </a:solidFill>
-                <a:latin typeface="+mn-lt"/>
-                <a:ea typeface="+mn-ea"/>
-                <a:cs typeface="+mn-cs"/>
+            <a:lvl2pPr marL="685800" indent="-228600">
+              <a:lnSpc>
+                <a:spcPct val="90000"/>
+              </a:lnSpc>
+              <a:spcBef>
+                <a:spcPts val="500"/>
+              </a:spcBef>
+              <a:buFont typeface="Arial" panose="020B0604020202020204" pitchFamily="34" charset="0"/>
+              <a:buChar char="•"/>
+              <a:defRPr>
+                <a:latin typeface="Meiryo UI" panose="020B0604030504040204" pitchFamily="50" charset="-128"/>
+                <a:ea typeface="Meiryo UI" panose="020B0604030504040204" pitchFamily="50" charset="-128"/>
               </a:defRPr>
             </a:lvl2pPr>
-            <a:lvl3pPr marL="914400" algn="l" defTabSz="914400" rtl="0" eaLnBrk="1" latinLnBrk="0" hangingPunct="1">
-              <a:defRPr kumimoji="1" sz="1800" kern="1200">
-                <a:solidFill>
-                  <a:schemeClr val="tx1"/>
-                </a:solidFill>
-                <a:latin typeface="+mn-lt"/>
-                <a:ea typeface="+mn-ea"/>
-                <a:cs typeface="+mn-cs"/>
+            <a:lvl3pPr marL="1143000" indent="-228600">
+              <a:lnSpc>
+                <a:spcPct val="90000"/>
+              </a:lnSpc>
+              <a:spcBef>
+                <a:spcPts val="500"/>
+              </a:spcBef>
+              <a:buFont typeface="Arial" panose="020B0604020202020204" pitchFamily="34" charset="0"/>
+              <a:buChar char="•"/>
+              <a:defRPr sz="1600">
+                <a:latin typeface="Meiryo UI" panose="020B0604030504040204" pitchFamily="50" charset="-128"/>
+                <a:ea typeface="Meiryo UI" panose="020B0604030504040204" pitchFamily="50" charset="-128"/>
               </a:defRPr>
             </a:lvl3pPr>
-            <a:lvl4pPr marL="1371600" algn="l" defTabSz="914400" rtl="0" eaLnBrk="1" latinLnBrk="0" hangingPunct="1">
-              <a:defRPr kumimoji="1" sz="1800" kern="1200">
-                <a:solidFill>
-                  <a:schemeClr val="tx1"/>
-                </a:solidFill>
-                <a:latin typeface="+mn-lt"/>
-                <a:ea typeface="+mn-ea"/>
-                <a:cs typeface="+mn-cs"/>
+            <a:lvl4pPr marL="1600200" indent="-228600">
+              <a:lnSpc>
+                <a:spcPct val="90000"/>
+              </a:lnSpc>
+              <a:spcBef>
+                <a:spcPts val="500"/>
+              </a:spcBef>
+              <a:buFont typeface="Arial" panose="020B0604020202020204" pitchFamily="34" charset="0"/>
+              <a:buChar char="•"/>
+              <a:defRPr sz="1400">
+                <a:latin typeface="Meiryo UI" panose="020B0604030504040204" pitchFamily="50" charset="-128"/>
+                <a:ea typeface="Meiryo UI" panose="020B0604030504040204" pitchFamily="50" charset="-128"/>
               </a:defRPr>
             </a:lvl4pPr>
-            <a:lvl5pPr marL="1828800" algn="l" defTabSz="914400" rtl="0" eaLnBrk="1" latinLnBrk="0" hangingPunct="1">
-              <a:defRPr kumimoji="1" sz="1800" kern="1200">
-                <a:solidFill>
-                  <a:schemeClr val="tx1"/>
-                </a:solidFill>
-                <a:latin typeface="+mn-lt"/>
-                <a:ea typeface="+mn-ea"/>
-                <a:cs typeface="+mn-cs"/>
+            <a:lvl5pPr marL="2057400" indent="-228600">
+              <a:lnSpc>
+                <a:spcPct val="90000"/>
+              </a:lnSpc>
+              <a:spcBef>
+                <a:spcPts val="500"/>
+              </a:spcBef>
+              <a:buFont typeface="Arial" panose="020B0604020202020204" pitchFamily="34" charset="0"/>
+              <a:buChar char="•"/>
+              <a:defRPr sz="1200">
+                <a:latin typeface="Meiryo UI" panose="020B0604030504040204" pitchFamily="50" charset="-128"/>
+                <a:ea typeface="Meiryo UI" panose="020B0604030504040204" pitchFamily="50" charset="-128"/>
               </a:defRPr>
             </a:lvl5pPr>
-            <a:lvl6pPr marL="2286000" algn="l" defTabSz="914400" rtl="0" eaLnBrk="1" latinLnBrk="0" hangingPunct="1">
-              <a:defRPr kumimoji="1" sz="1800" kern="1200">
-                <a:solidFill>
-                  <a:schemeClr val="tx1"/>
-                </a:solidFill>
-                <a:latin typeface="+mn-lt"/>
-                <a:ea typeface="+mn-ea"/>
-                <a:cs typeface="+mn-cs"/>
-              </a:defRPr>
+            <a:lvl6pPr marL="2514600" indent="-228600">
+              <a:lnSpc>
+                <a:spcPct val="90000"/>
+              </a:lnSpc>
+              <a:spcBef>
+                <a:spcPts val="500"/>
+              </a:spcBef>
+              <a:buFont typeface="Arial" panose="020B0604020202020204" pitchFamily="34" charset="0"/>
+              <a:buChar char="•"/>
             </a:lvl6pPr>
-            <a:lvl7pPr marL="2743200" algn="l" defTabSz="914400" rtl="0" eaLnBrk="1" latinLnBrk="0" hangingPunct="1">
-              <a:defRPr kumimoji="1" sz="1800" kern="1200">
-                <a:solidFill>
-                  <a:schemeClr val="tx1"/>
-                </a:solidFill>
-                <a:latin typeface="+mn-lt"/>
-                <a:ea typeface="+mn-ea"/>
-                <a:cs typeface="+mn-cs"/>
-              </a:defRPr>
+            <a:lvl7pPr marL="2971800" indent="-228600">
+              <a:lnSpc>
+                <a:spcPct val="90000"/>
+              </a:lnSpc>
+              <a:spcBef>
+                <a:spcPts val="500"/>
+              </a:spcBef>
+              <a:buFont typeface="Arial" panose="020B0604020202020204" pitchFamily="34" charset="0"/>
+              <a:buChar char="•"/>
             </a:lvl7pPr>
-            <a:lvl8pPr marL="3200400" algn="l" defTabSz="914400" rtl="0" eaLnBrk="1" latinLnBrk="0" hangingPunct="1">
-              <a:defRPr kumimoji="1" sz="1800" kern="1200">
-                <a:solidFill>
-                  <a:schemeClr val="tx1"/>
-                </a:solidFill>
-                <a:latin typeface="+mn-lt"/>
-                <a:ea typeface="+mn-ea"/>
-                <a:cs typeface="+mn-cs"/>
-              </a:defRPr>
+            <a:lvl8pPr marL="3429000" indent="-228600">
+              <a:lnSpc>
+                <a:spcPct val="90000"/>
+              </a:lnSpc>
+              <a:spcBef>
+                <a:spcPts val="500"/>
+              </a:spcBef>
+              <a:buFont typeface="Arial" panose="020B0604020202020204" pitchFamily="34" charset="0"/>
+              <a:buChar char="•"/>
             </a:lvl8pPr>
-            <a:lvl9pPr marL="3657600" algn="l" defTabSz="914400" rtl="0" eaLnBrk="1" latinLnBrk="0" hangingPunct="1">
-              <a:defRPr kumimoji="1" sz="1800" kern="1200">
-                <a:solidFill>
-                  <a:schemeClr val="tx1"/>
-                </a:solidFill>
-                <a:latin typeface="+mn-lt"/>
-                <a:ea typeface="+mn-ea"/>
-                <a:cs typeface="+mn-cs"/>
-              </a:defRPr>
+            <a:lvl9pPr marL="3886200" indent="-228600">
+              <a:lnSpc>
+                <a:spcPct val="90000"/>
+              </a:lnSpc>
+              <a:spcBef>
+                <a:spcPts val="500"/>
+              </a:spcBef>
+              <a:buFont typeface="Arial" panose="020B0604020202020204" pitchFamily="34" charset="0"/>
+              <a:buChar char="•"/>
             </a:lvl9pPr>
           </a:lstStyle>
           <a:p>
-            <a:pPr>
-              <a:buFont typeface="Wingdings" pitchFamily="2" charset="2"/>
-              <a:buChar char="l"/>
-            </a:pPr>
             <a:r>
               <a:rPr lang="ja-JP" altLang="en-US" dirty="0" smtClean="0"/>
-              <a:t>前提</a:t>
-            </a:r>
-            <a:endParaRPr lang="en-US" altLang="ja-JP" dirty="0" smtClean="0"/>
+              <a:t>●前提</a:t>
+            </a:r>
+            <a:endParaRPr lang="en-US" altLang="ja-JP" dirty="0"/>
           </a:p>
           <a:p>
             <a:r>
@@ -27551,18 +27424,18 @@
               <a:t>　</a:t>
             </a:r>
             <a:r>
-              <a:rPr lang="ja-JP" altLang="en-US" dirty="0" smtClean="0"/>
+              <a:rPr lang="ja-JP" altLang="en-US" dirty="0"/>
               <a:t>・</a:t>
             </a:r>
             <a:r>
-              <a:rPr lang="en-US" altLang="ja-JP" dirty="0" smtClean="0"/>
+              <a:rPr lang="en-US" altLang="ja-JP" dirty="0"/>
               <a:t>Windows</a:t>
             </a:r>
             <a:r>
-              <a:rPr lang="ja-JP" altLang="en-US" dirty="0" smtClean="0"/>
+              <a:rPr lang="ja-JP" altLang="en-US" dirty="0"/>
               <a:t>環境であること。</a:t>
             </a:r>
-            <a:endParaRPr lang="en-US" altLang="ja-JP" dirty="0" smtClean="0"/>
+            <a:endParaRPr lang="en-US" altLang="ja-JP" dirty="0"/>
           </a:p>
           <a:p>
             <a:r>
@@ -27570,15 +27443,15 @@
               <a:t>　</a:t>
             </a:r>
             <a:r>
-              <a:rPr lang="ja-JP" altLang="en-US" dirty="0" smtClean="0"/>
+              <a:rPr lang="ja-JP" altLang="en-US" dirty="0"/>
               <a:t>・</a:t>
             </a:r>
             <a:r>
-              <a:rPr lang="en-US" altLang="ja-JP" dirty="0" smtClean="0"/>
+              <a:rPr lang="en-US" altLang="ja-JP" dirty="0"/>
               <a:t>JDK</a:t>
             </a:r>
             <a:r>
-              <a:rPr lang="ja-JP" altLang="en-US" dirty="0" smtClean="0"/>
+              <a:rPr lang="ja-JP" altLang="en-US" dirty="0"/>
               <a:t>が導入済みであること。</a:t>
             </a:r>
             <a:endParaRPr lang="en-US" altLang="ja-JP" dirty="0"/>
@@ -27685,88 +27558,103 @@
         </p:nvSpPr>
         <p:spPr>
           <a:xfrm>
-            <a:off x="440112" y="1251913"/>
-            <a:ext cx="11379201" cy="1814843"/>
+            <a:off x="432000" y="1080000"/>
+            <a:ext cx="11379201" cy="1977236"/>
           </a:xfrm>
+          <a:solidFill>
+            <a:schemeClr val="accent1">
+              <a:lumMod val="20000"/>
+              <a:lumOff val="80000"/>
+            </a:schemeClr>
+          </a:solidFill>
+          <a:ln>
+            <a:solidFill>
+              <a:schemeClr val="accent1"/>
+            </a:solidFill>
+          </a:ln>
         </p:spPr>
         <p:txBody>
-          <a:bodyPr>
-            <a:noAutofit/>
+          <a:bodyPr vert="horz" lIns="91440" tIns="45720" rIns="91440" bIns="45720" rtlCol="0" anchor="ctr">
+            <a:normAutofit/>
           </a:bodyPr>
           <a:lstStyle/>
-          <a:p>
-            <a:pPr marL="0" indent="0">
-              <a:buFont typeface="Wingdings" pitchFamily="2" charset="2"/>
-              <a:buChar char="l"/>
-            </a:pPr>
-            <a:r>
-              <a:rPr lang="ja-JP" altLang="en-US" sz="1800" dirty="0" smtClean="0"/>
-              <a:t>以下</a:t>
-            </a:r>
-            <a:r>
-              <a:rPr lang="ja-JP" altLang="en-US" sz="1800" dirty="0"/>
-              <a:t>のサイト</a:t>
-            </a:r>
-            <a:r>
-              <a:rPr lang="ja-JP" altLang="en-US" sz="1800" dirty="0" smtClean="0"/>
-              <a:t>より</a:t>
-            </a:r>
-            <a:r>
-              <a:rPr lang="en-US" altLang="ja-JP" sz="1800" dirty="0" smtClean="0"/>
-              <a:t>Node.js</a:t>
-            </a:r>
-            <a:r>
-              <a:rPr lang="ja-JP" altLang="en-US" sz="1800" dirty="0" smtClean="0"/>
-              <a:t>のインストーラを任意のフォルダにダウンロードします。</a:t>
-            </a:r>
-            <a:endParaRPr lang="en-US" altLang="ja-JP" sz="1800" dirty="0"/>
-          </a:p>
           <a:p>
             <a:pPr marL="0" indent="0">
               <a:buNone/>
             </a:pPr>
             <a:r>
-              <a:rPr lang="ja-JP" altLang="en-US" sz="1800" dirty="0" smtClean="0"/>
-              <a:t>　　</a:t>
-            </a:r>
-            <a:r>
-              <a:rPr lang="en-US" altLang="ja-JP" sz="1800" dirty="0" smtClean="0"/>
-              <a:t>https</a:t>
-            </a:r>
-            <a:r>
-              <a:rPr lang="en-US" altLang="ja-JP" sz="1800" dirty="0"/>
-              <a:t>://nodejs.org/en/download/</a:t>
-            </a:r>
-            <a:endParaRPr lang="ja-JP" altLang="en-US" sz="1800" dirty="0"/>
+              <a:rPr lang="ja-JP" altLang="en-US" dirty="0" smtClean="0"/>
+              <a:t>以下</a:t>
+            </a:r>
+            <a:r>
+              <a:rPr lang="ja-JP" altLang="en-US" dirty="0"/>
+              <a:t>のサイト</a:t>
+            </a:r>
+            <a:r>
+              <a:rPr lang="ja-JP" altLang="en-US" dirty="0"/>
+              <a:t>より</a:t>
+            </a:r>
+            <a:r>
+              <a:rPr lang="en-US" altLang="ja-JP" dirty="0"/>
+              <a:t>Node.js</a:t>
+            </a:r>
+            <a:r>
+              <a:rPr lang="ja-JP" altLang="en-US" dirty="0"/>
+              <a:t>のインストーラを任意のフォルダにダウンロードします。</a:t>
+            </a:r>
+            <a:endParaRPr lang="en-US" altLang="ja-JP" dirty="0"/>
           </a:p>
           <a:p>
             <a:pPr marL="0" indent="0">
               <a:buNone/>
             </a:pPr>
-            <a:endParaRPr lang="en-US" altLang="ja-JP" sz="1800" dirty="0" smtClean="0"/>
+            <a:r>
+              <a:rPr lang="en-US" altLang="ja-JP" dirty="0" smtClean="0"/>
+              <a:t>https</a:t>
+            </a:r>
+            <a:r>
+              <a:rPr lang="en-US" altLang="ja-JP" dirty="0"/>
+              <a:t>://nodejs.org/en/download/</a:t>
+            </a:r>
+            <a:endParaRPr lang="ja-JP" altLang="en-US" dirty="0"/>
           </a:p>
           <a:p>
             <a:pPr marL="0" indent="0">
               <a:buNone/>
             </a:pPr>
-            <a:r>
-              <a:rPr lang="ja-JP" altLang="en-US" sz="1800" dirty="0" smtClean="0"/>
-              <a:t>ダウンロード完了後、インストーラを起動し、選択肢はデフォルトのまま、「</a:t>
-            </a:r>
-            <a:r>
-              <a:rPr lang="en-US" altLang="ja-JP" sz="1800" dirty="0" smtClean="0"/>
-              <a:t>Next</a:t>
-            </a:r>
-            <a:r>
-              <a:rPr lang="ja-JP" altLang="en-US" sz="1800" dirty="0" smtClean="0"/>
-              <a:t>」ボタンを押下していくことでインストールが完了します。</a:t>
-            </a:r>
+            <a:endParaRPr lang="en-US" altLang="ja-JP" dirty="0"/>
           </a:p>
           <a:p>
             <a:pPr marL="0" indent="0">
               <a:buNone/>
             </a:pPr>
-            <a:endParaRPr lang="en-US" altLang="ja-JP" sz="1800" dirty="0" smtClean="0"/>
+            <a:r>
+              <a:rPr lang="ja-JP" altLang="en-US" dirty="0"/>
+              <a:t>ダウンロード完了後、インストーラを起動し、選択肢はデフォルトのまま、</a:t>
+            </a:r>
+            <a:endParaRPr lang="en-US" altLang="ja-JP" dirty="0"/>
+          </a:p>
+          <a:p>
+            <a:pPr marL="0" indent="0">
+              <a:buNone/>
+            </a:pPr>
+            <a:r>
+              <a:rPr lang="ja-JP" altLang="en-US" dirty="0"/>
+              <a:t>「</a:t>
+            </a:r>
+            <a:r>
+              <a:rPr lang="en-US" altLang="ja-JP" dirty="0"/>
+              <a:t>Next</a:t>
+            </a:r>
+            <a:r>
+              <a:rPr lang="ja-JP" altLang="en-US" dirty="0"/>
+              <a:t>」ボタンを押下していくことでインストールが完了します</a:t>
+            </a:r>
+            <a:r>
+              <a:rPr lang="ja-JP" altLang="en-US" dirty="0" smtClean="0"/>
+              <a:t>。</a:t>
+            </a:r>
+            <a:endParaRPr lang="ja-JP" altLang="en-US" dirty="0"/>
           </a:p>
         </p:txBody>
       </p:sp>
@@ -27786,7 +27674,7 @@
         </p:blipFill>
         <p:spPr>
           <a:xfrm>
-            <a:off x="2636549" y="3158836"/>
+            <a:off x="2636549" y="3241960"/>
             <a:ext cx="7325532" cy="3334414"/>
           </a:xfrm>
           <a:prstGeom prst="rect">
@@ -27807,7 +27695,7 @@
         </p:nvSpPr>
         <p:spPr>
           <a:xfrm>
-            <a:off x="3633751" y="5247249"/>
+            <a:off x="3633751" y="5330373"/>
             <a:ext cx="1768291" cy="661182"/>
           </a:xfrm>
           <a:prstGeom prst="rect">
@@ -27865,7 +27753,7 @@
         </p:blipFill>
         <p:spPr>
           <a:xfrm>
-            <a:off x="5017706" y="5567209"/>
+            <a:off x="5017706" y="5650333"/>
             <a:ext cx="604434" cy="604434"/>
           </a:xfrm>
           <a:prstGeom prst="rect">
@@ -27961,25 +27849,35 @@
         </p:nvSpPr>
         <p:spPr>
           <a:xfrm>
-            <a:off x="431799" y="1054100"/>
+            <a:off x="431799" y="1080000"/>
             <a:ext cx="11379201" cy="791325"/>
           </a:xfrm>
+          <a:solidFill>
+            <a:schemeClr val="accent1">
+              <a:lumMod val="20000"/>
+              <a:lumOff val="80000"/>
+            </a:schemeClr>
+          </a:solidFill>
+          <a:ln>
+            <a:solidFill>
+              <a:schemeClr val="accent1"/>
+            </a:solidFill>
+          </a:ln>
         </p:spPr>
         <p:txBody>
-          <a:bodyPr>
+          <a:bodyPr vert="horz" lIns="91440" tIns="45720" rIns="91440" bIns="45720" rtlCol="0" anchor="ctr">
             <a:normAutofit/>
           </a:bodyPr>
           <a:lstStyle/>
           <a:p>
             <a:pPr marL="0" indent="0">
-              <a:buFont typeface="Wingdings" pitchFamily="2" charset="2"/>
-              <a:buChar char="l"/>
+              <a:buNone/>
             </a:pPr>
             <a:r>
-              <a:rPr kumimoji="1" lang="ja-JP" altLang="en-US" sz="1800" dirty="0" smtClean="0"/>
+              <a:rPr lang="ja-JP" altLang="en-US" dirty="0"/>
               <a:t>コマンドプロンプトで下記コマンドを実行し、インストールが成功したかを確認します。</a:t>
             </a:r>
-            <a:endParaRPr kumimoji="1" lang="en-US" altLang="ja-JP" sz="1800" dirty="0" smtClean="0"/>
+            <a:endParaRPr lang="en-US" altLang="ja-JP" dirty="0"/>
           </a:p>
         </p:txBody>
       </p:sp>
@@ -28091,17 +27989,17 @@
         </p:nvSpPr>
         <p:spPr>
           <a:xfrm>
-            <a:off x="5813915" y="3126040"/>
-            <a:ext cx="3864657" cy="1178673"/>
+            <a:off x="5813915" y="4108325"/>
+            <a:ext cx="5011103" cy="1178673"/>
           </a:xfrm>
           <a:prstGeom prst="borderCallout2">
             <a:avLst>
               <a:gd name="adj1" fmla="val 17750"/>
               <a:gd name="adj2" fmla="val 413"/>
-              <a:gd name="adj3" fmla="val 2403"/>
-              <a:gd name="adj4" fmla="val -57284"/>
-              <a:gd name="adj5" fmla="val 23248"/>
-              <a:gd name="adj6" fmla="val -115137"/>
+              <a:gd name="adj3" fmla="val 16509"/>
+              <a:gd name="adj4" fmla="val -53229"/>
+              <a:gd name="adj5" fmla="val -55114"/>
+              <a:gd name="adj6" fmla="val -91545"/>
             </a:avLst>
           </a:prstGeom>
           <a:solidFill>
@@ -28157,7 +28055,7 @@
         </p:nvSpPr>
         <p:spPr>
           <a:xfrm>
-            <a:off x="464235" y="3319975"/>
+            <a:off x="371875" y="3310739"/>
             <a:ext cx="717452" cy="211015"/>
           </a:xfrm>
           <a:prstGeom prst="rect">
@@ -28242,7 +28140,7 @@
         </p:nvSpPr>
         <p:spPr>
           <a:xfrm>
-            <a:off x="513015" y="1129812"/>
+            <a:off x="432000" y="1080000"/>
             <a:ext cx="11164927" cy="741192"/>
           </a:xfrm>
           <a:prstGeom prst="rect">
@@ -28261,9 +28159,11 @@
           </a:ln>
         </p:spPr>
         <p:txBody>
-          <a:bodyPr anchor="ctr"/>
+          <a:bodyPr vert="horz" lIns="91440" tIns="45720" rIns="91440" bIns="45720" rtlCol="0" anchor="ctr">
+            <a:normAutofit/>
+          </a:bodyPr>
           <a:lstStyle>
-            <a:lvl1pPr marL="228600" indent="-228600" algn="l" defTabSz="914400" rtl="0" eaLnBrk="1" latinLnBrk="0" hangingPunct="1">
+            <a:lvl1pPr indent="0">
               <a:lnSpc>
                 <a:spcPct val="90000"/>
               </a:lnSpc>
@@ -28271,17 +28171,13 @@
                 <a:spcPts val="1000"/>
               </a:spcBef>
               <a:buFont typeface="Arial" panose="020B0604020202020204" pitchFamily="34" charset="0"/>
-              <a:buChar char="•"/>
-              <a:defRPr kumimoji="1" sz="2000" kern="1200">
-                <a:solidFill>
-                  <a:schemeClr val="tx1"/>
-                </a:solidFill>
+              <a:buNone/>
+              <a:defRPr sz="2000">
                 <a:latin typeface="Meiryo UI" panose="020B0604030504040204" pitchFamily="50" charset="-128"/>
                 <a:ea typeface="Meiryo UI" panose="020B0604030504040204" pitchFamily="50" charset="-128"/>
-                <a:cs typeface="+mn-cs"/>
               </a:defRPr>
             </a:lvl1pPr>
-            <a:lvl2pPr marL="685800" indent="-228600" algn="l" defTabSz="914400" rtl="0" eaLnBrk="1" latinLnBrk="0" hangingPunct="1">
+            <a:lvl2pPr marL="685800" indent="-228600">
               <a:lnSpc>
                 <a:spcPct val="90000"/>
               </a:lnSpc>
@@ -28290,16 +28186,12 @@
               </a:spcBef>
               <a:buFont typeface="Arial" panose="020B0604020202020204" pitchFamily="34" charset="0"/>
               <a:buChar char="•"/>
-              <a:defRPr kumimoji="1" sz="1800" kern="1200">
-                <a:solidFill>
-                  <a:schemeClr val="tx1"/>
-                </a:solidFill>
+              <a:defRPr>
                 <a:latin typeface="Meiryo UI" panose="020B0604030504040204" pitchFamily="50" charset="-128"/>
                 <a:ea typeface="Meiryo UI" panose="020B0604030504040204" pitchFamily="50" charset="-128"/>
-                <a:cs typeface="+mn-cs"/>
               </a:defRPr>
             </a:lvl2pPr>
-            <a:lvl3pPr marL="1143000" indent="-228600" algn="l" defTabSz="914400" rtl="0" eaLnBrk="1" latinLnBrk="0" hangingPunct="1">
+            <a:lvl3pPr marL="1143000" indent="-228600">
               <a:lnSpc>
                 <a:spcPct val="90000"/>
               </a:lnSpc>
@@ -28308,16 +28200,12 @@
               </a:spcBef>
               <a:buFont typeface="Arial" panose="020B0604020202020204" pitchFamily="34" charset="0"/>
               <a:buChar char="•"/>
-              <a:defRPr kumimoji="1" sz="1600" kern="1200">
-                <a:solidFill>
-                  <a:schemeClr val="tx1"/>
-                </a:solidFill>
+              <a:defRPr sz="1600">
                 <a:latin typeface="Meiryo UI" panose="020B0604030504040204" pitchFamily="50" charset="-128"/>
                 <a:ea typeface="Meiryo UI" panose="020B0604030504040204" pitchFamily="50" charset="-128"/>
-                <a:cs typeface="+mn-cs"/>
               </a:defRPr>
             </a:lvl3pPr>
-            <a:lvl4pPr marL="1600200" indent="-228600" algn="l" defTabSz="914400" rtl="0" eaLnBrk="1" latinLnBrk="0" hangingPunct="1">
+            <a:lvl4pPr marL="1600200" indent="-228600">
               <a:lnSpc>
                 <a:spcPct val="90000"/>
               </a:lnSpc>
@@ -28326,16 +28214,12 @@
               </a:spcBef>
               <a:buFont typeface="Arial" panose="020B0604020202020204" pitchFamily="34" charset="0"/>
               <a:buChar char="•"/>
-              <a:defRPr kumimoji="1" sz="1400" kern="1200">
-                <a:solidFill>
-                  <a:schemeClr val="tx1"/>
-                </a:solidFill>
+              <a:defRPr sz="1400">
                 <a:latin typeface="Meiryo UI" panose="020B0604030504040204" pitchFamily="50" charset="-128"/>
                 <a:ea typeface="Meiryo UI" panose="020B0604030504040204" pitchFamily="50" charset="-128"/>
-                <a:cs typeface="+mn-cs"/>
               </a:defRPr>
             </a:lvl4pPr>
-            <a:lvl5pPr marL="2057400" indent="-228600" algn="l" defTabSz="914400" rtl="0" eaLnBrk="1" latinLnBrk="0" hangingPunct="1">
+            <a:lvl5pPr marL="2057400" indent="-228600">
               <a:lnSpc>
                 <a:spcPct val="90000"/>
               </a:lnSpc>
@@ -28344,16 +28228,12 @@
               </a:spcBef>
               <a:buFont typeface="Arial" panose="020B0604020202020204" pitchFamily="34" charset="0"/>
               <a:buChar char="•"/>
-              <a:defRPr kumimoji="1" sz="1200" kern="1200">
-                <a:solidFill>
-                  <a:schemeClr val="tx1"/>
-                </a:solidFill>
+              <a:defRPr sz="1200">
                 <a:latin typeface="Meiryo UI" panose="020B0604030504040204" pitchFamily="50" charset="-128"/>
                 <a:ea typeface="Meiryo UI" panose="020B0604030504040204" pitchFamily="50" charset="-128"/>
-                <a:cs typeface="+mn-cs"/>
               </a:defRPr>
             </a:lvl5pPr>
-            <a:lvl6pPr marL="2514600" indent="-228600" algn="l" defTabSz="914400" rtl="0" eaLnBrk="1" latinLnBrk="0" hangingPunct="1">
+            <a:lvl6pPr marL="2514600" indent="-228600">
               <a:lnSpc>
                 <a:spcPct val="90000"/>
               </a:lnSpc>
@@ -28362,16 +28242,8 @@
               </a:spcBef>
               <a:buFont typeface="Arial" panose="020B0604020202020204" pitchFamily="34" charset="0"/>
               <a:buChar char="•"/>
-              <a:defRPr kumimoji="1" sz="1800" kern="1200">
-                <a:solidFill>
-                  <a:schemeClr val="tx1"/>
-                </a:solidFill>
-                <a:latin typeface="+mn-lt"/>
-                <a:ea typeface="+mn-ea"/>
-                <a:cs typeface="+mn-cs"/>
-              </a:defRPr>
             </a:lvl6pPr>
-            <a:lvl7pPr marL="2971800" indent="-228600" algn="l" defTabSz="914400" rtl="0" eaLnBrk="1" latinLnBrk="0" hangingPunct="1">
+            <a:lvl7pPr marL="2971800" indent="-228600">
               <a:lnSpc>
                 <a:spcPct val="90000"/>
               </a:lnSpc>
@@ -28380,16 +28252,8 @@
               </a:spcBef>
               <a:buFont typeface="Arial" panose="020B0604020202020204" pitchFamily="34" charset="0"/>
               <a:buChar char="•"/>
-              <a:defRPr kumimoji="1" sz="1800" kern="1200">
-                <a:solidFill>
-                  <a:schemeClr val="tx1"/>
-                </a:solidFill>
-                <a:latin typeface="+mn-lt"/>
-                <a:ea typeface="+mn-ea"/>
-                <a:cs typeface="+mn-cs"/>
-              </a:defRPr>
             </a:lvl7pPr>
-            <a:lvl8pPr marL="3429000" indent="-228600" algn="l" defTabSz="914400" rtl="0" eaLnBrk="1" latinLnBrk="0" hangingPunct="1">
+            <a:lvl8pPr marL="3429000" indent="-228600">
               <a:lnSpc>
                 <a:spcPct val="90000"/>
               </a:lnSpc>
@@ -28398,16 +28262,8 @@
               </a:spcBef>
               <a:buFont typeface="Arial" panose="020B0604020202020204" pitchFamily="34" charset="0"/>
               <a:buChar char="•"/>
-              <a:defRPr kumimoji="1" sz="1800" kern="1200">
-                <a:solidFill>
-                  <a:schemeClr val="tx1"/>
-                </a:solidFill>
-                <a:latin typeface="+mn-lt"/>
-                <a:ea typeface="+mn-ea"/>
-                <a:cs typeface="+mn-cs"/>
-              </a:defRPr>
             </a:lvl8pPr>
-            <a:lvl9pPr marL="3886200" indent="-228600" algn="l" defTabSz="914400" rtl="0" eaLnBrk="1" latinLnBrk="0" hangingPunct="1">
+            <a:lvl9pPr marL="3886200" indent="-228600">
               <a:lnSpc>
                 <a:spcPct val="90000"/>
               </a:lnSpc>
@@ -28416,26 +28272,14 @@
               </a:spcBef>
               <a:buFont typeface="Arial" panose="020B0604020202020204" pitchFamily="34" charset="0"/>
               <a:buChar char="•"/>
-              <a:defRPr kumimoji="1" sz="1800" kern="1200">
-                <a:solidFill>
-                  <a:schemeClr val="tx1"/>
-                </a:solidFill>
-                <a:latin typeface="+mn-lt"/>
-                <a:ea typeface="+mn-ea"/>
-                <a:cs typeface="+mn-cs"/>
-              </a:defRPr>
             </a:lvl9pPr>
           </a:lstStyle>
           <a:p>
-            <a:pPr marL="0" indent="0">
-              <a:buFont typeface="Wingdings" pitchFamily="2" charset="2"/>
-              <a:buChar char="l"/>
-            </a:pPr>
-            <a:r>
-              <a:rPr lang="ja-JP" altLang="en-US" sz="1800" dirty="0" smtClean="0"/>
+            <a:r>
+              <a:rPr lang="ja-JP" altLang="en-US" dirty="0"/>
               <a:t>コマンドプロンプトにて以下のコマンドを実行し、モジュールのインストールおよび確認を行います。</a:t>
             </a:r>
-            <a:endParaRPr lang="en-US" altLang="ja-JP" sz="1800" dirty="0" smtClean="0"/>
+            <a:endParaRPr lang="en-US" altLang="ja-JP" dirty="0"/>
           </a:p>
         </p:txBody>
       </p:sp>
@@ -28948,7 +28792,7 @@
         </p:nvSpPr>
         <p:spPr>
           <a:xfrm>
-            <a:off x="555219" y="1200150"/>
+            <a:off x="432000" y="1080000"/>
             <a:ext cx="11164927" cy="713056"/>
           </a:xfrm>
           <a:prstGeom prst="rect">
@@ -28967,9 +28811,14 @@
           </a:ln>
         </p:spPr>
         <p:txBody>
-          <a:bodyPr anchor="ctr"/>
+          <a:bodyPr vert="horz" lIns="91440" tIns="45720" rIns="91440" bIns="45720" rtlCol="0" anchor="ctr">
+            <a:normAutofit/>
+          </a:bodyPr>
           <a:lstStyle>
-            <a:lvl1pPr marL="228600" indent="-228600" algn="l" defTabSz="914400" rtl="0" eaLnBrk="1" latinLnBrk="0" hangingPunct="1">
+            <a:defPPr>
+              <a:defRPr lang="ja-JP"/>
+            </a:defPPr>
+            <a:lvl1pPr indent="0">
               <a:lnSpc>
                 <a:spcPct val="90000"/>
               </a:lnSpc>
@@ -28977,17 +28826,13 @@
                 <a:spcPts val="1000"/>
               </a:spcBef>
               <a:buFont typeface="Arial" panose="020B0604020202020204" pitchFamily="34" charset="0"/>
-              <a:buChar char="•"/>
-              <a:defRPr kumimoji="1" sz="2000" kern="1200">
-                <a:solidFill>
-                  <a:schemeClr val="tx1"/>
-                </a:solidFill>
+              <a:buNone/>
+              <a:defRPr sz="2000">
                 <a:latin typeface="Meiryo UI" panose="020B0604030504040204" pitchFamily="50" charset="-128"/>
                 <a:ea typeface="Meiryo UI" panose="020B0604030504040204" pitchFamily="50" charset="-128"/>
-                <a:cs typeface="+mn-cs"/>
               </a:defRPr>
             </a:lvl1pPr>
-            <a:lvl2pPr marL="685800" indent="-228600" algn="l" defTabSz="914400" rtl="0" eaLnBrk="1" latinLnBrk="0" hangingPunct="1">
+            <a:lvl2pPr marL="685800" indent="-228600">
               <a:lnSpc>
                 <a:spcPct val="90000"/>
               </a:lnSpc>
@@ -28996,16 +28841,12 @@
               </a:spcBef>
               <a:buFont typeface="Arial" panose="020B0604020202020204" pitchFamily="34" charset="0"/>
               <a:buChar char="•"/>
-              <a:defRPr kumimoji="1" sz="1800" kern="1200">
-                <a:solidFill>
-                  <a:schemeClr val="tx1"/>
-                </a:solidFill>
+              <a:defRPr>
                 <a:latin typeface="Meiryo UI" panose="020B0604030504040204" pitchFamily="50" charset="-128"/>
                 <a:ea typeface="Meiryo UI" panose="020B0604030504040204" pitchFamily="50" charset="-128"/>
-                <a:cs typeface="+mn-cs"/>
               </a:defRPr>
             </a:lvl2pPr>
-            <a:lvl3pPr marL="1143000" indent="-228600" algn="l" defTabSz="914400" rtl="0" eaLnBrk="1" latinLnBrk="0" hangingPunct="1">
+            <a:lvl3pPr marL="1143000" indent="-228600">
               <a:lnSpc>
                 <a:spcPct val="90000"/>
               </a:lnSpc>
@@ -29014,16 +28855,12 @@
               </a:spcBef>
               <a:buFont typeface="Arial" panose="020B0604020202020204" pitchFamily="34" charset="0"/>
               <a:buChar char="•"/>
-              <a:defRPr kumimoji="1" sz="1600" kern="1200">
-                <a:solidFill>
-                  <a:schemeClr val="tx1"/>
-                </a:solidFill>
+              <a:defRPr sz="1600">
                 <a:latin typeface="Meiryo UI" panose="020B0604030504040204" pitchFamily="50" charset="-128"/>
                 <a:ea typeface="Meiryo UI" panose="020B0604030504040204" pitchFamily="50" charset="-128"/>
-                <a:cs typeface="+mn-cs"/>
               </a:defRPr>
             </a:lvl3pPr>
-            <a:lvl4pPr marL="1600200" indent="-228600" algn="l" defTabSz="914400" rtl="0" eaLnBrk="1" latinLnBrk="0" hangingPunct="1">
+            <a:lvl4pPr marL="1600200" indent="-228600">
               <a:lnSpc>
                 <a:spcPct val="90000"/>
               </a:lnSpc>
@@ -29032,16 +28869,12 @@
               </a:spcBef>
               <a:buFont typeface="Arial" panose="020B0604020202020204" pitchFamily="34" charset="0"/>
               <a:buChar char="•"/>
-              <a:defRPr kumimoji="1" sz="1400" kern="1200">
-                <a:solidFill>
-                  <a:schemeClr val="tx1"/>
-                </a:solidFill>
+              <a:defRPr sz="1400">
                 <a:latin typeface="Meiryo UI" panose="020B0604030504040204" pitchFamily="50" charset="-128"/>
                 <a:ea typeface="Meiryo UI" panose="020B0604030504040204" pitchFamily="50" charset="-128"/>
-                <a:cs typeface="+mn-cs"/>
               </a:defRPr>
             </a:lvl4pPr>
-            <a:lvl5pPr marL="2057400" indent="-228600" algn="l" defTabSz="914400" rtl="0" eaLnBrk="1" latinLnBrk="0" hangingPunct="1">
+            <a:lvl5pPr marL="2057400" indent="-228600">
               <a:lnSpc>
                 <a:spcPct val="90000"/>
               </a:lnSpc>
@@ -29050,16 +28883,12 @@
               </a:spcBef>
               <a:buFont typeface="Arial" panose="020B0604020202020204" pitchFamily="34" charset="0"/>
               <a:buChar char="•"/>
-              <a:defRPr kumimoji="1" sz="1200" kern="1200">
-                <a:solidFill>
-                  <a:schemeClr val="tx1"/>
-                </a:solidFill>
+              <a:defRPr sz="1200">
                 <a:latin typeface="Meiryo UI" panose="020B0604030504040204" pitchFamily="50" charset="-128"/>
                 <a:ea typeface="Meiryo UI" panose="020B0604030504040204" pitchFamily="50" charset="-128"/>
-                <a:cs typeface="+mn-cs"/>
               </a:defRPr>
             </a:lvl5pPr>
-            <a:lvl6pPr marL="2514600" indent="-228600" algn="l" defTabSz="914400" rtl="0" eaLnBrk="1" latinLnBrk="0" hangingPunct="1">
+            <a:lvl6pPr marL="2514600" indent="-228600">
               <a:lnSpc>
                 <a:spcPct val="90000"/>
               </a:lnSpc>
@@ -29068,16 +28897,8 @@
               </a:spcBef>
               <a:buFont typeface="Arial" panose="020B0604020202020204" pitchFamily="34" charset="0"/>
               <a:buChar char="•"/>
-              <a:defRPr kumimoji="1" sz="1800" kern="1200">
-                <a:solidFill>
-                  <a:schemeClr val="tx1"/>
-                </a:solidFill>
-                <a:latin typeface="+mn-lt"/>
-                <a:ea typeface="+mn-ea"/>
-                <a:cs typeface="+mn-cs"/>
-              </a:defRPr>
             </a:lvl6pPr>
-            <a:lvl7pPr marL="2971800" indent="-228600" algn="l" defTabSz="914400" rtl="0" eaLnBrk="1" latinLnBrk="0" hangingPunct="1">
+            <a:lvl7pPr marL="2971800" indent="-228600">
               <a:lnSpc>
                 <a:spcPct val="90000"/>
               </a:lnSpc>
@@ -29086,16 +28907,8 @@
               </a:spcBef>
               <a:buFont typeface="Arial" panose="020B0604020202020204" pitchFamily="34" charset="0"/>
               <a:buChar char="•"/>
-              <a:defRPr kumimoji="1" sz="1800" kern="1200">
-                <a:solidFill>
-                  <a:schemeClr val="tx1"/>
-                </a:solidFill>
-                <a:latin typeface="+mn-lt"/>
-                <a:ea typeface="+mn-ea"/>
-                <a:cs typeface="+mn-cs"/>
-              </a:defRPr>
             </a:lvl7pPr>
-            <a:lvl8pPr marL="3429000" indent="-228600" algn="l" defTabSz="914400" rtl="0" eaLnBrk="1" latinLnBrk="0" hangingPunct="1">
+            <a:lvl8pPr marL="3429000" indent="-228600">
               <a:lnSpc>
                 <a:spcPct val="90000"/>
               </a:lnSpc>
@@ -29104,16 +28917,8 @@
               </a:spcBef>
               <a:buFont typeface="Arial" panose="020B0604020202020204" pitchFamily="34" charset="0"/>
               <a:buChar char="•"/>
-              <a:defRPr kumimoji="1" sz="1800" kern="1200">
-                <a:solidFill>
-                  <a:schemeClr val="tx1"/>
-                </a:solidFill>
-                <a:latin typeface="+mn-lt"/>
-                <a:ea typeface="+mn-ea"/>
-                <a:cs typeface="+mn-cs"/>
-              </a:defRPr>
             </a:lvl8pPr>
-            <a:lvl9pPr marL="3886200" indent="-228600" algn="l" defTabSz="914400" rtl="0" eaLnBrk="1" latinLnBrk="0" hangingPunct="1">
+            <a:lvl9pPr marL="3886200" indent="-228600">
               <a:lnSpc>
                 <a:spcPct val="90000"/>
               </a:lnSpc>
@@ -29122,34 +28927,22 @@
               </a:spcBef>
               <a:buFont typeface="Arial" panose="020B0604020202020204" pitchFamily="34" charset="0"/>
               <a:buChar char="•"/>
-              <a:defRPr kumimoji="1" sz="1800" kern="1200">
-                <a:solidFill>
-                  <a:schemeClr val="tx1"/>
-                </a:solidFill>
-                <a:latin typeface="+mn-lt"/>
-                <a:ea typeface="+mn-ea"/>
-                <a:cs typeface="+mn-cs"/>
-              </a:defRPr>
             </a:lvl9pPr>
           </a:lstStyle>
           <a:p>
-            <a:pPr marL="0" indent="0">
-              <a:buFont typeface="Wingdings" pitchFamily="2" charset="2"/>
-              <a:buChar char="l"/>
-            </a:pPr>
-            <a:r>
-              <a:rPr lang="ja-JP" altLang="en-US" sz="1800" dirty="0" smtClean="0"/>
+            <a:r>
+              <a:rPr lang="ja-JP" altLang="en-US" dirty="0"/>
               <a:t>コマンドプロンプトにて以下のコマンドを実行し、</a:t>
             </a:r>
             <a:r>
-              <a:rPr lang="en-US" altLang="ja-JP" sz="1800" dirty="0" smtClean="0"/>
+              <a:rPr lang="en-US" altLang="ja-JP" dirty="0"/>
               <a:t>react</a:t>
             </a:r>
             <a:r>
-              <a:rPr lang="ja-JP" altLang="en-US" sz="1800" dirty="0" smtClean="0"/>
+              <a:rPr lang="ja-JP" altLang="en-US" dirty="0"/>
               <a:t>プロジェクトを作成します。</a:t>
             </a:r>
-            <a:endParaRPr lang="en-US" altLang="ja-JP" sz="1800" dirty="0" smtClean="0"/>
+            <a:endParaRPr lang="en-US" altLang="ja-JP" dirty="0"/>
           </a:p>
         </p:txBody>
       </p:sp>
@@ -29161,7 +28954,7 @@
         </p:nvSpPr>
         <p:spPr>
           <a:xfrm>
-            <a:off x="555218" y="2172487"/>
+            <a:off x="555218" y="2052416"/>
             <a:ext cx="11164927" cy="1583584"/>
           </a:xfrm>
           <a:prstGeom prst="rect">
@@ -29838,7 +29631,7 @@
         </p:nvSpPr>
         <p:spPr>
           <a:xfrm>
-            <a:off x="424773" y="1207825"/>
+            <a:off x="432000" y="1080000"/>
             <a:ext cx="11356919" cy="3645531"/>
           </a:xfrm>
           <a:prstGeom prst="rect">
@@ -29857,9 +29650,14 @@
           </a:ln>
         </p:spPr>
         <p:txBody>
-          <a:bodyPr anchor="ctr"/>
+          <a:bodyPr vert="horz" lIns="91440" tIns="45720" rIns="91440" bIns="45720" rtlCol="0" anchor="ctr">
+            <a:normAutofit/>
+          </a:bodyPr>
           <a:lstStyle>
-            <a:lvl1pPr marL="228600" indent="-228600" algn="l" defTabSz="914400" rtl="0" eaLnBrk="1" latinLnBrk="0" hangingPunct="1">
+            <a:defPPr>
+              <a:defRPr lang="ja-JP"/>
+            </a:defPPr>
+            <a:lvl1pPr indent="0">
               <a:lnSpc>
                 <a:spcPct val="90000"/>
               </a:lnSpc>
@@ -29867,17 +29665,13 @@
                 <a:spcPts val="1000"/>
               </a:spcBef>
               <a:buFont typeface="Arial" panose="020B0604020202020204" pitchFamily="34" charset="0"/>
-              <a:buChar char="•"/>
-              <a:defRPr kumimoji="1" sz="2000" kern="1200">
-                <a:solidFill>
-                  <a:schemeClr val="tx1"/>
-                </a:solidFill>
+              <a:buNone/>
+              <a:defRPr sz="2000">
                 <a:latin typeface="Meiryo UI" panose="020B0604030504040204" pitchFamily="50" charset="-128"/>
                 <a:ea typeface="Meiryo UI" panose="020B0604030504040204" pitchFamily="50" charset="-128"/>
-                <a:cs typeface="+mn-cs"/>
               </a:defRPr>
             </a:lvl1pPr>
-            <a:lvl2pPr marL="685800" indent="-228600" algn="l" defTabSz="914400" rtl="0" eaLnBrk="1" latinLnBrk="0" hangingPunct="1">
+            <a:lvl2pPr marL="685800" indent="-228600">
               <a:lnSpc>
                 <a:spcPct val="90000"/>
               </a:lnSpc>
@@ -29886,16 +29680,12 @@
               </a:spcBef>
               <a:buFont typeface="Arial" panose="020B0604020202020204" pitchFamily="34" charset="0"/>
               <a:buChar char="•"/>
-              <a:defRPr kumimoji="1" sz="1800" kern="1200">
-                <a:solidFill>
-                  <a:schemeClr val="tx1"/>
-                </a:solidFill>
+              <a:defRPr>
                 <a:latin typeface="Meiryo UI" panose="020B0604030504040204" pitchFamily="50" charset="-128"/>
                 <a:ea typeface="Meiryo UI" panose="020B0604030504040204" pitchFamily="50" charset="-128"/>
-                <a:cs typeface="+mn-cs"/>
               </a:defRPr>
             </a:lvl2pPr>
-            <a:lvl3pPr marL="1143000" indent="-228600" algn="l" defTabSz="914400" rtl="0" eaLnBrk="1" latinLnBrk="0" hangingPunct="1">
+            <a:lvl3pPr marL="1143000" indent="-228600">
               <a:lnSpc>
                 <a:spcPct val="90000"/>
               </a:lnSpc>
@@ -29904,16 +29694,12 @@
               </a:spcBef>
               <a:buFont typeface="Arial" panose="020B0604020202020204" pitchFamily="34" charset="0"/>
               <a:buChar char="•"/>
-              <a:defRPr kumimoji="1" sz="1600" kern="1200">
-                <a:solidFill>
-                  <a:schemeClr val="tx1"/>
-                </a:solidFill>
+              <a:defRPr sz="1600">
                 <a:latin typeface="Meiryo UI" panose="020B0604030504040204" pitchFamily="50" charset="-128"/>
                 <a:ea typeface="Meiryo UI" panose="020B0604030504040204" pitchFamily="50" charset="-128"/>
-                <a:cs typeface="+mn-cs"/>
               </a:defRPr>
             </a:lvl3pPr>
-            <a:lvl4pPr marL="1600200" indent="-228600" algn="l" defTabSz="914400" rtl="0" eaLnBrk="1" latinLnBrk="0" hangingPunct="1">
+            <a:lvl4pPr marL="1600200" indent="-228600">
               <a:lnSpc>
                 <a:spcPct val="90000"/>
               </a:lnSpc>
@@ -29922,16 +29708,12 @@
               </a:spcBef>
               <a:buFont typeface="Arial" panose="020B0604020202020204" pitchFamily="34" charset="0"/>
               <a:buChar char="•"/>
-              <a:defRPr kumimoji="1" sz="1400" kern="1200">
-                <a:solidFill>
-                  <a:schemeClr val="tx1"/>
-                </a:solidFill>
+              <a:defRPr sz="1400">
                 <a:latin typeface="Meiryo UI" panose="020B0604030504040204" pitchFamily="50" charset="-128"/>
                 <a:ea typeface="Meiryo UI" panose="020B0604030504040204" pitchFamily="50" charset="-128"/>
-                <a:cs typeface="+mn-cs"/>
               </a:defRPr>
             </a:lvl4pPr>
-            <a:lvl5pPr marL="2057400" indent="-228600" algn="l" defTabSz="914400" rtl="0" eaLnBrk="1" latinLnBrk="0" hangingPunct="1">
+            <a:lvl5pPr marL="2057400" indent="-228600">
               <a:lnSpc>
                 <a:spcPct val="90000"/>
               </a:lnSpc>
@@ -29940,16 +29722,12 @@
               </a:spcBef>
               <a:buFont typeface="Arial" panose="020B0604020202020204" pitchFamily="34" charset="0"/>
               <a:buChar char="•"/>
-              <a:defRPr kumimoji="1" sz="1200" kern="1200">
-                <a:solidFill>
-                  <a:schemeClr val="tx1"/>
-                </a:solidFill>
+              <a:defRPr sz="1200">
                 <a:latin typeface="Meiryo UI" panose="020B0604030504040204" pitchFamily="50" charset="-128"/>
                 <a:ea typeface="Meiryo UI" panose="020B0604030504040204" pitchFamily="50" charset="-128"/>
-                <a:cs typeface="+mn-cs"/>
               </a:defRPr>
             </a:lvl5pPr>
-            <a:lvl6pPr marL="2514600" indent="-228600" algn="l" defTabSz="914400" rtl="0" eaLnBrk="1" latinLnBrk="0" hangingPunct="1">
+            <a:lvl6pPr marL="2514600" indent="-228600">
               <a:lnSpc>
                 <a:spcPct val="90000"/>
               </a:lnSpc>
@@ -29958,16 +29736,8 @@
               </a:spcBef>
               <a:buFont typeface="Arial" panose="020B0604020202020204" pitchFamily="34" charset="0"/>
               <a:buChar char="•"/>
-              <a:defRPr kumimoji="1" sz="1800" kern="1200">
-                <a:solidFill>
-                  <a:schemeClr val="tx1"/>
-                </a:solidFill>
-                <a:latin typeface="+mn-lt"/>
-                <a:ea typeface="+mn-ea"/>
-                <a:cs typeface="+mn-cs"/>
-              </a:defRPr>
             </a:lvl6pPr>
-            <a:lvl7pPr marL="2971800" indent="-228600" algn="l" defTabSz="914400" rtl="0" eaLnBrk="1" latinLnBrk="0" hangingPunct="1">
+            <a:lvl7pPr marL="2971800" indent="-228600">
               <a:lnSpc>
                 <a:spcPct val="90000"/>
               </a:lnSpc>
@@ -29976,16 +29746,8 @@
               </a:spcBef>
               <a:buFont typeface="Arial" panose="020B0604020202020204" pitchFamily="34" charset="0"/>
               <a:buChar char="•"/>
-              <a:defRPr kumimoji="1" sz="1800" kern="1200">
-                <a:solidFill>
-                  <a:schemeClr val="tx1"/>
-                </a:solidFill>
-                <a:latin typeface="+mn-lt"/>
-                <a:ea typeface="+mn-ea"/>
-                <a:cs typeface="+mn-cs"/>
-              </a:defRPr>
             </a:lvl7pPr>
-            <a:lvl8pPr marL="3429000" indent="-228600" algn="l" defTabSz="914400" rtl="0" eaLnBrk="1" latinLnBrk="0" hangingPunct="1">
+            <a:lvl8pPr marL="3429000" indent="-228600">
               <a:lnSpc>
                 <a:spcPct val="90000"/>
               </a:lnSpc>
@@ -29994,16 +29756,8 @@
               </a:spcBef>
               <a:buFont typeface="Arial" panose="020B0604020202020204" pitchFamily="34" charset="0"/>
               <a:buChar char="•"/>
-              <a:defRPr kumimoji="1" sz="1800" kern="1200">
-                <a:solidFill>
-                  <a:schemeClr val="tx1"/>
-                </a:solidFill>
-                <a:latin typeface="+mn-lt"/>
-                <a:ea typeface="+mn-ea"/>
-                <a:cs typeface="+mn-cs"/>
-              </a:defRPr>
             </a:lvl8pPr>
-            <a:lvl9pPr marL="3886200" indent="-228600" algn="l" defTabSz="914400" rtl="0" eaLnBrk="1" latinLnBrk="0" hangingPunct="1">
+            <a:lvl9pPr marL="3886200" indent="-228600">
               <a:lnSpc>
                 <a:spcPct val="90000"/>
               </a:lnSpc>
@@ -30012,166 +29766,137 @@
               </a:spcBef>
               <a:buFont typeface="Arial" panose="020B0604020202020204" pitchFamily="34" charset="0"/>
               <a:buChar char="•"/>
-              <a:defRPr kumimoji="1" sz="1800" kern="1200">
-                <a:solidFill>
-                  <a:schemeClr val="tx1"/>
-                </a:solidFill>
-                <a:latin typeface="+mn-lt"/>
-                <a:ea typeface="+mn-ea"/>
-                <a:cs typeface="+mn-cs"/>
-              </a:defRPr>
             </a:lvl9pPr>
           </a:lstStyle>
           <a:p>
-            <a:pPr marL="0" indent="0">
-              <a:buFont typeface="Wingdings" pitchFamily="2" charset="2"/>
-              <a:buChar char="l"/>
-            </a:pPr>
-            <a:r>
-              <a:rPr lang="en-US" altLang="ja-JP" sz="1800" dirty="0" smtClean="0"/>
+            <a:r>
+              <a:rPr lang="ja-JP" altLang="en-US" dirty="0" smtClean="0"/>
+              <a:t>●</a:t>
+            </a:r>
+            <a:r>
+              <a:rPr lang="en-US" altLang="ja-JP" dirty="0" smtClean="0"/>
               <a:t>React</a:t>
             </a:r>
             <a:r>
-              <a:rPr lang="ja-JP" altLang="en-US" sz="1800" dirty="0" smtClean="0"/>
+              <a:rPr lang="ja-JP" altLang="en-US" dirty="0"/>
               <a:t>のプログラムを書くには、プログラミングに特化したテキストエディタを使うことをおすすめします。</a:t>
             </a:r>
-            <a:endParaRPr lang="en-US" altLang="ja-JP" sz="1800" dirty="0" smtClean="0"/>
-          </a:p>
-          <a:p>
-            <a:pPr marL="0" indent="0">
-              <a:buNone/>
-            </a:pPr>
-            <a:r>
-              <a:rPr lang="ja-JP" altLang="en-US" sz="1800" dirty="0" smtClean="0"/>
+            <a:endParaRPr lang="en-US" altLang="ja-JP" dirty="0"/>
+          </a:p>
+          <a:p>
+            <a:r>
+              <a:rPr lang="ja-JP" altLang="en-US" dirty="0"/>
               <a:t>　以下のテキストエディタがおすすめです。</a:t>
             </a:r>
-            <a:endParaRPr lang="en-US" altLang="ja-JP" sz="1800" dirty="0" smtClean="0"/>
-          </a:p>
-          <a:p>
-            <a:pPr marL="0" indent="0">
-              <a:buNone/>
-            </a:pPr>
-            <a:r>
-              <a:rPr lang="ja-JP" altLang="en-US" sz="1800" dirty="0" smtClean="0"/>
+            <a:endParaRPr lang="en-US" altLang="ja-JP" dirty="0"/>
+          </a:p>
+          <a:p>
+            <a:r>
+              <a:rPr lang="ja-JP" altLang="en-US" dirty="0"/>
               <a:t>　・</a:t>
             </a:r>
             <a:r>
-              <a:rPr lang="en-US" altLang="ja-JP" sz="1800" dirty="0" smtClean="0"/>
+              <a:rPr lang="en-US" altLang="ja-JP" dirty="0"/>
               <a:t>Visual </a:t>
             </a:r>
             <a:r>
-              <a:rPr lang="en-US" altLang="ja-JP" sz="1800" dirty="0"/>
+              <a:rPr lang="en-US" altLang="ja-JP" dirty="0"/>
               <a:t>Studio Code(</a:t>
             </a:r>
             <a:r>
-              <a:rPr lang="en-US" altLang="ja-JP" sz="1800" dirty="0">
+              <a:rPr lang="en-US" altLang="ja-JP" dirty="0">
                 <a:hlinkClick r:id="rId2"/>
               </a:rPr>
               <a:t>https://</a:t>
             </a:r>
             <a:r>
-              <a:rPr lang="en-US" altLang="ja-JP" sz="1800" dirty="0" smtClean="0">
+              <a:rPr lang="en-US" altLang="ja-JP" dirty="0">
                 <a:hlinkClick r:id="rId2"/>
               </a:rPr>
               <a:t>code.visualstudio.com/Download</a:t>
             </a:r>
             <a:r>
-              <a:rPr lang="en-US" altLang="ja-JP" sz="1800" dirty="0" smtClean="0"/>
+              <a:rPr lang="en-US" altLang="ja-JP" dirty="0"/>
               <a:t>)</a:t>
             </a:r>
           </a:p>
           <a:p>
-            <a:pPr marL="0" indent="0">
-              <a:buNone/>
-            </a:pPr>
-            <a:r>
-              <a:rPr lang="ja-JP" altLang="en-US" sz="1800" dirty="0" smtClean="0"/>
+            <a:r>
+              <a:rPr lang="ja-JP" altLang="en-US" dirty="0"/>
               <a:t>　　・</a:t>
             </a:r>
             <a:r>
-              <a:rPr lang="en-US" altLang="ja-JP" sz="1800" dirty="0" smtClean="0"/>
+              <a:rPr lang="en-US" altLang="ja-JP" dirty="0"/>
               <a:t>MicroSoft</a:t>
             </a:r>
             <a:r>
-              <a:rPr lang="ja-JP" altLang="en-US" sz="1800" dirty="0" smtClean="0"/>
+              <a:rPr lang="ja-JP" altLang="en-US" dirty="0"/>
               <a:t>が開発したオープンソースのプログラミング向けエディターで、無料で使用できます。</a:t>
             </a:r>
-            <a:endParaRPr lang="en-US" altLang="ja-JP" sz="1800" dirty="0" smtClean="0"/>
-          </a:p>
-          <a:p>
-            <a:pPr marL="0" indent="0">
-              <a:buNone/>
-            </a:pPr>
-            <a:r>
-              <a:rPr lang="ja-JP" altLang="en-US" sz="1800" dirty="0" smtClean="0"/>
+            <a:endParaRPr lang="en-US" altLang="ja-JP" dirty="0"/>
+          </a:p>
+          <a:p>
+            <a:r>
+              <a:rPr lang="ja-JP" altLang="en-US" dirty="0"/>
               <a:t>　　・拡張機能（パッケージ）を入れなくても、最初から充実した機能を持っています。</a:t>
             </a:r>
-            <a:endParaRPr lang="en-US" altLang="ja-JP" sz="1800" dirty="0" smtClean="0"/>
-          </a:p>
-          <a:p>
-            <a:pPr marL="0" indent="0">
-              <a:buNone/>
-            </a:pPr>
-            <a:endParaRPr lang="en-US" altLang="ja-JP" sz="1800" dirty="0" smtClean="0"/>
-          </a:p>
-          <a:p>
-            <a:pPr marL="0" indent="0">
-              <a:buFont typeface="Wingdings" pitchFamily="2" charset="2"/>
-              <a:buChar char="l"/>
-            </a:pPr>
-            <a:r>
-              <a:rPr lang="ja-JP" altLang="en-US" sz="1800" dirty="0" smtClean="0"/>
-              <a:t>ブラウザは、開発用機能が使いやすい</a:t>
-            </a:r>
-            <a:r>
-              <a:rPr lang="en-US" altLang="ja-JP" sz="1800" dirty="0" smtClean="0"/>
+            <a:endParaRPr lang="en-US" altLang="ja-JP" dirty="0"/>
+          </a:p>
+          <a:p>
+            <a:endParaRPr lang="en-US" altLang="ja-JP" dirty="0"/>
+          </a:p>
+          <a:p>
+            <a:r>
+              <a:rPr lang="ja-JP" altLang="en-US" dirty="0" smtClean="0"/>
+              <a:t>●ブラウザ</a:t>
+            </a:r>
+            <a:r>
+              <a:rPr lang="ja-JP" altLang="en-US" dirty="0"/>
+              <a:t>は、開発用機能が使いやすい</a:t>
+            </a:r>
+            <a:r>
+              <a:rPr lang="en-US" altLang="ja-JP" dirty="0"/>
               <a:t>Google Chrome</a:t>
             </a:r>
             <a:r>
-              <a:rPr lang="ja-JP" altLang="en-US" sz="1800" dirty="0" smtClean="0"/>
+              <a:rPr lang="ja-JP" altLang="en-US" dirty="0"/>
               <a:t>を使用しましょう。</a:t>
             </a:r>
-            <a:endParaRPr lang="en-US" altLang="ja-JP" sz="1800" dirty="0" smtClean="0"/>
-          </a:p>
-          <a:p>
-            <a:pPr marL="0" indent="0">
-              <a:buNone/>
-            </a:pPr>
-            <a:r>
-              <a:rPr lang="ja-JP" altLang="en-US" sz="1800" dirty="0" smtClean="0"/>
+            <a:endParaRPr lang="en-US" altLang="ja-JP" dirty="0"/>
+          </a:p>
+          <a:p>
+            <a:r>
+              <a:rPr lang="ja-JP" altLang="en-US" dirty="0"/>
               <a:t>　開発ツールには</a:t>
             </a:r>
             <a:r>
-              <a:rPr lang="en-US" altLang="ja-JP" sz="1800" dirty="0" smtClean="0"/>
+              <a:rPr lang="en-US" altLang="ja-JP" dirty="0"/>
               <a:t>Console</a:t>
             </a:r>
             <a:r>
-              <a:rPr lang="ja-JP" altLang="en-US" sz="1800" dirty="0" err="1" smtClean="0"/>
+              <a:rPr lang="ja-JP" altLang="en-US" dirty="0" err="1"/>
               <a:t>、</a:t>
             </a:r>
             <a:r>
-              <a:rPr lang="en-US" altLang="ja-JP" sz="1800" dirty="0" smtClean="0"/>
+              <a:rPr lang="en-US" altLang="ja-JP" dirty="0"/>
               <a:t>Source</a:t>
             </a:r>
             <a:r>
-              <a:rPr lang="ja-JP" altLang="en-US" sz="1800" dirty="0" smtClean="0"/>
+              <a:rPr lang="ja-JP" altLang="en-US" dirty="0"/>
               <a:t>タブなどがあり、</a:t>
             </a:r>
             <a:r>
-              <a:rPr lang="en-US" altLang="ja-JP" sz="1800" dirty="0" smtClean="0"/>
+              <a:rPr lang="en-US" altLang="ja-JP" dirty="0"/>
               <a:t>JavaScript</a:t>
             </a:r>
             <a:r>
-              <a:rPr lang="ja-JP" altLang="en-US" sz="1800" dirty="0" smtClean="0"/>
+              <a:rPr lang="ja-JP" altLang="en-US" dirty="0"/>
               <a:t>のデバッグによく使われます。</a:t>
             </a:r>
-            <a:endParaRPr lang="en-US" altLang="ja-JP" sz="1800" dirty="0" smtClean="0"/>
-          </a:p>
-          <a:p>
-            <a:pPr marL="0" indent="0">
-              <a:buNone/>
-            </a:pPr>
-            <a:endParaRPr lang="en-US" altLang="ja-JP" sz="1800" dirty="0" smtClean="0"/>
+            <a:endParaRPr lang="en-US" altLang="ja-JP" dirty="0"/>
+          </a:p>
+          <a:p>
+            <a:endParaRPr lang="en-US" altLang="ja-JP" dirty="0"/>
           </a:p>
         </p:txBody>
       </p:sp>
@@ -30249,16 +29974,37 @@
             <p:ph sz="quarter" idx="13"/>
           </p:nvPr>
         </p:nvSpPr>
-        <p:spPr/>
+        <p:spPr>
+          <a:xfrm>
+            <a:off x="431799" y="1080000"/>
+            <a:ext cx="11379201" cy="800099"/>
+          </a:xfrm>
+          <a:solidFill>
+            <a:schemeClr val="accent1">
+              <a:lumMod val="20000"/>
+              <a:lumOff val="80000"/>
+            </a:schemeClr>
+          </a:solidFill>
+          <a:ln>
+            <a:solidFill>
+              <a:schemeClr val="accent1"/>
+            </a:solidFill>
+          </a:ln>
+        </p:spPr>
         <p:txBody>
-          <a:bodyPr/>
+          <a:bodyPr vert="horz" lIns="91440" tIns="45720" rIns="91440" bIns="45720" rtlCol="0" anchor="ctr">
+            <a:normAutofit/>
+          </a:bodyPr>
           <a:lstStyle/>
           <a:p>
-            <a:r>
-              <a:rPr lang="ja-JP" altLang="en-US" dirty="0" smtClean="0"/>
+            <a:pPr marL="0" indent="0">
+              <a:buNone/>
+            </a:pPr>
+            <a:r>
+              <a:rPr lang="ja-JP" altLang="en-US" dirty="0"/>
               <a:t>本章では、前章までで学んだ知識を活用して実装できるアプリケーションについて説明していきます。</a:t>
             </a:r>
-            <a:endParaRPr lang="en-US" altLang="ja-JP" dirty="0" smtClean="0"/>
+            <a:endParaRPr lang="en-US" altLang="ja-JP" dirty="0"/>
           </a:p>
         </p:txBody>
       </p:sp>
@@ -30434,57 +30180,46 @@
         </p:nvSpPr>
         <p:spPr>
           <a:xfrm>
-            <a:off x="431799" y="1054099"/>
+            <a:off x="431799" y="1080000"/>
             <a:ext cx="11379201" cy="690295"/>
           </a:xfrm>
+          <a:solidFill>
+            <a:schemeClr val="accent1">
+              <a:lumMod val="20000"/>
+              <a:lumOff val="80000"/>
+            </a:schemeClr>
+          </a:solidFill>
+          <a:ln>
+            <a:solidFill>
+              <a:schemeClr val="accent1"/>
+            </a:solidFill>
+          </a:ln>
         </p:spPr>
         <p:txBody>
-          <a:bodyPr>
+          <a:bodyPr vert="horz" lIns="91440" tIns="45720" rIns="91440" bIns="45720" rtlCol="0" anchor="ctr">
             <a:normAutofit/>
           </a:bodyPr>
           <a:lstStyle/>
           <a:p>
-            <a:r>
-              <a:rPr lang="ja-JP" altLang="en-US" dirty="0" smtClean="0"/>
+            <a:pPr marL="0" indent="0">
+              <a:buNone/>
+            </a:pPr>
+            <a:r>
+              <a:rPr lang="ja-JP" altLang="en-US" dirty="0"/>
               <a:t>「</a:t>
             </a:r>
             <a:r>
-              <a:rPr lang="en-US" altLang="ja-JP" dirty="0" smtClean="0"/>
+              <a:rPr lang="en-US" altLang="ja-JP" dirty="0"/>
               <a:t>Hello world</a:t>
             </a:r>
             <a:r>
-              <a:rPr lang="ja-JP" altLang="en-US" dirty="0" smtClean="0"/>
+              <a:rPr lang="ja-JP" altLang="en-US" dirty="0"/>
               <a:t>」と表示させるアプリケーションについて説明していきます。</a:t>
             </a:r>
-            <a:endParaRPr lang="en-US" altLang="ja-JP" dirty="0" smtClean="0"/>
+            <a:endParaRPr lang="en-US" altLang="ja-JP" dirty="0"/>
           </a:p>
         </p:txBody>
       </p:sp>
-      <p:pic>
-        <p:nvPicPr>
-          <p:cNvPr id="7" name="図 6"/>
-          <p:cNvPicPr>
-            <a:picLocks noChangeAspect="1"/>
-          </p:cNvPicPr>
-          <p:nvPr/>
-        </p:nvPicPr>
-        <p:blipFill>
-          <a:blip r:embed="rId2" cstate="print"/>
-          <a:srcRect r="26466" b="47037"/>
-          <a:stretch>
-            <a:fillRect/>
-          </a:stretch>
-        </p:blipFill>
-        <p:spPr>
-          <a:xfrm>
-            <a:off x="631696" y="2723223"/>
-            <a:ext cx="6692452" cy="2889786"/>
-          </a:xfrm>
-          <a:prstGeom prst="rect">
-            <a:avLst/>
-          </a:prstGeom>
-        </p:spPr>
-      </p:pic>
       <p:sp>
         <p:nvSpPr>
           <p:cNvPr id="5" name="テキスト ボックス 4"/>
@@ -30493,7 +30228,7 @@
         </p:nvSpPr>
         <p:spPr>
           <a:xfrm>
-            <a:off x="520504" y="2152357"/>
+            <a:off x="324561" y="2012398"/>
             <a:ext cx="1786597" cy="369332"/>
           </a:xfrm>
           <a:prstGeom prst="rect">
@@ -30508,8 +30243,8 @@
           <a:lstStyle/>
           <a:p>
             <a:r>
-              <a:rPr kumimoji="1" lang="en-US" altLang="ja-JP" dirty="0" smtClean="0"/>
-              <a:t>※</a:t>
+              <a:rPr lang="ja-JP" altLang="en-US" dirty="0"/>
+              <a:t>■</a:t>
             </a:r>
             <a:r>
               <a:rPr kumimoji="1" lang="ja-JP" altLang="en-US" dirty="0" smtClean="0"/>
@@ -30519,6 +30254,30 @@
           </a:p>
         </p:txBody>
       </p:sp>
+      <p:pic>
+        <p:nvPicPr>
+          <p:cNvPr id="8" name="図 7"/>
+          <p:cNvPicPr>
+            <a:picLocks noChangeAspect="1"/>
+          </p:cNvPicPr>
+          <p:nvPr/>
+        </p:nvPicPr>
+        <p:blipFill>
+          <a:blip r:embed="rId2"/>
+          <a:stretch>
+            <a:fillRect/>
+          </a:stretch>
+        </p:blipFill>
+        <p:spPr>
+          <a:xfrm>
+            <a:off x="589772" y="2508866"/>
+            <a:ext cx="5600700" cy="3762375"/>
+          </a:xfrm>
+          <a:prstGeom prst="rect">
+            <a:avLst/>
+          </a:prstGeom>
+        </p:spPr>
+      </p:pic>
     </p:spTree>
     <p:extLst>
       <p:ext uri="{BB962C8B-B14F-4D97-AF65-F5344CB8AC3E}">
@@ -30596,19 +30355,35 @@
         </p:nvSpPr>
         <p:spPr>
           <a:xfrm>
-            <a:off x="431799" y="1054100"/>
-            <a:ext cx="11379201" cy="605888"/>
+            <a:off x="431799" y="1080000"/>
+            <a:ext cx="11379201" cy="691200"/>
           </a:xfrm>
+          <a:solidFill>
+            <a:schemeClr val="accent1">
+              <a:lumMod val="20000"/>
+              <a:lumOff val="80000"/>
+            </a:schemeClr>
+          </a:solidFill>
+          <a:ln>
+            <a:solidFill>
+              <a:schemeClr val="accent1"/>
+            </a:solidFill>
+          </a:ln>
         </p:spPr>
         <p:txBody>
-          <a:bodyPr/>
+          <a:bodyPr vert="horz" lIns="91440" tIns="45720" rIns="91440" bIns="45720" rtlCol="0" anchor="ctr">
+            <a:normAutofit/>
+          </a:bodyPr>
           <a:lstStyle/>
           <a:p>
-            <a:r>
-              <a:rPr kumimoji="1" lang="ja-JP" altLang="en-US" dirty="0" smtClean="0"/>
-              <a:t>コンポーネントを定義します。</a:t>
-            </a:r>
-            <a:endParaRPr kumimoji="1" lang="ja-JP" altLang="en-US" dirty="0"/>
+            <a:pPr marL="0" indent="0">
+              <a:buNone/>
+            </a:pPr>
+            <a:r>
+              <a:rPr lang="ja-JP" altLang="en-US" dirty="0" smtClean="0"/>
+              <a:t>●コンポーネントの定義</a:t>
+            </a:r>
+            <a:endParaRPr lang="ja-JP" altLang="en-US" dirty="0"/>
           </a:p>
         </p:txBody>
       </p:sp>
@@ -30620,7 +30395,7 @@
         </p:nvSpPr>
         <p:spPr>
           <a:xfrm>
-            <a:off x="4403187" y="2813531"/>
+            <a:off x="4403187" y="3410691"/>
             <a:ext cx="2286203" cy="369332"/>
           </a:xfrm>
           <a:prstGeom prst="rect">
@@ -30660,8 +30435,8 @@
         </p:nvSpPr>
         <p:spPr>
           <a:xfrm>
-            <a:off x="466966" y="1899140"/>
-            <a:ext cx="4860000" cy="3132000"/>
+            <a:off x="466965" y="2496300"/>
+            <a:ext cx="5579271" cy="3132000"/>
           </a:xfrm>
           <a:prstGeom prst="rect">
             <a:avLst/>
@@ -30910,7 +30685,7 @@
                 <a:latin typeface="ＭＳ Ｐゴシック" panose="020B0600070205080204" pitchFamily="50" charset="-128"/>
                 <a:ea typeface="ＭＳ Ｐゴシック" panose="020B0600070205080204" pitchFamily="50" charset="-128"/>
               </a:rPr>
-              <a:t>      &lt;h1&gt;Hello world&lt;/h1&gt;</a:t>
+              <a:t>      &lt;h1&gt;Hello World&lt;/h1&gt;</a:t>
             </a:r>
           </a:p>
           <a:p>
@@ -30968,7 +30743,7 @@
         </p:nvSpPr>
         <p:spPr>
           <a:xfrm>
-            <a:off x="5743578" y="2048691"/>
+            <a:off x="5743578" y="2645851"/>
             <a:ext cx="5862268" cy="1108334"/>
           </a:xfrm>
           <a:prstGeom prst="borderCallout2">
@@ -31056,7 +30831,30 @@
                   <a:schemeClr val="tx1"/>
                 </a:solidFill>
               </a:rPr>
-              <a:t>のサブクラスで定義する必要のある唯一のメソッドです。</a:t>
+              <a:t>の</a:t>
+            </a:r>
+            <a:endParaRPr lang="en-US" altLang="ja-JP" dirty="0" smtClean="0">
+              <a:solidFill>
+                <a:schemeClr val="tx1"/>
+              </a:solidFill>
+            </a:endParaRPr>
+          </a:p>
+          <a:p>
+            <a:r>
+              <a:rPr lang="ja-JP" altLang="en-US" dirty="0" smtClean="0">
+                <a:solidFill>
+                  <a:schemeClr val="tx1"/>
+                </a:solidFill>
+              </a:rPr>
+              <a:t>サブクラス</a:t>
+            </a:r>
+            <a:r>
+              <a:rPr lang="ja-JP" altLang="en-US" dirty="0" smtClean="0">
+                <a:solidFill>
+                  <a:schemeClr val="tx1"/>
+                </a:solidFill>
+              </a:rPr>
+              <a:t>で定義する必要のある唯一のメソッドです。</a:t>
             </a:r>
             <a:endParaRPr lang="en-US" altLang="ja-JP" dirty="0" smtClean="0">
               <a:solidFill>
@@ -31074,7 +30872,7 @@
         </p:nvSpPr>
         <p:spPr>
           <a:xfrm>
-            <a:off x="5727166" y="3545729"/>
+            <a:off x="5727166" y="4142889"/>
             <a:ext cx="5862268" cy="857459"/>
           </a:xfrm>
           <a:prstGeom prst="borderCallout2">
@@ -31189,35 +30987,111 @@
       </p:sp>
       <p:sp>
         <p:nvSpPr>
-          <p:cNvPr id="17" name="テキスト ボックス 16"/>
-          <p:cNvSpPr txBox="1"/>
+          <p:cNvPr id="9" name="正方形/長方形 8"/>
+          <p:cNvSpPr/>
           <p:nvPr/>
         </p:nvSpPr>
         <p:spPr>
           <a:xfrm>
-            <a:off x="3840481" y="5120640"/>
-            <a:ext cx="1414170" cy="307777"/>
+            <a:off x="466967" y="2225011"/>
+            <a:ext cx="5579270" cy="279837"/>
           </a:xfrm>
           <a:prstGeom prst="rect">
             <a:avLst/>
           </a:prstGeom>
-          <a:noFill/>
+          <a:solidFill>
+            <a:schemeClr val="accent1">
+              <a:lumMod val="20000"/>
+              <a:lumOff val="80000"/>
+            </a:schemeClr>
+          </a:solidFill>
+          <a:ln w="3175">
+            <a:solidFill>
+              <a:schemeClr val="tx1"/>
+            </a:solidFill>
+          </a:ln>
         </p:spPr>
+        <p:style>
+          <a:lnRef idx="2">
+            <a:schemeClr val="accent1">
+              <a:shade val="50000"/>
+            </a:schemeClr>
+          </a:lnRef>
+          <a:fillRef idx="1">
+            <a:schemeClr val="accent1"/>
+          </a:fillRef>
+          <a:effectRef idx="0">
+            <a:schemeClr val="accent1"/>
+          </a:effectRef>
+          <a:fontRef idx="minor">
+            <a:schemeClr val="lt1"/>
+          </a:fontRef>
+        </p:style>
         <p:txBody>
-          <a:bodyPr wrap="none" rtlCol="0">
-            <a:spAutoFit/>
-          </a:bodyPr>
+          <a:bodyPr rtlCol="0" anchor="ctr"/>
           <a:lstStyle/>
           <a:p>
             <a:r>
-              <a:rPr kumimoji="1" lang="en-US" altLang="ja-JP" sz="1400" dirty="0" smtClean="0"/>
-              <a:t>※App.js</a:t>
-            </a:r>
-            <a:r>
-              <a:rPr kumimoji="1" lang="ja-JP" altLang="en-US" sz="1400" dirty="0" smtClean="0"/>
-              <a:t>に記載</a:t>
-            </a:r>
-            <a:endParaRPr kumimoji="1" lang="ja-JP" altLang="en-US" sz="1400" dirty="0"/>
+              <a:rPr lang="en-US" altLang="ja-JP" sz="1600" dirty="0">
+                <a:solidFill>
+                  <a:schemeClr val="tx1"/>
+                </a:solidFill>
+              </a:rPr>
+              <a:t>/</a:t>
+            </a:r>
+            <a:r>
+              <a:rPr lang="en-US" altLang="ja-JP" sz="1600" dirty="0" err="1">
+                <a:solidFill>
+                  <a:schemeClr val="tx1"/>
+                </a:solidFill>
+              </a:rPr>
+              <a:t>sample_source</a:t>
+            </a:r>
+            <a:r>
+              <a:rPr lang="en-US" altLang="ja-JP" sz="1600" dirty="0">
+                <a:solidFill>
+                  <a:schemeClr val="tx1"/>
+                </a:solidFill>
+              </a:rPr>
+              <a:t>/react/</a:t>
+            </a:r>
+            <a:r>
+              <a:rPr lang="en-US" altLang="ja-JP" sz="1600" dirty="0" err="1">
+                <a:solidFill>
+                  <a:schemeClr val="tx1"/>
+                </a:solidFill>
+              </a:rPr>
+              <a:t>sample_HelloWorld</a:t>
+            </a:r>
+            <a:r>
+              <a:rPr lang="en-US" altLang="ja-JP" sz="1600" dirty="0">
+                <a:solidFill>
+                  <a:schemeClr val="tx1"/>
+                </a:solidFill>
+              </a:rPr>
+              <a:t>/</a:t>
+            </a:r>
+            <a:r>
+              <a:rPr lang="en-US" altLang="ja-JP" sz="1600" dirty="0" err="1">
+                <a:solidFill>
+                  <a:schemeClr val="tx1"/>
+                </a:solidFill>
+              </a:rPr>
+              <a:t>src</a:t>
+            </a:r>
+            <a:r>
+              <a:rPr lang="en-US" altLang="ja-JP" sz="1600" dirty="0">
+                <a:solidFill>
+                  <a:schemeClr val="tx1"/>
+                </a:solidFill>
+              </a:rPr>
+              <a:t>/App.js</a:t>
+            </a:r>
+            <a:endParaRPr kumimoji="1" lang="ja-JP" altLang="en-US" sz="1600" dirty="0">
+              <a:solidFill>
+                <a:schemeClr val="tx1"/>
+              </a:solidFill>
+            </a:endParaRPr>
           </a:p>
         </p:txBody>
       </p:sp>
@@ -31295,44 +31169,13 @@
       </p:sp>
       <p:sp>
         <p:nvSpPr>
-          <p:cNvPr id="19" name="コンテンツ プレースホルダ 18"/>
-          <p:cNvSpPr>
-            <a:spLocks noGrp="1"/>
-          </p:cNvSpPr>
-          <p:nvPr>
-            <p:ph sz="quarter" idx="13"/>
-          </p:nvPr>
-        </p:nvSpPr>
-        <p:spPr/>
-        <p:txBody>
-          <a:bodyPr/>
-          <a:lstStyle/>
-          <a:p>
-            <a:r>
-              <a:rPr kumimoji="1" lang="ja-JP" altLang="en-US" dirty="0" smtClean="0"/>
-              <a:t>コンポーネントを描画</a:t>
-            </a:r>
-            <a:r>
-              <a:rPr lang="ja-JP" altLang="en-US" dirty="0" smtClean="0"/>
-              <a:t>します</a:t>
-            </a:r>
-            <a:r>
-              <a:rPr kumimoji="1" lang="ja-JP" altLang="en-US" dirty="0" smtClean="0"/>
-              <a:t>。</a:t>
-            </a:r>
-            <a:endParaRPr kumimoji="1" lang="ja-JP" altLang="en-US" dirty="0"/>
-          </a:p>
-        </p:txBody>
-      </p:sp>
-      <p:sp>
-        <p:nvSpPr>
           <p:cNvPr id="13" name="テキスト ボックス 12"/>
           <p:cNvSpPr txBox="1"/>
           <p:nvPr/>
         </p:nvSpPr>
         <p:spPr>
           <a:xfrm>
-            <a:off x="4403187" y="2813531"/>
+            <a:off x="4403187" y="3392029"/>
             <a:ext cx="2286203" cy="369332"/>
           </a:xfrm>
           <a:prstGeom prst="rect">
@@ -31364,40 +31207,6 @@
       </p:sp>
       <p:sp>
         <p:nvSpPr>
-          <p:cNvPr id="7" name="テキスト ボックス 6"/>
-          <p:cNvSpPr txBox="1"/>
-          <p:nvPr/>
-        </p:nvSpPr>
-        <p:spPr>
-          <a:xfrm>
-            <a:off x="5106573" y="4853353"/>
-            <a:ext cx="1544012" cy="307777"/>
-          </a:xfrm>
-          <a:prstGeom prst="rect">
-            <a:avLst/>
-          </a:prstGeom>
-          <a:noFill/>
-        </p:spPr>
-        <p:txBody>
-          <a:bodyPr wrap="none" rtlCol="0">
-            <a:spAutoFit/>
-          </a:bodyPr>
-          <a:lstStyle/>
-          <a:p>
-            <a:r>
-              <a:rPr kumimoji="1" lang="en-US" altLang="ja-JP" sz="1400" dirty="0" smtClean="0"/>
-              <a:t>※index.js</a:t>
-            </a:r>
-            <a:r>
-              <a:rPr kumimoji="1" lang="ja-JP" altLang="en-US" sz="1400" dirty="0" smtClean="0"/>
-              <a:t>に記載</a:t>
-            </a:r>
-            <a:endParaRPr kumimoji="1" lang="ja-JP" altLang="en-US" sz="1400" dirty="0"/>
-          </a:p>
-        </p:txBody>
-      </p:sp>
-      <p:sp>
-        <p:nvSpPr>
           <p:cNvPr id="8" name="コンテンツ プレースホルダー 3"/>
           <p:cNvSpPr txBox="1">
             <a:spLocks/>
@@ -31406,7 +31215,7 @@
         </p:nvSpPr>
         <p:spPr>
           <a:xfrm>
-            <a:off x="407965" y="2110157"/>
+            <a:off x="407965" y="2688655"/>
             <a:ext cx="6231986" cy="2686926"/>
           </a:xfrm>
           <a:prstGeom prst="rect">
@@ -31644,7 +31453,7 @@
         </p:nvSpPr>
         <p:spPr>
           <a:xfrm>
-            <a:off x="6752492" y="2206953"/>
+            <a:off x="6752492" y="2785451"/>
             <a:ext cx="5092504" cy="1746069"/>
           </a:xfrm>
           <a:prstGeom prst="borderCallout2">
@@ -31653,8 +31462,8 @@
               <a:gd name="adj2" fmla="val -503"/>
               <a:gd name="adj3" fmla="val 15253"/>
               <a:gd name="adj4" fmla="val -19948"/>
-              <a:gd name="adj5" fmla="val 60393"/>
-              <a:gd name="adj6" fmla="val -65937"/>
+              <a:gd name="adj5" fmla="val 65429"/>
+              <a:gd name="adj6" fmla="val -63520"/>
             </a:avLst>
           </a:prstGeom>
           <a:solidFill>
@@ -31832,6 +31641,160 @@
               <a:latin typeface="Meiryo UI" panose="020B0604030504040204" pitchFamily="50" charset="-128"/>
               <a:ea typeface="Meiryo UI" panose="020B0604030504040204" pitchFamily="50" charset="-128"/>
             </a:endParaRPr>
+          </a:p>
+        </p:txBody>
+      </p:sp>
+      <p:sp>
+        <p:nvSpPr>
+          <p:cNvPr id="10" name="正方形/長方形 9"/>
+          <p:cNvSpPr/>
+          <p:nvPr/>
+        </p:nvSpPr>
+        <p:spPr>
+          <a:xfrm>
+            <a:off x="422468" y="2408818"/>
+            <a:ext cx="6208152" cy="279837"/>
+          </a:xfrm>
+          <a:prstGeom prst="rect">
+            <a:avLst/>
+          </a:prstGeom>
+          <a:solidFill>
+            <a:schemeClr val="accent1">
+              <a:lumMod val="20000"/>
+              <a:lumOff val="80000"/>
+            </a:schemeClr>
+          </a:solidFill>
+          <a:ln w="3175">
+            <a:solidFill>
+              <a:schemeClr val="tx1"/>
+            </a:solidFill>
+          </a:ln>
+        </p:spPr>
+        <p:style>
+          <a:lnRef idx="2">
+            <a:schemeClr val="accent1">
+              <a:shade val="50000"/>
+            </a:schemeClr>
+          </a:lnRef>
+          <a:fillRef idx="1">
+            <a:schemeClr val="accent1"/>
+          </a:fillRef>
+          <a:effectRef idx="0">
+            <a:schemeClr val="accent1"/>
+          </a:effectRef>
+          <a:fontRef idx="minor">
+            <a:schemeClr val="lt1"/>
+          </a:fontRef>
+        </p:style>
+        <p:txBody>
+          <a:bodyPr rtlCol="0" anchor="ctr"/>
+          <a:lstStyle/>
+          <a:p>
+            <a:r>
+              <a:rPr lang="en-US" altLang="ja-JP" sz="1600" dirty="0">
+                <a:solidFill>
+                  <a:schemeClr val="tx1"/>
+                </a:solidFill>
+              </a:rPr>
+              <a:t>/</a:t>
+            </a:r>
+            <a:r>
+              <a:rPr lang="en-US" altLang="ja-JP" sz="1600" dirty="0" err="1" smtClean="0">
+                <a:solidFill>
+                  <a:schemeClr val="tx1"/>
+                </a:solidFill>
+              </a:rPr>
+              <a:t>sample_source</a:t>
+            </a:r>
+            <a:r>
+              <a:rPr lang="en-US" altLang="ja-JP" sz="1600" dirty="0" smtClean="0">
+                <a:solidFill>
+                  <a:schemeClr val="tx1"/>
+                </a:solidFill>
+              </a:rPr>
+              <a:t>/react/</a:t>
+            </a:r>
+            <a:r>
+              <a:rPr lang="en-US" altLang="ja-JP" sz="1600" dirty="0" err="1" smtClean="0">
+                <a:solidFill>
+                  <a:schemeClr val="tx1"/>
+                </a:solidFill>
+              </a:rPr>
+              <a:t>sample_HelloWorld</a:t>
+            </a:r>
+            <a:r>
+              <a:rPr lang="en-US" altLang="ja-JP" sz="1600" dirty="0" smtClean="0">
+                <a:solidFill>
+                  <a:schemeClr val="tx1"/>
+                </a:solidFill>
+              </a:rPr>
+              <a:t>/</a:t>
+            </a:r>
+            <a:r>
+              <a:rPr lang="en-US" altLang="ja-JP" sz="1600" dirty="0" err="1" smtClean="0">
+                <a:solidFill>
+                  <a:schemeClr val="tx1"/>
+                </a:solidFill>
+              </a:rPr>
+              <a:t>src</a:t>
+            </a:r>
+            <a:r>
+              <a:rPr lang="en-US" altLang="ja-JP" sz="1600" dirty="0" smtClean="0">
+                <a:solidFill>
+                  <a:schemeClr val="tx1"/>
+                </a:solidFill>
+              </a:rPr>
+              <a:t>/index.js</a:t>
+            </a:r>
+            <a:endParaRPr kumimoji="1" lang="ja-JP" altLang="en-US" sz="1600" dirty="0">
+              <a:solidFill>
+                <a:schemeClr val="tx1"/>
+              </a:solidFill>
+            </a:endParaRPr>
+          </a:p>
+        </p:txBody>
+      </p:sp>
+      <p:sp>
+        <p:nvSpPr>
+          <p:cNvPr id="11" name="コンテンツ プレースホルダ 18"/>
+          <p:cNvSpPr>
+            <a:spLocks noGrp="1"/>
+          </p:cNvSpPr>
+          <p:nvPr>
+            <p:ph sz="quarter" idx="13"/>
+          </p:nvPr>
+        </p:nvSpPr>
+        <p:spPr>
+          <a:xfrm>
+            <a:off x="431799" y="1080000"/>
+            <a:ext cx="11379201" cy="691200"/>
+          </a:xfrm>
+          <a:solidFill>
+            <a:schemeClr val="accent1">
+              <a:lumMod val="20000"/>
+              <a:lumOff val="80000"/>
+            </a:schemeClr>
+          </a:solidFill>
+          <a:ln>
+            <a:solidFill>
+              <a:schemeClr val="accent1"/>
+            </a:solidFill>
+          </a:ln>
+        </p:spPr>
+        <p:txBody>
+          <a:bodyPr vert="horz" lIns="91440" tIns="45720" rIns="91440" bIns="45720" rtlCol="0" anchor="ctr">
+            <a:normAutofit/>
+          </a:bodyPr>
+          <a:lstStyle/>
+          <a:p>
+            <a:pPr marL="0" indent="0">
+              <a:buNone/>
+            </a:pPr>
+            <a:r>
+              <a:rPr lang="ja-JP" altLang="en-US" dirty="0"/>
+              <a:t>●コンポーネントの描画</a:t>
+            </a:r>
+            <a:endParaRPr lang="ja-JP" altLang="en-US" dirty="0"/>
           </a:p>
         </p:txBody>
       </p:sp>
@@ -31923,7 +31886,7 @@
         </p:nvSpPr>
         <p:spPr>
           <a:xfrm>
-            <a:off x="440112" y="1251914"/>
+            <a:off x="431799" y="1080000"/>
             <a:ext cx="11379201" cy="894127"/>
           </a:xfrm>
           <a:solidFill>
@@ -32067,149 +32030,161 @@
         </p:nvSpPr>
         <p:spPr>
           <a:xfrm>
-            <a:off x="417731" y="1054100"/>
-            <a:ext cx="11379201" cy="3799254"/>
+            <a:off x="432000" y="1080000"/>
+            <a:ext cx="11379201" cy="1829455"/>
           </a:xfrm>
+          <a:solidFill>
+            <a:schemeClr val="accent1">
+              <a:lumMod val="20000"/>
+              <a:lumOff val="80000"/>
+            </a:schemeClr>
+          </a:solidFill>
+          <a:ln>
+            <a:solidFill>
+              <a:schemeClr val="accent1"/>
+            </a:solidFill>
+          </a:ln>
         </p:spPr>
         <p:txBody>
-          <a:bodyPr/>
+          <a:bodyPr vert="horz" lIns="91440" tIns="45720" rIns="91440" bIns="45720" rtlCol="0" anchor="ctr">
+            <a:normAutofit/>
+          </a:bodyPr>
           <a:lstStyle/>
           <a:p>
-            <a:r>
-              <a:rPr lang="ja-JP" altLang="en-US" dirty="0" smtClean="0"/>
-              <a:t>まとめ</a:t>
-            </a:r>
-            <a:endParaRPr lang="en-US" altLang="ja-JP" dirty="0" smtClean="0"/>
-          </a:p>
-          <a:p>
-            <a:endParaRPr lang="en-US" altLang="ja-JP" dirty="0" smtClean="0"/>
-          </a:p>
-          <a:p>
-            <a:pPr marL="457200" indent="-457200">
-              <a:buFont typeface="+mj-lt"/>
-              <a:buAutoNum type="arabicPeriod"/>
+            <a:pPr marL="0" indent="0">
+              <a:buNone/>
             </a:pPr>
             <a:r>
-              <a:rPr lang="en-US" altLang="ja-JP" dirty="0" smtClean="0"/>
+              <a:rPr lang="ja-JP" altLang="en-US" dirty="0"/>
+              <a:t>●まとめ</a:t>
+            </a:r>
+            <a:endParaRPr lang="en-US" altLang="ja-JP" dirty="0"/>
+          </a:p>
+          <a:p>
+            <a:pPr marL="0" indent="0">
+              <a:buNone/>
+            </a:pPr>
+            <a:r>
+              <a:rPr lang="ja-JP" altLang="en-US" dirty="0"/>
+              <a:t>・</a:t>
+            </a:r>
+            <a:r>
+              <a:rPr lang="en-US" altLang="ja-JP" dirty="0"/>
               <a:t>render()</a:t>
             </a:r>
             <a:r>
-              <a:rPr lang="ja-JP" altLang="en-US" dirty="0" smtClean="0"/>
+              <a:rPr lang="ja-JP" altLang="en-US" dirty="0"/>
               <a:t>は</a:t>
             </a:r>
             <a:r>
-              <a:rPr lang="en-US" altLang="ja-JP" dirty="0" err="1" smtClean="0"/>
+              <a:rPr lang="en-US" altLang="ja-JP" dirty="0" err="1"/>
               <a:t>React.Component</a:t>
             </a:r>
             <a:r>
-              <a:rPr lang="ja-JP" altLang="en-US" dirty="0" smtClean="0"/>
+              <a:rPr lang="ja-JP" altLang="en-US" dirty="0"/>
               <a:t>のと</a:t>
             </a:r>
             <a:r>
-              <a:rPr lang="en-US" altLang="ja-JP" dirty="0" err="1" smtClean="0"/>
+              <a:rPr lang="en-US" altLang="ja-JP" dirty="0" err="1"/>
               <a:t>ReactDOM</a:t>
             </a:r>
             <a:r>
-              <a:rPr lang="ja-JP" altLang="en-US" dirty="0" smtClean="0"/>
+              <a:rPr lang="ja-JP" altLang="en-US" dirty="0"/>
               <a:t>の</a:t>
             </a:r>
             <a:r>
-              <a:rPr lang="en-US" altLang="ja-JP" dirty="0" smtClean="0"/>
+              <a:rPr lang="en-US" altLang="ja-JP" dirty="0"/>
               <a:t>2</a:t>
             </a:r>
             <a:r>
-              <a:rPr lang="ja-JP" altLang="en-US" dirty="0" smtClean="0"/>
+              <a:rPr lang="ja-JP" altLang="en-US" dirty="0"/>
               <a:t>種類あります。</a:t>
             </a:r>
-            <a:endParaRPr lang="en-US" altLang="ja-JP" dirty="0" smtClean="0"/>
-          </a:p>
-          <a:p>
-            <a:pPr marL="457200" indent="-457200">
-              <a:buFont typeface="+mj-lt"/>
-              <a:buAutoNum type="arabicPeriod"/>
+            <a:endParaRPr lang="en-US" altLang="ja-JP" dirty="0"/>
+          </a:p>
+          <a:p>
+            <a:pPr marL="0" indent="0">
+              <a:buNone/>
             </a:pPr>
             <a:r>
-              <a:rPr lang="en-US" altLang="ja-JP" dirty="0" err="1" smtClean="0"/>
+              <a:rPr lang="ja-JP" altLang="en-US" dirty="0"/>
+              <a:t>・</a:t>
+            </a:r>
+            <a:r>
+              <a:rPr lang="en-US" altLang="ja-JP" dirty="0" err="1"/>
               <a:t>React.Component</a:t>
             </a:r>
             <a:r>
-              <a:rPr lang="ja-JP" altLang="en-US" dirty="0" smtClean="0"/>
+              <a:rPr lang="ja-JP" altLang="en-US" dirty="0"/>
               <a:t>の</a:t>
             </a:r>
             <a:r>
-              <a:rPr lang="en-US" altLang="ja-JP" dirty="0" smtClean="0"/>
+              <a:rPr lang="en-US" altLang="ja-JP" dirty="0"/>
               <a:t>render()</a:t>
             </a:r>
             <a:r>
-              <a:rPr lang="ja-JP" altLang="en-US" dirty="0" smtClean="0"/>
+              <a:rPr lang="ja-JP" altLang="en-US" dirty="0"/>
               <a:t>は</a:t>
             </a:r>
             <a:r>
-              <a:rPr lang="en-US" altLang="ja-JP" dirty="0" err="1" smtClean="0"/>
+              <a:rPr lang="en-US" altLang="ja-JP" dirty="0" err="1"/>
               <a:t>this.props</a:t>
             </a:r>
             <a:r>
-              <a:rPr lang="ja-JP" altLang="en-US" dirty="0" smtClean="0"/>
+              <a:rPr lang="ja-JP" altLang="en-US" dirty="0"/>
               <a:t>と</a:t>
             </a:r>
             <a:r>
-              <a:rPr lang="en-US" altLang="ja-JP" dirty="0" err="1" smtClean="0"/>
+              <a:rPr lang="en-US" altLang="ja-JP" dirty="0" err="1"/>
               <a:t>this.state</a:t>
             </a:r>
             <a:r>
-              <a:rPr lang="ja-JP" altLang="en-US" dirty="0" smtClean="0"/>
+              <a:rPr lang="ja-JP" altLang="en-US" dirty="0"/>
               <a:t>を参照した後に、</a:t>
             </a:r>
             <a:r>
-              <a:rPr lang="en-US" altLang="ja-JP" dirty="0" smtClean="0"/>
+              <a:rPr lang="en-US" altLang="ja-JP" dirty="0"/>
               <a:t>React</a:t>
             </a:r>
             <a:r>
-              <a:rPr lang="ja-JP" altLang="en-US" dirty="0" smtClean="0"/>
-              <a:t>要素などを返しています。</a:t>
-            </a:r>
-            <a:endParaRPr lang="en-US" altLang="ja-JP" dirty="0" smtClean="0"/>
-          </a:p>
-          <a:p>
-            <a:pPr marL="457200" indent="-457200">
-              <a:buFont typeface="+mj-lt"/>
-              <a:buAutoNum type="arabicPeriod"/>
+              <a:rPr lang="ja-JP" altLang="en-US" dirty="0"/>
+              <a:t>要素などを返します。</a:t>
+            </a:r>
+            <a:endParaRPr lang="en-US" altLang="ja-JP" dirty="0"/>
+          </a:p>
+          <a:p>
+            <a:pPr marL="0" indent="0">
+              <a:buNone/>
             </a:pPr>
             <a:r>
-              <a:rPr lang="en-US" altLang="ja-JP" dirty="0" smtClean="0"/>
+              <a:rPr lang="ja-JP" altLang="en-US" dirty="0"/>
+              <a:t>・</a:t>
+            </a:r>
+            <a:r>
+              <a:rPr lang="en-US" altLang="ja-JP" dirty="0" err="1"/>
               <a:t>React.DOM</a:t>
             </a:r>
             <a:r>
-              <a:rPr lang="ja-JP" altLang="en-US" dirty="0" smtClean="0"/>
+              <a:rPr lang="ja-JP" altLang="en-US" dirty="0"/>
               <a:t>の</a:t>
             </a:r>
             <a:r>
-              <a:rPr lang="en-US" altLang="ja-JP" dirty="0" smtClean="0"/>
+              <a:rPr lang="en-US" altLang="ja-JP" dirty="0"/>
               <a:t>render()</a:t>
             </a:r>
             <a:r>
-              <a:rPr lang="ja-JP" altLang="en-US" dirty="0" smtClean="0"/>
+              <a:rPr lang="ja-JP" altLang="en-US" dirty="0"/>
               <a:t>は実際の</a:t>
             </a:r>
             <a:r>
-              <a:rPr lang="en-US" altLang="ja-JP" dirty="0" smtClean="0"/>
+              <a:rPr lang="en-US" altLang="ja-JP" dirty="0"/>
               <a:t>DOM</a:t>
             </a:r>
             <a:r>
-              <a:rPr lang="ja-JP" altLang="en-US" dirty="0" smtClean="0"/>
+              <a:rPr lang="ja-JP" altLang="en-US" dirty="0"/>
               <a:t>要素にレンダリングを行なっています。</a:t>
             </a:r>
-            <a:endParaRPr lang="en-US" altLang="ja-JP" dirty="0" smtClean="0"/>
-          </a:p>
-          <a:p>
-            <a:pPr marL="457200" indent="-457200">
-              <a:buFont typeface="+mj-lt"/>
-              <a:buAutoNum type="arabicPeriod"/>
-            </a:pPr>
-            <a:endParaRPr lang="en-US" altLang="ja-JP" dirty="0" smtClean="0"/>
-          </a:p>
-          <a:p>
-            <a:endParaRPr kumimoji="1" lang="en-US" altLang="ja-JP" dirty="0" smtClean="0"/>
+            <a:endParaRPr lang="en-US" altLang="ja-JP" dirty="0"/>
           </a:p>
         </p:txBody>
       </p:sp>
@@ -32282,47 +32257,38 @@
         </p:nvSpPr>
         <p:spPr>
           <a:xfrm>
-            <a:off x="431799" y="1054101"/>
-            <a:ext cx="11379201" cy="521481"/>
+            <a:off x="431799" y="1080000"/>
+            <a:ext cx="11379201" cy="691200"/>
           </a:xfrm>
+          <a:solidFill>
+            <a:schemeClr val="accent1">
+              <a:lumMod val="20000"/>
+              <a:lumOff val="80000"/>
+            </a:schemeClr>
+          </a:solidFill>
+          <a:ln>
+            <a:solidFill>
+              <a:schemeClr val="accent1"/>
+            </a:solidFill>
+          </a:ln>
         </p:spPr>
         <p:txBody>
-          <a:bodyPr/>
+          <a:bodyPr vert="horz" lIns="91440" tIns="45720" rIns="91440" bIns="45720" rtlCol="0" anchor="ctr">
+            <a:normAutofit/>
+          </a:bodyPr>
           <a:lstStyle/>
           <a:p>
-            <a:r>
-              <a:rPr lang="ja-JP" altLang="en-US" dirty="0" smtClean="0"/>
+            <a:pPr marL="0" indent="0">
+              <a:buNone/>
+            </a:pPr>
+            <a:r>
+              <a:rPr lang="ja-JP" altLang="en-US" dirty="0"/>
               <a:t>現在の日付と時刻を表示するアプリケーションについて説明していきます。</a:t>
             </a:r>
-            <a:endParaRPr lang="en-US" altLang="ja-JP" dirty="0" smtClean="0"/>
+            <a:endParaRPr lang="en-US" altLang="ja-JP" dirty="0"/>
           </a:p>
         </p:txBody>
       </p:sp>
-      <p:pic>
-        <p:nvPicPr>
-          <p:cNvPr id="9" name="図 8" descr="whatch.png"/>
-          <p:cNvPicPr>
-            <a:picLocks noChangeAspect="1"/>
-          </p:cNvPicPr>
-          <p:nvPr/>
-        </p:nvPicPr>
-        <p:blipFill>
-          <a:blip r:embed="rId2" cstate="print"/>
-          <a:srcRect r="59534" b="60381"/>
-          <a:stretch>
-            <a:fillRect/>
-          </a:stretch>
-        </p:blipFill>
-        <p:spPr>
-          <a:xfrm>
-            <a:off x="703253" y="2332538"/>
-            <a:ext cx="6830429" cy="3564000"/>
-          </a:xfrm>
-          <a:prstGeom prst="rect">
-            <a:avLst/>
-          </a:prstGeom>
-        </p:spPr>
-      </p:pic>
       <p:sp>
         <p:nvSpPr>
           <p:cNvPr id="5" name="テキスト ボックス 4"/>
@@ -32331,7 +32297,7 @@
         </p:nvSpPr>
         <p:spPr>
           <a:xfrm>
-            <a:off x="492368" y="1786597"/>
+            <a:off x="305752" y="1982539"/>
             <a:ext cx="1786597" cy="369332"/>
           </a:xfrm>
           <a:prstGeom prst="rect">
@@ -32346,8 +32312,8 @@
           <a:lstStyle/>
           <a:p>
             <a:r>
-              <a:rPr kumimoji="1" lang="en-US" altLang="ja-JP" dirty="0" smtClean="0"/>
-              <a:t>※</a:t>
+              <a:rPr lang="ja-JP" altLang="en-US" dirty="0"/>
+              <a:t>■</a:t>
             </a:r>
             <a:r>
               <a:rPr kumimoji="1" lang="ja-JP" altLang="en-US" dirty="0" smtClean="0"/>
@@ -32357,6 +32323,30 @@
           </a:p>
         </p:txBody>
       </p:sp>
+      <p:pic>
+        <p:nvPicPr>
+          <p:cNvPr id="2" name="図 1"/>
+          <p:cNvPicPr>
+            <a:picLocks noChangeAspect="1"/>
+          </p:cNvPicPr>
+          <p:nvPr/>
+        </p:nvPicPr>
+        <p:blipFill>
+          <a:blip r:embed="rId2"/>
+          <a:stretch>
+            <a:fillRect/>
+          </a:stretch>
+        </p:blipFill>
+        <p:spPr>
+          <a:xfrm>
+            <a:off x="554779" y="2432258"/>
+            <a:ext cx="5581650" cy="3762375"/>
+          </a:xfrm>
+          <a:prstGeom prst="rect">
+            <a:avLst/>
+          </a:prstGeom>
+        </p:spPr>
+      </p:pic>
     </p:spTree>
     <p:extLst>
       <p:ext uri="{BB962C8B-B14F-4D97-AF65-F5344CB8AC3E}">
@@ -32424,38 +32414,63 @@
             <p:ph sz="quarter" idx="13"/>
           </p:nvPr>
         </p:nvSpPr>
-        <p:spPr/>
+        <p:spPr>
+          <a:xfrm>
+            <a:off x="431800" y="1080000"/>
+            <a:ext cx="11298382" cy="804218"/>
+          </a:xfrm>
+          <a:solidFill>
+            <a:schemeClr val="accent1">
+              <a:lumMod val="20000"/>
+              <a:lumOff val="80000"/>
+            </a:schemeClr>
+          </a:solidFill>
+          <a:ln>
+            <a:solidFill>
+              <a:schemeClr val="accent1"/>
+            </a:solidFill>
+          </a:ln>
+        </p:spPr>
         <p:txBody>
-          <a:bodyPr/>
+          <a:bodyPr vert="horz" lIns="91440" tIns="45720" rIns="91440" bIns="45720" rtlCol="0" anchor="ctr">
+            <a:normAutofit/>
+          </a:bodyPr>
           <a:lstStyle/>
           <a:p>
-            <a:r>
-              <a:rPr lang="en-US" altLang="ja-JP" dirty="0" smtClean="0"/>
-              <a:t>State</a:t>
-            </a:r>
-            <a:r>
-              <a:rPr lang="ja-JP" altLang="en-US" dirty="0" smtClean="0"/>
-              <a:t>の初期化</a:t>
-            </a:r>
-            <a:endParaRPr lang="en-US" altLang="ja-JP" dirty="0" smtClean="0"/>
-          </a:p>
-          <a:p>
-            <a:pPr>
+            <a:pPr marL="0" indent="0">
               <a:buNone/>
             </a:pPr>
             <a:r>
-              <a:rPr lang="ja-JP" altLang="en-US" dirty="0" smtClean="0"/>
+              <a:rPr lang="ja-JP" altLang="en-US" dirty="0"/>
+              <a:t>●</a:t>
+            </a:r>
+            <a:r>
+              <a:rPr lang="en-US" altLang="ja-JP" dirty="0"/>
+              <a:t>State</a:t>
+            </a:r>
+            <a:r>
+              <a:rPr lang="ja-JP" altLang="en-US" dirty="0"/>
+              <a:t>の初期化</a:t>
+            </a:r>
+            <a:endParaRPr lang="en-US" altLang="ja-JP" dirty="0"/>
+          </a:p>
+          <a:p>
+            <a:pPr marL="0" indent="0">
+              <a:buNone/>
+            </a:pPr>
+            <a:r>
+              <a:rPr lang="ja-JP" altLang="en-US" dirty="0"/>
               <a:t>　現在の時刻を表示するため、</a:t>
             </a:r>
             <a:r>
-              <a:rPr lang="en-US" altLang="ja-JP" dirty="0" err="1" smtClean="0"/>
+              <a:rPr lang="en-US" altLang="ja-JP" dirty="0" err="1"/>
               <a:t>this.state</a:t>
             </a:r>
             <a:r>
-              <a:rPr lang="ja-JP" altLang="en-US" dirty="0" smtClean="0"/>
+              <a:rPr lang="ja-JP" altLang="en-US" dirty="0"/>
               <a:t>を初期化します。</a:t>
             </a:r>
-            <a:endParaRPr lang="en-US" altLang="ja-JP" dirty="0" smtClean="0"/>
+            <a:endParaRPr lang="en-US" altLang="ja-JP" dirty="0"/>
           </a:p>
         </p:txBody>
       </p:sp>
@@ -32469,8 +32484,8 @@
         </p:nvSpPr>
         <p:spPr>
           <a:xfrm>
-            <a:off x="450167" y="2067952"/>
-            <a:ext cx="4860000" cy="3132000"/>
+            <a:off x="450167" y="2627285"/>
+            <a:ext cx="5092218" cy="2484744"/>
           </a:xfrm>
           <a:prstGeom prst="rect">
             <a:avLst/>
@@ -32722,13 +32737,13 @@
         </p:nvSpPr>
         <p:spPr>
           <a:xfrm>
-            <a:off x="5870187" y="2844687"/>
+            <a:off x="5870187" y="2756764"/>
             <a:ext cx="5285492" cy="1333419"/>
           </a:xfrm>
           <a:prstGeom prst="borderCallout2">
             <a:avLst>
-              <a:gd name="adj1" fmla="val 17750"/>
-              <a:gd name="adj2" fmla="val 413"/>
+              <a:gd name="adj1" fmla="val 19149"/>
+              <a:gd name="adj2" fmla="val -646"/>
               <a:gd name="adj3" fmla="val 18750"/>
               <a:gd name="adj4" fmla="val -16667"/>
               <a:gd name="adj5" fmla="val 72940"/>
@@ -32806,35 +32821,111 @@
       </p:sp>
       <p:sp>
         <p:nvSpPr>
-          <p:cNvPr id="12" name="テキスト ボックス 11"/>
-          <p:cNvSpPr txBox="1"/>
+          <p:cNvPr id="8" name="正方形/長方形 7"/>
+          <p:cNvSpPr/>
           <p:nvPr/>
         </p:nvSpPr>
         <p:spPr>
           <a:xfrm>
-            <a:off x="3854548" y="5247249"/>
-            <a:ext cx="1414170" cy="307777"/>
+            <a:off x="457636" y="2347448"/>
+            <a:ext cx="5084748" cy="279837"/>
           </a:xfrm>
           <a:prstGeom prst="rect">
             <a:avLst/>
           </a:prstGeom>
-          <a:noFill/>
+          <a:solidFill>
+            <a:schemeClr val="accent1">
+              <a:lumMod val="20000"/>
+              <a:lumOff val="80000"/>
+            </a:schemeClr>
+          </a:solidFill>
+          <a:ln w="3175">
+            <a:solidFill>
+              <a:schemeClr val="tx1"/>
+            </a:solidFill>
+          </a:ln>
         </p:spPr>
+        <p:style>
+          <a:lnRef idx="2">
+            <a:schemeClr val="accent1">
+              <a:shade val="50000"/>
+            </a:schemeClr>
+          </a:lnRef>
+          <a:fillRef idx="1">
+            <a:schemeClr val="accent1"/>
+          </a:fillRef>
+          <a:effectRef idx="0">
+            <a:schemeClr val="accent1"/>
+          </a:effectRef>
+          <a:fontRef idx="minor">
+            <a:schemeClr val="lt1"/>
+          </a:fontRef>
+        </p:style>
         <p:txBody>
-          <a:bodyPr wrap="none" rtlCol="0">
-            <a:spAutoFit/>
-          </a:bodyPr>
+          <a:bodyPr rtlCol="0" anchor="ctr"/>
           <a:lstStyle/>
           <a:p>
             <a:r>
-              <a:rPr kumimoji="1" lang="en-US" altLang="ja-JP" sz="1400" dirty="0" smtClean="0"/>
-              <a:t>※App.js</a:t>
-            </a:r>
-            <a:r>
-              <a:rPr kumimoji="1" lang="ja-JP" altLang="en-US" sz="1400" dirty="0" smtClean="0"/>
-              <a:t>に記載</a:t>
-            </a:r>
-            <a:endParaRPr kumimoji="1" lang="ja-JP" altLang="en-US" sz="1400" dirty="0"/>
+              <a:rPr lang="en-US" altLang="ja-JP" sz="1600" dirty="0">
+                <a:solidFill>
+                  <a:schemeClr val="tx1"/>
+                </a:solidFill>
+              </a:rPr>
+              <a:t>/</a:t>
+            </a:r>
+            <a:r>
+              <a:rPr lang="en-US" altLang="ja-JP" sz="1600" dirty="0" err="1">
+                <a:solidFill>
+                  <a:schemeClr val="tx1"/>
+                </a:solidFill>
+              </a:rPr>
+              <a:t>sample_source</a:t>
+            </a:r>
+            <a:r>
+              <a:rPr lang="en-US" altLang="ja-JP" sz="1600" dirty="0">
+                <a:solidFill>
+                  <a:schemeClr val="tx1"/>
+                </a:solidFill>
+              </a:rPr>
+              <a:t>/react/</a:t>
+            </a:r>
+            <a:r>
+              <a:rPr lang="en-US" altLang="ja-JP" sz="1600" dirty="0" err="1">
+                <a:solidFill>
+                  <a:schemeClr val="tx1"/>
+                </a:solidFill>
+              </a:rPr>
+              <a:t>sample_watch</a:t>
+            </a:r>
+            <a:r>
+              <a:rPr lang="en-US" altLang="ja-JP" sz="1600" dirty="0">
+                <a:solidFill>
+                  <a:schemeClr val="tx1"/>
+                </a:solidFill>
+              </a:rPr>
+              <a:t>/</a:t>
+            </a:r>
+            <a:r>
+              <a:rPr lang="en-US" altLang="ja-JP" sz="1600" dirty="0" err="1">
+                <a:solidFill>
+                  <a:schemeClr val="tx1"/>
+                </a:solidFill>
+              </a:rPr>
+              <a:t>src</a:t>
+            </a:r>
+            <a:r>
+              <a:rPr lang="en-US" altLang="ja-JP" sz="1600" dirty="0">
+                <a:solidFill>
+                  <a:schemeClr val="tx1"/>
+                </a:solidFill>
+              </a:rPr>
+              <a:t>/App.js</a:t>
+            </a:r>
+            <a:endParaRPr kumimoji="1" lang="ja-JP" altLang="en-US" sz="1600" dirty="0">
+              <a:solidFill>
+                <a:schemeClr val="tx1"/>
+              </a:solidFill>
+            </a:endParaRPr>
           </a:p>
         </p:txBody>
       </p:sp>
@@ -32907,31 +32998,45 @@
         </p:nvSpPr>
         <p:spPr>
           <a:xfrm>
-            <a:off x="431799" y="1054100"/>
-            <a:ext cx="11379201" cy="859106"/>
+            <a:off x="431799" y="1079999"/>
+            <a:ext cx="11298383" cy="772753"/>
           </a:xfrm>
+          <a:solidFill>
+            <a:schemeClr val="accent1">
+              <a:lumMod val="20000"/>
+              <a:lumOff val="80000"/>
+            </a:schemeClr>
+          </a:solidFill>
+          <a:ln>
+            <a:solidFill>
+              <a:schemeClr val="accent1"/>
+            </a:solidFill>
+          </a:ln>
         </p:spPr>
         <p:txBody>
-          <a:bodyPr>
+          <a:bodyPr vert="horz" lIns="91440" tIns="45720" rIns="91440" bIns="45720" rtlCol="0" anchor="ctr">
             <a:normAutofit/>
           </a:bodyPr>
           <a:lstStyle/>
           <a:p>
-            <a:r>
-              <a:rPr kumimoji="1" lang="ja-JP" altLang="en-US" dirty="0" smtClean="0"/>
-              <a:t>更新間隔の設定</a:t>
-            </a:r>
-            <a:endParaRPr kumimoji="1" lang="en-US" altLang="ja-JP" dirty="0" smtClean="0"/>
-          </a:p>
-          <a:p>
-            <a:pPr>
+            <a:pPr marL="0" indent="0">
               <a:buNone/>
             </a:pPr>
             <a:r>
-              <a:rPr lang="ja-JP" altLang="en-US" dirty="0" smtClean="0"/>
+              <a:rPr lang="ja-JP" altLang="en-US" dirty="0"/>
+              <a:t>●更新間隔の設定</a:t>
+            </a:r>
+            <a:endParaRPr lang="en-US" altLang="ja-JP" dirty="0"/>
+          </a:p>
+          <a:p>
+            <a:pPr marL="0" indent="0">
+              <a:buNone/>
+            </a:pPr>
+            <a:r>
+              <a:rPr lang="ja-JP" altLang="en-US" dirty="0"/>
               <a:t>　時刻を更新する間隔を設定します。</a:t>
             </a:r>
-            <a:endParaRPr lang="en-US" altLang="ja-JP" dirty="0" smtClean="0"/>
+            <a:endParaRPr lang="en-US" altLang="ja-JP" dirty="0"/>
           </a:p>
         </p:txBody>
       </p:sp>
@@ -32945,8 +33050,8 @@
         </p:nvSpPr>
         <p:spPr>
           <a:xfrm>
-            <a:off x="450164" y="2067953"/>
-            <a:ext cx="4860000" cy="3132000"/>
+            <a:off x="450164" y="2607766"/>
+            <a:ext cx="5092220" cy="3132000"/>
           </a:xfrm>
           <a:prstGeom prst="rect">
             <a:avLst/>
@@ -33298,8 +33403,8 @@
         </p:nvSpPr>
         <p:spPr>
           <a:xfrm>
-            <a:off x="5514535" y="2155371"/>
-            <a:ext cx="6316393" cy="1380931"/>
+            <a:off x="5187964" y="2695184"/>
+            <a:ext cx="6623036" cy="1380931"/>
           </a:xfrm>
           <a:prstGeom prst="borderCallout2">
             <a:avLst>
@@ -33307,8 +33412,8 @@
               <a:gd name="adj2" fmla="val -30"/>
               <a:gd name="adj3" fmla="val 9934"/>
               <a:gd name="adj4" fmla="val -15911"/>
-              <a:gd name="adj5" fmla="val 44540"/>
-              <a:gd name="adj6" fmla="val -39962"/>
+              <a:gd name="adj5" fmla="val 41162"/>
+              <a:gd name="adj6" fmla="val -36269"/>
             </a:avLst>
           </a:prstGeom>
           <a:solidFill>
@@ -33415,27 +33520,45 @@
                 <a:latin typeface="Meiryo UI" panose="020B0604030504040204" pitchFamily="50" charset="-128"/>
                 <a:ea typeface="Meiryo UI" panose="020B0604030504040204" pitchFamily="50" charset="-128"/>
               </a:rPr>
-              <a:t>に初めてレンダリングされるタイミングを「マウント」、生成された</a:t>
-            </a:r>
-            <a:r>
-              <a:rPr lang="en-US" altLang="ja-JP" dirty="0" smtClean="0">
+              <a:t>に初めてレンダリングされるタイミングを「マウント」</a:t>
+            </a:r>
+            <a:r>
+              <a:rPr lang="ja-JP" altLang="en-US" dirty="0" smtClean="0">
                 <a:solidFill>
                   <a:schemeClr val="tx1"/>
                 </a:solidFill>
                 <a:latin typeface="Meiryo UI" panose="020B0604030504040204" pitchFamily="50" charset="-128"/>
                 <a:ea typeface="Meiryo UI" panose="020B0604030504040204" pitchFamily="50" charset="-128"/>
               </a:rPr>
-              <a:t>DOM</a:t>
-            </a:r>
-            <a:r>
-              <a:rPr lang="ja-JP" altLang="en-US" dirty="0" err="1" smtClean="0">
+              <a:t>、</a:t>
+            </a:r>
+            <a:endParaRPr lang="en-US" altLang="ja-JP" dirty="0" smtClean="0">
+              <a:solidFill>
+                <a:schemeClr val="tx1"/>
+              </a:solidFill>
+              <a:latin typeface="Meiryo UI" panose="020B0604030504040204" pitchFamily="50" charset="-128"/>
+              <a:ea typeface="Meiryo UI" panose="020B0604030504040204" pitchFamily="50" charset="-128"/>
+            </a:endParaRPr>
+          </a:p>
+          <a:p>
+            <a:pPr marL="228600" lvl="0" indent="-228600">
+              <a:lnSpc>
+                <a:spcPct val="90000"/>
+              </a:lnSpc>
+              <a:spcBef>
+                <a:spcPts val="1000"/>
+              </a:spcBef>
+              <a:defRPr/>
+            </a:pPr>
+            <a:r>
+              <a:rPr lang="en-US" altLang="ja-JP" dirty="0" smtClean="0">
                 <a:solidFill>
                   <a:schemeClr val="tx1"/>
                 </a:solidFill>
                 <a:latin typeface="Meiryo UI" panose="020B0604030504040204" pitchFamily="50" charset="-128"/>
                 <a:ea typeface="Meiryo UI" panose="020B0604030504040204" pitchFamily="50" charset="-128"/>
               </a:rPr>
-              <a:t>が削</a:t>
+              <a:t>    </a:t>
             </a:r>
             <a:r>
               <a:rPr lang="ja-JP" altLang="en-US" dirty="0" smtClean="0">
@@ -33445,7 +33568,57 @@
                 <a:latin typeface="Meiryo UI" panose="020B0604030504040204" pitchFamily="50" charset="-128"/>
                 <a:ea typeface="Meiryo UI" panose="020B0604030504040204" pitchFamily="50" charset="-128"/>
               </a:rPr>
-              <a:t>除されるタイミングを「アンマウント」と呼ぶ。</a:t>
+              <a:t>生成</a:t>
+            </a:r>
+            <a:r>
+              <a:rPr lang="ja-JP" altLang="en-US" dirty="0" smtClean="0">
+                <a:solidFill>
+                  <a:schemeClr val="tx1"/>
+                </a:solidFill>
+                <a:latin typeface="Meiryo UI" panose="020B0604030504040204" pitchFamily="50" charset="-128"/>
+                <a:ea typeface="Meiryo UI" panose="020B0604030504040204" pitchFamily="50" charset="-128"/>
+              </a:rPr>
+              <a:t>された</a:t>
+            </a:r>
+            <a:r>
+              <a:rPr lang="en-US" altLang="ja-JP" dirty="0" smtClean="0">
+                <a:solidFill>
+                  <a:schemeClr val="tx1"/>
+                </a:solidFill>
+                <a:latin typeface="Meiryo UI" panose="020B0604030504040204" pitchFamily="50" charset="-128"/>
+                <a:ea typeface="Meiryo UI" panose="020B0604030504040204" pitchFamily="50" charset="-128"/>
+              </a:rPr>
+              <a:t>DOM</a:t>
+            </a:r>
+            <a:r>
+              <a:rPr lang="ja-JP" altLang="en-US" dirty="0" err="1" smtClean="0">
+                <a:solidFill>
+                  <a:schemeClr val="tx1"/>
+                </a:solidFill>
+                <a:latin typeface="Meiryo UI" panose="020B0604030504040204" pitchFamily="50" charset="-128"/>
+                <a:ea typeface="Meiryo UI" panose="020B0604030504040204" pitchFamily="50" charset="-128"/>
+              </a:rPr>
+              <a:t>が削</a:t>
+            </a:r>
+            <a:r>
+              <a:rPr lang="ja-JP" altLang="en-US" dirty="0" smtClean="0">
+                <a:solidFill>
+                  <a:schemeClr val="tx1"/>
+                </a:solidFill>
+                <a:latin typeface="Meiryo UI" panose="020B0604030504040204" pitchFamily="50" charset="-128"/>
+                <a:ea typeface="Meiryo UI" panose="020B0604030504040204" pitchFamily="50" charset="-128"/>
+              </a:rPr>
+              <a:t>除されるタイミングを「アンマウント」と</a:t>
+            </a:r>
+            <a:r>
+              <a:rPr lang="ja-JP" altLang="en-US" dirty="0" smtClean="0">
+                <a:solidFill>
+                  <a:schemeClr val="tx1"/>
+                </a:solidFill>
+                <a:latin typeface="Meiryo UI" panose="020B0604030504040204" pitchFamily="50" charset="-128"/>
+                <a:ea typeface="Meiryo UI" panose="020B0604030504040204" pitchFamily="50" charset="-128"/>
+              </a:rPr>
+              <a:t>呼びます。</a:t>
             </a:r>
             <a:endParaRPr lang="en-US" altLang="ja-JP" dirty="0" smtClean="0">
               <a:solidFill>
@@ -33465,8 +33638,8 @@
         </p:nvSpPr>
         <p:spPr>
           <a:xfrm>
-            <a:off x="5514534" y="4291315"/>
-            <a:ext cx="6316393" cy="831273"/>
+            <a:off x="5187963" y="4831128"/>
+            <a:ext cx="6623037" cy="831273"/>
           </a:xfrm>
           <a:prstGeom prst="borderCallout2">
             <a:avLst>
@@ -33474,8 +33647,8 @@
               <a:gd name="adj2" fmla="val -259"/>
               <a:gd name="adj3" fmla="val 49212"/>
               <a:gd name="adj4" fmla="val -18635"/>
-              <a:gd name="adj5" fmla="val -75452"/>
-              <a:gd name="adj6" fmla="val -58820"/>
+              <a:gd name="adj5" fmla="val -78819"/>
+              <a:gd name="adj6" fmla="val -50548"/>
             </a:avLst>
           </a:prstGeom>
           <a:solidFill>
@@ -33564,35 +33737,111 @@
       </p:sp>
       <p:sp>
         <p:nvSpPr>
-          <p:cNvPr id="11" name="テキスト ボックス 10"/>
-          <p:cNvSpPr txBox="1"/>
+          <p:cNvPr id="9" name="正方形/長方形 8"/>
+          <p:cNvSpPr/>
           <p:nvPr/>
         </p:nvSpPr>
         <p:spPr>
           <a:xfrm>
-            <a:off x="3854548" y="5247249"/>
-            <a:ext cx="1414170" cy="307777"/>
+            <a:off x="457636" y="2327929"/>
+            <a:ext cx="5084748" cy="279837"/>
           </a:xfrm>
           <a:prstGeom prst="rect">
             <a:avLst/>
           </a:prstGeom>
-          <a:noFill/>
+          <a:solidFill>
+            <a:schemeClr val="accent1">
+              <a:lumMod val="20000"/>
+              <a:lumOff val="80000"/>
+            </a:schemeClr>
+          </a:solidFill>
+          <a:ln w="3175">
+            <a:solidFill>
+              <a:schemeClr val="tx1"/>
+            </a:solidFill>
+          </a:ln>
         </p:spPr>
+        <p:style>
+          <a:lnRef idx="2">
+            <a:schemeClr val="accent1">
+              <a:shade val="50000"/>
+            </a:schemeClr>
+          </a:lnRef>
+          <a:fillRef idx="1">
+            <a:schemeClr val="accent1"/>
+          </a:fillRef>
+          <a:effectRef idx="0">
+            <a:schemeClr val="accent1"/>
+          </a:effectRef>
+          <a:fontRef idx="minor">
+            <a:schemeClr val="lt1"/>
+          </a:fontRef>
+        </p:style>
         <p:txBody>
-          <a:bodyPr wrap="none" rtlCol="0">
-            <a:spAutoFit/>
-          </a:bodyPr>
+          <a:bodyPr rtlCol="0" anchor="ctr"/>
           <a:lstStyle/>
           <a:p>
             <a:r>
-              <a:rPr kumimoji="1" lang="en-US" altLang="ja-JP" sz="1400" dirty="0" smtClean="0"/>
-              <a:t>※App.js</a:t>
-            </a:r>
-            <a:r>
-              <a:rPr kumimoji="1" lang="ja-JP" altLang="en-US" sz="1400" dirty="0" smtClean="0"/>
-              <a:t>に記載</a:t>
-            </a:r>
-            <a:endParaRPr kumimoji="1" lang="ja-JP" altLang="en-US" sz="1400" dirty="0"/>
+              <a:rPr lang="en-US" altLang="ja-JP" sz="1600" dirty="0">
+                <a:solidFill>
+                  <a:schemeClr val="tx1"/>
+                </a:solidFill>
+              </a:rPr>
+              <a:t>/</a:t>
+            </a:r>
+            <a:r>
+              <a:rPr lang="en-US" altLang="ja-JP" sz="1600" dirty="0" err="1">
+                <a:solidFill>
+                  <a:schemeClr val="tx1"/>
+                </a:solidFill>
+              </a:rPr>
+              <a:t>sample_source</a:t>
+            </a:r>
+            <a:r>
+              <a:rPr lang="en-US" altLang="ja-JP" sz="1600" dirty="0">
+                <a:solidFill>
+                  <a:schemeClr val="tx1"/>
+                </a:solidFill>
+              </a:rPr>
+              <a:t>/react/</a:t>
+            </a:r>
+            <a:r>
+              <a:rPr lang="en-US" altLang="ja-JP" sz="1600" dirty="0" err="1">
+                <a:solidFill>
+                  <a:schemeClr val="tx1"/>
+                </a:solidFill>
+              </a:rPr>
+              <a:t>sample_watch</a:t>
+            </a:r>
+            <a:r>
+              <a:rPr lang="en-US" altLang="ja-JP" sz="1600" dirty="0">
+                <a:solidFill>
+                  <a:schemeClr val="tx1"/>
+                </a:solidFill>
+              </a:rPr>
+              <a:t>/</a:t>
+            </a:r>
+            <a:r>
+              <a:rPr lang="en-US" altLang="ja-JP" sz="1600" dirty="0" err="1">
+                <a:solidFill>
+                  <a:schemeClr val="tx1"/>
+                </a:solidFill>
+              </a:rPr>
+              <a:t>src</a:t>
+            </a:r>
+            <a:r>
+              <a:rPr lang="en-US" altLang="ja-JP" sz="1600" dirty="0">
+                <a:solidFill>
+                  <a:schemeClr val="tx1"/>
+                </a:solidFill>
+              </a:rPr>
+              <a:t>/App.js</a:t>
+            </a:r>
+            <a:endParaRPr kumimoji="1" lang="ja-JP" altLang="en-US" sz="1600" dirty="0">
+              <a:solidFill>
+                <a:schemeClr val="tx1"/>
+              </a:solidFill>
+            </a:endParaRPr>
           </a:p>
         </p:txBody>
       </p:sp>
@@ -33663,20 +33912,37 @@
             <p:ph sz="quarter" idx="13"/>
           </p:nvPr>
         </p:nvSpPr>
-        <p:spPr/>
+        <p:spPr>
+          <a:xfrm>
+            <a:off x="431799" y="1080000"/>
+            <a:ext cx="11379201" cy="691200"/>
+          </a:xfrm>
+          <a:solidFill>
+            <a:schemeClr val="accent1">
+              <a:lumMod val="20000"/>
+              <a:lumOff val="80000"/>
+            </a:schemeClr>
+          </a:solidFill>
+          <a:ln>
+            <a:solidFill>
+              <a:schemeClr val="accent1"/>
+            </a:solidFill>
+          </a:ln>
+        </p:spPr>
         <p:txBody>
-          <a:bodyPr/>
+          <a:bodyPr vert="horz" lIns="91440" tIns="45720" rIns="91440" bIns="45720" rtlCol="0" anchor="ctr">
+            <a:normAutofit/>
+          </a:bodyPr>
           <a:lstStyle/>
           <a:p>
-            <a:r>
-              <a:rPr lang="ja-JP" altLang="en-US" dirty="0" smtClean="0"/>
-              <a:t>時刻</a:t>
-            </a:r>
-            <a:r>
-              <a:rPr kumimoji="1" lang="ja-JP" altLang="en-US" dirty="0" smtClean="0"/>
-              <a:t>の更新</a:t>
-            </a:r>
-            <a:endParaRPr kumimoji="1" lang="en-US" altLang="ja-JP" dirty="0" smtClean="0"/>
+            <a:pPr marL="0" indent="0">
+              <a:buNone/>
+            </a:pPr>
+            <a:r>
+              <a:rPr lang="ja-JP" altLang="en-US" dirty="0"/>
+              <a:t>●時刻の更新</a:t>
+            </a:r>
+            <a:endParaRPr lang="en-US" altLang="ja-JP" dirty="0"/>
           </a:p>
         </p:txBody>
       </p:sp>
@@ -33690,8 +33956,8 @@
         </p:nvSpPr>
         <p:spPr>
           <a:xfrm>
-            <a:off x="436099" y="1997616"/>
-            <a:ext cx="4860000" cy="3132000"/>
+            <a:off x="436099" y="2604286"/>
+            <a:ext cx="5098032" cy="3132000"/>
           </a:xfrm>
           <a:prstGeom prst="rect">
             <a:avLst/>
@@ -33978,7 +34244,7 @@
         </p:nvSpPr>
         <p:spPr>
           <a:xfrm>
-            <a:off x="5699032" y="2026417"/>
+            <a:off x="5699032" y="2659463"/>
             <a:ext cx="5555122" cy="831273"/>
           </a:xfrm>
           <a:prstGeom prst="borderCallout2">
@@ -33987,8 +34253,8 @@
               <a:gd name="adj2" fmla="val -427"/>
               <a:gd name="adj3" fmla="val 18128"/>
               <a:gd name="adj4" fmla="val -18395"/>
-              <a:gd name="adj5" fmla="val 95472"/>
-              <a:gd name="adj6" fmla="val -67283"/>
+              <a:gd name="adj5" fmla="val 90183"/>
+              <a:gd name="adj6" fmla="val -66966"/>
             </a:avLst>
           </a:prstGeom>
           <a:solidFill>
@@ -34061,7 +34327,7 @@
         </p:nvSpPr>
         <p:spPr>
           <a:xfrm>
-            <a:off x="5654485" y="3388639"/>
+            <a:off x="5654485" y="4021685"/>
             <a:ext cx="5555122" cy="1647595"/>
           </a:xfrm>
           <a:prstGeom prst="borderCallout2">
@@ -34070,8 +34336,8 @@
               <a:gd name="adj2" fmla="val 77"/>
               <a:gd name="adj3" fmla="val 23127"/>
               <a:gd name="adj4" fmla="val -22687"/>
-              <a:gd name="adj5" fmla="val -10183"/>
-              <a:gd name="adj6" fmla="val -62978"/>
+              <a:gd name="adj5" fmla="val -13385"/>
+              <a:gd name="adj6" fmla="val -63928"/>
             </a:avLst>
           </a:prstGeom>
           <a:solidFill>
@@ -34178,23 +34444,15 @@
                   <a:schemeClr val="tx1"/>
                 </a:solidFill>
               </a:rPr>
-              <a:t>の状態を変える時には必ず</a:t>
-            </a:r>
-            <a:r>
-              <a:rPr lang="en-US" altLang="ja-JP" dirty="0" err="1" smtClean="0">
+              <a:t>の状態を変える時に</a:t>
+            </a:r>
+            <a:r>
+              <a:rPr lang="ja-JP" altLang="en-US" dirty="0" smtClean="0">
                 <a:solidFill>
                   <a:schemeClr val="tx1"/>
                 </a:solidFill>
               </a:rPr>
-              <a:t>setState</a:t>
-            </a:r>
-            <a:r>
-              <a:rPr lang="ja-JP" altLang="en-US" dirty="0" smtClean="0">
-                <a:solidFill>
-                  <a:schemeClr val="tx1"/>
-                </a:solidFill>
-              </a:rPr>
-              <a:t>メソッドを使って変える必要があります。</a:t>
+              <a:t>は</a:t>
             </a:r>
             <a:endParaRPr lang="en-US" altLang="ja-JP" dirty="0" smtClean="0">
               <a:solidFill>
@@ -34202,39 +34460,162 @@
               </a:solidFill>
             </a:endParaRPr>
           </a:p>
+          <a:p>
+            <a:r>
+              <a:rPr lang="ja-JP" altLang="en-US" dirty="0">
+                <a:solidFill>
+                  <a:schemeClr val="tx1"/>
+                </a:solidFill>
+              </a:rPr>
+              <a:t> </a:t>
+            </a:r>
+            <a:r>
+              <a:rPr lang="ja-JP" altLang="en-US" dirty="0" smtClean="0">
+                <a:solidFill>
+                  <a:schemeClr val="tx1"/>
+                </a:solidFill>
+              </a:rPr>
+              <a:t>  </a:t>
+            </a:r>
+            <a:r>
+              <a:rPr lang="ja-JP" altLang="en-US" dirty="0" smtClean="0">
+                <a:solidFill>
+                  <a:schemeClr val="tx1"/>
+                </a:solidFill>
+              </a:rPr>
+              <a:t>必ず</a:t>
+            </a:r>
+            <a:r>
+              <a:rPr lang="en-US" altLang="ja-JP" dirty="0" err="1" smtClean="0">
+                <a:solidFill>
+                  <a:schemeClr val="tx1"/>
+                </a:solidFill>
+              </a:rPr>
+              <a:t>setState</a:t>
+            </a:r>
+            <a:r>
+              <a:rPr lang="ja-JP" altLang="en-US" dirty="0" smtClean="0">
+                <a:solidFill>
+                  <a:schemeClr val="tx1"/>
+                </a:solidFill>
+              </a:rPr>
+              <a:t>メソッドを使って変える必要があります。</a:t>
+            </a:r>
+            <a:endParaRPr lang="en-US" altLang="ja-JP" dirty="0" smtClean="0">
+              <a:solidFill>
+                <a:schemeClr val="tx1"/>
+              </a:solidFill>
+            </a:endParaRPr>
+          </a:p>
         </p:txBody>
       </p:sp>
       <p:sp>
         <p:nvSpPr>
-          <p:cNvPr id="9" name="テキスト ボックス 8"/>
-          <p:cNvSpPr txBox="1"/>
+          <p:cNvPr id="10" name="正方形/長方形 9"/>
+          <p:cNvSpPr/>
           <p:nvPr/>
         </p:nvSpPr>
         <p:spPr>
           <a:xfrm>
-            <a:off x="3854548" y="5247249"/>
-            <a:ext cx="1414170" cy="307777"/>
+            <a:off x="449383" y="2323061"/>
+            <a:ext cx="5084748" cy="279837"/>
           </a:xfrm>
           <a:prstGeom prst="rect">
             <a:avLst/>
           </a:prstGeom>
-          <a:noFill/>
+          <a:solidFill>
+            <a:schemeClr val="accent1">
+              <a:lumMod val="20000"/>
+              <a:lumOff val="80000"/>
+            </a:schemeClr>
+          </a:solidFill>
+          <a:ln w="3175">
+            <a:solidFill>
+              <a:schemeClr val="tx1"/>
+            </a:solidFill>
+          </a:ln>
         </p:spPr>
+        <p:style>
+          <a:lnRef idx="2">
+            <a:schemeClr val="accent1">
+              <a:shade val="50000"/>
+            </a:schemeClr>
+          </a:lnRef>
+          <a:fillRef idx="1">
+            <a:schemeClr val="accent1"/>
+          </a:fillRef>
+          <a:effectRef idx="0">
+            <a:schemeClr val="accent1"/>
+          </a:effectRef>
+          <a:fontRef idx="minor">
+            <a:schemeClr val="lt1"/>
+          </a:fontRef>
+        </p:style>
         <p:txBody>
-          <a:bodyPr wrap="none" rtlCol="0">
-            <a:spAutoFit/>
-          </a:bodyPr>
+          <a:bodyPr rtlCol="0" anchor="ctr"/>
           <a:lstStyle/>
           <a:p>
             <a:r>
-              <a:rPr kumimoji="1" lang="en-US" altLang="ja-JP" sz="1400" dirty="0" smtClean="0"/>
-              <a:t>※App.js</a:t>
-            </a:r>
-            <a:r>
-              <a:rPr kumimoji="1" lang="ja-JP" altLang="en-US" sz="1400" dirty="0" smtClean="0"/>
-              <a:t>に記載</a:t>
-            </a:r>
-            <a:endParaRPr kumimoji="1" lang="ja-JP" altLang="en-US" sz="1400" dirty="0"/>
+              <a:rPr lang="en-US" altLang="ja-JP" sz="1600" dirty="0">
+                <a:solidFill>
+                  <a:schemeClr val="tx1"/>
+                </a:solidFill>
+              </a:rPr>
+              <a:t>/</a:t>
+            </a:r>
+            <a:r>
+              <a:rPr lang="en-US" altLang="ja-JP" sz="1600" dirty="0" err="1">
+                <a:solidFill>
+                  <a:schemeClr val="tx1"/>
+                </a:solidFill>
+              </a:rPr>
+              <a:t>sample_source</a:t>
+            </a:r>
+            <a:r>
+              <a:rPr lang="en-US" altLang="ja-JP" sz="1600" dirty="0">
+                <a:solidFill>
+                  <a:schemeClr val="tx1"/>
+                </a:solidFill>
+              </a:rPr>
+              <a:t>/react/</a:t>
+            </a:r>
+            <a:r>
+              <a:rPr lang="en-US" altLang="ja-JP" sz="1600" dirty="0" err="1">
+                <a:solidFill>
+                  <a:schemeClr val="tx1"/>
+                </a:solidFill>
+              </a:rPr>
+              <a:t>sample_watch</a:t>
+            </a:r>
+            <a:r>
+              <a:rPr lang="en-US" altLang="ja-JP" sz="1600" dirty="0">
+                <a:solidFill>
+                  <a:schemeClr val="tx1"/>
+                </a:solidFill>
+              </a:rPr>
+              <a:t>/</a:t>
+            </a:r>
+            <a:r>
+              <a:rPr lang="en-US" altLang="ja-JP" sz="1600" dirty="0" err="1">
+                <a:solidFill>
+                  <a:schemeClr val="tx1"/>
+                </a:solidFill>
+              </a:rPr>
+              <a:t>src</a:t>
+            </a:r>
+            <a:r>
+              <a:rPr lang="en-US" altLang="ja-JP" sz="1600" dirty="0">
+                <a:solidFill>
+                  <a:schemeClr val="tx1"/>
+                </a:solidFill>
+              </a:rPr>
+              <a:t>/App.js</a:t>
+            </a:r>
+            <a:endParaRPr kumimoji="1" lang="ja-JP" altLang="en-US" sz="1600" dirty="0">
+              <a:solidFill>
+                <a:schemeClr val="tx1"/>
+              </a:solidFill>
+            </a:endParaRPr>
           </a:p>
         </p:txBody>
       </p:sp>
@@ -34305,16 +34686,37 @@
             <p:ph sz="quarter" idx="13"/>
           </p:nvPr>
         </p:nvSpPr>
-        <p:spPr/>
+        <p:spPr>
+          <a:xfrm>
+            <a:off x="431799" y="1080000"/>
+            <a:ext cx="11379201" cy="691200"/>
+          </a:xfrm>
+          <a:solidFill>
+            <a:schemeClr val="accent1">
+              <a:lumMod val="20000"/>
+              <a:lumOff val="80000"/>
+            </a:schemeClr>
+          </a:solidFill>
+          <a:ln>
+            <a:solidFill>
+              <a:schemeClr val="accent1"/>
+            </a:solidFill>
+          </a:ln>
+        </p:spPr>
         <p:txBody>
-          <a:bodyPr/>
+          <a:bodyPr vert="horz" lIns="91440" tIns="45720" rIns="91440" bIns="45720" rtlCol="0" anchor="ctr">
+            <a:normAutofit/>
+          </a:bodyPr>
           <a:lstStyle/>
           <a:p>
-            <a:r>
-              <a:rPr kumimoji="1" lang="ja-JP" altLang="en-US" dirty="0" smtClean="0"/>
-              <a:t>レンダリング</a:t>
-            </a:r>
-            <a:endParaRPr kumimoji="1" lang="ja-JP" altLang="en-US" dirty="0"/>
+            <a:pPr marL="0" indent="0">
+              <a:buNone/>
+            </a:pPr>
+            <a:r>
+              <a:rPr lang="ja-JP" altLang="en-US" dirty="0"/>
+              <a:t>●レンダリング</a:t>
+            </a:r>
+            <a:endParaRPr lang="ja-JP" altLang="en-US" dirty="0"/>
           </a:p>
         </p:txBody>
       </p:sp>
@@ -34328,7 +34730,7 @@
         </p:nvSpPr>
         <p:spPr>
           <a:xfrm>
-            <a:off x="436098" y="2039822"/>
+            <a:off x="436098" y="2356348"/>
             <a:ext cx="5261317" cy="4192166"/>
           </a:xfrm>
           <a:prstGeom prst="rect">
@@ -34771,7 +35173,7 @@
         </p:nvSpPr>
         <p:spPr>
           <a:xfrm>
-            <a:off x="5781822" y="2178818"/>
+            <a:off x="5781822" y="2495344"/>
             <a:ext cx="6063175" cy="816309"/>
           </a:xfrm>
           <a:prstGeom prst="borderCallout2">
@@ -34890,7 +35292,7 @@
         </p:nvSpPr>
         <p:spPr>
           <a:xfrm>
-            <a:off x="5793545" y="3893881"/>
+            <a:off x="5793545" y="4210407"/>
             <a:ext cx="6063175" cy="827409"/>
           </a:xfrm>
           <a:prstGeom prst="borderCallout2">
@@ -34979,7 +35381,47 @@
                 <a:latin typeface="Meiryo UI" panose="020B0604030504040204" pitchFamily="50" charset="-128"/>
                 <a:ea typeface="Meiryo UI" panose="020B0604030504040204" pitchFamily="50" charset="-128"/>
               </a:rPr>
-              <a:t>が更新される。</a:t>
+              <a:t>が更新</a:t>
+            </a:r>
+            <a:r>
+              <a:rPr lang="ja-JP" altLang="en-US" dirty="0" smtClean="0">
+                <a:solidFill>
+                  <a:schemeClr val="tx1"/>
+                </a:solidFill>
+                <a:latin typeface="Meiryo UI" panose="020B0604030504040204" pitchFamily="50" charset="-128"/>
+                <a:ea typeface="Meiryo UI" panose="020B0604030504040204" pitchFamily="50" charset="-128"/>
+              </a:rPr>
+              <a:t>され</a:t>
+            </a:r>
+            <a:r>
+              <a:rPr lang="ja-JP" altLang="en-US" dirty="0" smtClean="0">
+                <a:solidFill>
+                  <a:schemeClr val="tx1"/>
+                </a:solidFill>
+                <a:latin typeface="Meiryo UI" panose="020B0604030504040204" pitchFamily="50" charset="-128"/>
+                <a:ea typeface="Meiryo UI" panose="020B0604030504040204" pitchFamily="50" charset="-128"/>
+              </a:rPr>
+              <a:t>ま</a:t>
+            </a:r>
+            <a:r>
+              <a:rPr lang="ja-JP" altLang="en-US" dirty="0">
+                <a:solidFill>
+                  <a:schemeClr val="tx1"/>
+                </a:solidFill>
+                <a:latin typeface="Meiryo UI" panose="020B0604030504040204" pitchFamily="50" charset="-128"/>
+                <a:ea typeface="Meiryo UI" panose="020B0604030504040204" pitchFamily="50" charset="-128"/>
+              </a:rPr>
+              <a:t>す</a:t>
+            </a:r>
+            <a:r>
+              <a:rPr lang="ja-JP" altLang="en-US" dirty="0" smtClean="0">
+                <a:solidFill>
+                  <a:schemeClr val="tx1"/>
+                </a:solidFill>
+                <a:latin typeface="Meiryo UI" panose="020B0604030504040204" pitchFamily="50" charset="-128"/>
+                <a:ea typeface="Meiryo UI" panose="020B0604030504040204" pitchFamily="50" charset="-128"/>
+              </a:rPr>
+              <a:t>。</a:t>
             </a:r>
             <a:endParaRPr lang="en-US" altLang="ja-JP" dirty="0" smtClean="0">
               <a:solidFill>
@@ -34993,35 +35435,111 @@
       </p:sp>
       <p:sp>
         <p:nvSpPr>
-          <p:cNvPr id="9" name="テキスト ボックス 8"/>
-          <p:cNvSpPr txBox="1"/>
+          <p:cNvPr id="10" name="正方形/長方形 9"/>
+          <p:cNvSpPr/>
           <p:nvPr/>
         </p:nvSpPr>
         <p:spPr>
           <a:xfrm>
-            <a:off x="4234375" y="6260121"/>
-            <a:ext cx="1414170" cy="307777"/>
+            <a:off x="449383" y="2076511"/>
+            <a:ext cx="5248032" cy="279837"/>
           </a:xfrm>
           <a:prstGeom prst="rect">
             <a:avLst/>
           </a:prstGeom>
-          <a:noFill/>
+          <a:solidFill>
+            <a:schemeClr val="accent1">
+              <a:lumMod val="20000"/>
+              <a:lumOff val="80000"/>
+            </a:schemeClr>
+          </a:solidFill>
+          <a:ln w="3175">
+            <a:solidFill>
+              <a:schemeClr val="tx1"/>
+            </a:solidFill>
+          </a:ln>
         </p:spPr>
+        <p:style>
+          <a:lnRef idx="2">
+            <a:schemeClr val="accent1">
+              <a:shade val="50000"/>
+            </a:schemeClr>
+          </a:lnRef>
+          <a:fillRef idx="1">
+            <a:schemeClr val="accent1"/>
+          </a:fillRef>
+          <a:effectRef idx="0">
+            <a:schemeClr val="accent1"/>
+          </a:effectRef>
+          <a:fontRef idx="minor">
+            <a:schemeClr val="lt1"/>
+          </a:fontRef>
+        </p:style>
         <p:txBody>
-          <a:bodyPr wrap="none" rtlCol="0">
-            <a:spAutoFit/>
-          </a:bodyPr>
+          <a:bodyPr rtlCol="0" anchor="ctr"/>
           <a:lstStyle/>
           <a:p>
             <a:r>
-              <a:rPr kumimoji="1" lang="en-US" altLang="ja-JP" sz="1400" dirty="0" smtClean="0"/>
-              <a:t>※App.js</a:t>
-            </a:r>
-            <a:r>
-              <a:rPr kumimoji="1" lang="ja-JP" altLang="en-US" sz="1400" dirty="0" smtClean="0"/>
-              <a:t>に記載</a:t>
-            </a:r>
-            <a:endParaRPr kumimoji="1" lang="ja-JP" altLang="en-US" sz="1400" dirty="0"/>
+              <a:rPr lang="en-US" altLang="ja-JP" sz="1600" dirty="0">
+                <a:solidFill>
+                  <a:schemeClr val="tx1"/>
+                </a:solidFill>
+              </a:rPr>
+              <a:t>/</a:t>
+            </a:r>
+            <a:r>
+              <a:rPr lang="en-US" altLang="ja-JP" sz="1600" dirty="0" err="1">
+                <a:solidFill>
+                  <a:schemeClr val="tx1"/>
+                </a:solidFill>
+              </a:rPr>
+              <a:t>sample_source</a:t>
+            </a:r>
+            <a:r>
+              <a:rPr lang="en-US" altLang="ja-JP" sz="1600" dirty="0">
+                <a:solidFill>
+                  <a:schemeClr val="tx1"/>
+                </a:solidFill>
+              </a:rPr>
+              <a:t>/react/</a:t>
+            </a:r>
+            <a:r>
+              <a:rPr lang="en-US" altLang="ja-JP" sz="1600" dirty="0" err="1">
+                <a:solidFill>
+                  <a:schemeClr val="tx1"/>
+                </a:solidFill>
+              </a:rPr>
+              <a:t>sample_watch</a:t>
+            </a:r>
+            <a:r>
+              <a:rPr lang="en-US" altLang="ja-JP" sz="1600" dirty="0">
+                <a:solidFill>
+                  <a:schemeClr val="tx1"/>
+                </a:solidFill>
+              </a:rPr>
+              <a:t>/</a:t>
+            </a:r>
+            <a:r>
+              <a:rPr lang="en-US" altLang="ja-JP" sz="1600" dirty="0" err="1">
+                <a:solidFill>
+                  <a:schemeClr val="tx1"/>
+                </a:solidFill>
+              </a:rPr>
+              <a:t>src</a:t>
+            </a:r>
+            <a:r>
+              <a:rPr lang="en-US" altLang="ja-JP" sz="1600" dirty="0">
+                <a:solidFill>
+                  <a:schemeClr val="tx1"/>
+                </a:solidFill>
+              </a:rPr>
+              <a:t>/App.js</a:t>
+            </a:r>
+            <a:endParaRPr kumimoji="1" lang="ja-JP" altLang="en-US" sz="1600" dirty="0">
+              <a:solidFill>
+                <a:schemeClr val="tx1"/>
+              </a:solidFill>
+            </a:endParaRPr>
           </a:p>
         </p:txBody>
       </p:sp>
@@ -35084,29 +35602,6 @@
       </p:sp>
       <p:sp>
         <p:nvSpPr>
-          <p:cNvPr id="3" name="コンテンツ プレースホルダ 2"/>
-          <p:cNvSpPr>
-            <a:spLocks noGrp="1"/>
-          </p:cNvSpPr>
-          <p:nvPr>
-            <p:ph sz="quarter" idx="13"/>
-          </p:nvPr>
-        </p:nvSpPr>
-        <p:spPr/>
-        <p:txBody>
-          <a:bodyPr/>
-          <a:lstStyle/>
-          <a:p>
-            <a:r>
-              <a:rPr kumimoji="1" lang="ja-JP" altLang="en-US" dirty="0" smtClean="0"/>
-              <a:t>コンポーネントの描画をします。</a:t>
-            </a:r>
-            <a:endParaRPr kumimoji="1" lang="ja-JP" altLang="en-US" dirty="0"/>
-          </a:p>
-        </p:txBody>
-      </p:sp>
-      <p:sp>
-        <p:nvSpPr>
           <p:cNvPr id="4" name="コンテンツ プレースホルダー 3"/>
           <p:cNvSpPr txBox="1">
             <a:spLocks/>
@@ -35115,7 +35610,7 @@
         </p:nvSpPr>
         <p:spPr>
           <a:xfrm>
-            <a:off x="436100" y="1997616"/>
+            <a:off x="436100" y="2724536"/>
             <a:ext cx="6231986" cy="2686926"/>
           </a:xfrm>
           <a:prstGeom prst="rect">
@@ -35353,7 +35848,7 @@
         </p:nvSpPr>
         <p:spPr>
           <a:xfrm>
-            <a:off x="6724359" y="2066276"/>
+            <a:off x="6724359" y="2793196"/>
             <a:ext cx="5092504" cy="1141157"/>
           </a:xfrm>
           <a:prstGeom prst="borderCallout2">
@@ -35464,35 +35959,155 @@
       </p:sp>
       <p:sp>
         <p:nvSpPr>
-          <p:cNvPr id="6" name="テキスト ボックス 5"/>
-          <p:cNvSpPr txBox="1"/>
+          <p:cNvPr id="7" name="正方形/長方形 6"/>
+          <p:cNvSpPr/>
           <p:nvPr/>
         </p:nvSpPr>
         <p:spPr>
           <a:xfrm>
-            <a:off x="5134705" y="4783013"/>
-            <a:ext cx="1544012" cy="307777"/>
+            <a:off x="441566" y="2444699"/>
+            <a:ext cx="6226519" cy="279837"/>
           </a:xfrm>
           <a:prstGeom prst="rect">
             <a:avLst/>
           </a:prstGeom>
-          <a:noFill/>
+          <a:solidFill>
+            <a:schemeClr val="accent1">
+              <a:lumMod val="20000"/>
+              <a:lumOff val="80000"/>
+            </a:schemeClr>
+          </a:solidFill>
+          <a:ln w="3175">
+            <a:solidFill>
+              <a:schemeClr val="tx1"/>
+            </a:solidFill>
+          </a:ln>
+        </p:spPr>
+        <p:style>
+          <a:lnRef idx="2">
+            <a:schemeClr val="accent1">
+              <a:shade val="50000"/>
+            </a:schemeClr>
+          </a:lnRef>
+          <a:fillRef idx="1">
+            <a:schemeClr val="accent1"/>
+          </a:fillRef>
+          <a:effectRef idx="0">
+            <a:schemeClr val="accent1"/>
+          </a:effectRef>
+          <a:fontRef idx="minor">
+            <a:schemeClr val="lt1"/>
+          </a:fontRef>
+        </p:style>
+        <p:txBody>
+          <a:bodyPr rtlCol="0" anchor="ctr"/>
+          <a:lstStyle/>
+          <a:p>
+            <a:r>
+              <a:rPr lang="en-US" altLang="ja-JP" sz="1600" dirty="0">
+                <a:solidFill>
+                  <a:schemeClr val="tx1"/>
+                </a:solidFill>
+              </a:rPr>
+              <a:t>/</a:t>
+            </a:r>
+            <a:r>
+              <a:rPr lang="en-US" altLang="ja-JP" sz="1600" dirty="0" err="1" smtClean="0">
+                <a:solidFill>
+                  <a:schemeClr val="tx1"/>
+                </a:solidFill>
+              </a:rPr>
+              <a:t>sample_source</a:t>
+            </a:r>
+            <a:r>
+              <a:rPr lang="en-US" altLang="ja-JP" sz="1600" dirty="0" smtClean="0">
+                <a:solidFill>
+                  <a:schemeClr val="tx1"/>
+                </a:solidFill>
+              </a:rPr>
+              <a:t>/react/</a:t>
+            </a:r>
+            <a:r>
+              <a:rPr lang="en-US" altLang="ja-JP" sz="1600" dirty="0" err="1" smtClean="0">
+                <a:solidFill>
+                  <a:schemeClr val="tx1"/>
+                </a:solidFill>
+              </a:rPr>
+              <a:t>sample_watch</a:t>
+            </a:r>
+            <a:r>
+              <a:rPr lang="en-US" altLang="ja-JP" sz="1600" dirty="0" smtClean="0">
+                <a:solidFill>
+                  <a:schemeClr val="tx1"/>
+                </a:solidFill>
+              </a:rPr>
+              <a:t>/</a:t>
+            </a:r>
+            <a:r>
+              <a:rPr lang="en-US" altLang="ja-JP" sz="1600" dirty="0" err="1" smtClean="0">
+                <a:solidFill>
+                  <a:schemeClr val="tx1"/>
+                </a:solidFill>
+              </a:rPr>
+              <a:t>src</a:t>
+            </a:r>
+            <a:r>
+              <a:rPr lang="en-US" altLang="ja-JP" sz="1600" dirty="0" smtClean="0">
+                <a:solidFill>
+                  <a:schemeClr val="tx1"/>
+                </a:solidFill>
+              </a:rPr>
+              <a:t>/index.js</a:t>
+            </a:r>
+            <a:endParaRPr kumimoji="1" lang="ja-JP" altLang="en-US" sz="1600" dirty="0">
+              <a:solidFill>
+                <a:schemeClr val="tx1"/>
+              </a:solidFill>
+            </a:endParaRPr>
+          </a:p>
+        </p:txBody>
+      </p:sp>
+      <p:sp>
+        <p:nvSpPr>
+          <p:cNvPr id="9" name="コンテンツ プレースホルダ 18"/>
+          <p:cNvSpPr>
+            <a:spLocks noGrp="1"/>
+          </p:cNvSpPr>
+          <p:nvPr>
+            <p:ph sz="quarter" idx="13"/>
+          </p:nvPr>
+        </p:nvSpPr>
+        <p:spPr>
+          <a:xfrm>
+            <a:off x="431799" y="1080000"/>
+            <a:ext cx="11379201" cy="691200"/>
+          </a:xfrm>
+          <a:solidFill>
+            <a:schemeClr val="accent1">
+              <a:lumMod val="20000"/>
+              <a:lumOff val="80000"/>
+            </a:schemeClr>
+          </a:solidFill>
+          <a:ln>
+            <a:solidFill>
+              <a:schemeClr val="accent1"/>
+            </a:solidFill>
+          </a:ln>
         </p:spPr>
         <p:txBody>
-          <a:bodyPr wrap="none" rtlCol="0">
-            <a:spAutoFit/>
+          <a:bodyPr vert="horz" lIns="91440" tIns="45720" rIns="91440" bIns="45720" rtlCol="0" anchor="ctr">
+            <a:normAutofit/>
           </a:bodyPr>
           <a:lstStyle/>
           <a:p>
-            <a:r>
-              <a:rPr kumimoji="1" lang="en-US" altLang="ja-JP" sz="1400" dirty="0" smtClean="0"/>
-              <a:t>※index.js</a:t>
-            </a:r>
-            <a:r>
-              <a:rPr kumimoji="1" lang="ja-JP" altLang="en-US" sz="1400" dirty="0" smtClean="0"/>
-              <a:t>に記載</a:t>
-            </a:r>
-            <a:endParaRPr kumimoji="1" lang="ja-JP" altLang="en-US" sz="1400" dirty="0"/>
+            <a:pPr marL="0" indent="0">
+              <a:buNone/>
+            </a:pPr>
+            <a:r>
+              <a:rPr lang="ja-JP" altLang="en-US" dirty="0"/>
+              <a:t>●コンポーネントの描画</a:t>
+            </a:r>
+            <a:endParaRPr lang="ja-JP" altLang="en-US" dirty="0"/>
           </a:p>
         </p:txBody>
       </p:sp>
@@ -35565,7 +36180,7 @@
         </p:nvSpPr>
         <p:spPr>
           <a:xfrm>
-            <a:off x="431799" y="1054100"/>
+            <a:off x="431799" y="1080000"/>
             <a:ext cx="11379201" cy="4713654"/>
           </a:xfrm>
         </p:spPr>
@@ -35575,6 +36190,13 @@
           </a:bodyPr>
           <a:lstStyle/>
           <a:p>
+            <a:pPr marL="0" indent="0">
+              <a:buNone/>
+            </a:pPr>
+            <a:r>
+              <a:rPr lang="ja-JP" altLang="en-US" dirty="0"/>
+              <a:t>●</a:t>
+            </a:r>
             <a:r>
               <a:rPr kumimoji="1" lang="ja-JP" altLang="en-US" dirty="0" smtClean="0"/>
               <a:t>まとめ</a:t>
@@ -35931,7 +36553,7 @@
         </p:nvSpPr>
         <p:spPr>
           <a:xfrm>
-            <a:off x="421964" y="1212377"/>
+            <a:off x="432000" y="1080000"/>
             <a:ext cx="11412482" cy="831028"/>
           </a:xfrm>
           <a:prstGeom prst="rect">
@@ -36142,7 +36764,7 @@
         </p:nvSpPr>
         <p:spPr>
           <a:xfrm>
-            <a:off x="551050" y="3207626"/>
+            <a:off x="551050" y="2995194"/>
             <a:ext cx="3883777" cy="461665"/>
           </a:xfrm>
           <a:prstGeom prst="rect">
@@ -36193,7 +36815,7 @@
         </p:nvSpPr>
         <p:spPr>
           <a:xfrm>
-            <a:off x="555219" y="2526431"/>
+            <a:off x="555219" y="2313999"/>
             <a:ext cx="5370796" cy="461665"/>
           </a:xfrm>
           <a:prstGeom prst="rect">
@@ -36252,7 +36874,7 @@
         </p:nvSpPr>
         <p:spPr>
           <a:xfrm>
-            <a:off x="551050" y="3888821"/>
+            <a:off x="551050" y="3676389"/>
             <a:ext cx="6597096" cy="461665"/>
           </a:xfrm>
           <a:prstGeom prst="rect">
@@ -36328,45 +36950,6 @@
           <a:chExt cx="0" cy="0"/>
         </a:xfrm>
       </p:grpSpPr>
-      <p:sp>
-        <p:nvSpPr>
-          <p:cNvPr id="126" name="Shape 126"/>
-          <p:cNvSpPr>
-            <a:spLocks noGrp="1"/>
-          </p:cNvSpPr>
-          <p:nvPr>
-            <p:ph type="title"/>
-          </p:nvPr>
-        </p:nvSpPr>
-        <p:spPr>
-          <a:xfrm>
-            <a:off x="555218" y="284176"/>
-            <a:ext cx="9784082" cy="915974"/>
-          </a:xfrm>
-          <a:prstGeom prst="rect">
-            <a:avLst/>
-          </a:prstGeom>
-        </p:spPr>
-        <p:txBody>
-          <a:bodyPr/>
-          <a:lstStyle/>
-          <a:p>
-            <a:r>
-              <a:rPr lang="en-US" altLang="ja-JP" dirty="0" smtClean="0"/>
-              <a:t>2-2. </a:t>
-            </a:r>
-            <a:r>
-              <a:rPr lang="ja-JP" altLang="en-US" dirty="0" smtClean="0"/>
-              <a:t>仮想</a:t>
-            </a:r>
-            <a:r>
-              <a:rPr dirty="0" smtClean="0"/>
-              <a:t>DOM</a:t>
-            </a:r>
-            <a:endParaRPr dirty="0"/>
-          </a:p>
-        </p:txBody>
-      </p:sp>
       <p:grpSp>
         <p:nvGrpSpPr>
           <p:cNvPr id="129" name="Group 129"/>
@@ -36375,7 +36958,7 @@
         </p:nvGrpSpPr>
         <p:grpSpPr>
           <a:xfrm>
-            <a:off x="440919" y="1164631"/>
+            <a:off x="432000" y="1080000"/>
             <a:ext cx="11340775" cy="871419"/>
             <a:chOff x="-26029" y="0"/>
             <a:chExt cx="11190960" cy="871417"/>
@@ -36547,7 +37130,7 @@
         </p:nvSpPr>
         <p:spPr>
           <a:xfrm>
-            <a:off x="551050" y="3048110"/>
+            <a:off x="551050" y="3011166"/>
             <a:ext cx="3883777" cy="461665"/>
           </a:xfrm>
           <a:prstGeom prst="rect">
@@ -36602,7 +37185,7 @@
         </p:nvSpPr>
         <p:spPr>
           <a:xfrm>
-            <a:off x="555219" y="2366915"/>
+            <a:off x="555219" y="2329971"/>
             <a:ext cx="3251850" cy="461665"/>
           </a:xfrm>
           <a:prstGeom prst="rect">
@@ -36653,7 +37236,7 @@
         </p:nvSpPr>
         <p:spPr>
           <a:xfrm>
-            <a:off x="551050" y="3729305"/>
+            <a:off x="551050" y="3692361"/>
             <a:ext cx="6597096" cy="461665"/>
           </a:xfrm>
           <a:prstGeom prst="rect">
@@ -36707,7 +37290,7 @@
         </p:nvSpPr>
         <p:spPr>
           <a:xfrm>
-            <a:off x="551050" y="4410500"/>
+            <a:off x="551050" y="4373556"/>
             <a:ext cx="6597096" cy="461665"/>
           </a:xfrm>
           <a:prstGeom prst="rect">
@@ -36765,7 +37348,7 @@
         </p:nvSpPr>
         <p:spPr>
           <a:xfrm>
-            <a:off x="551050" y="5091695"/>
+            <a:off x="551050" y="5054751"/>
             <a:ext cx="6597096" cy="461665"/>
           </a:xfrm>
           <a:prstGeom prst="rect">
@@ -36816,7 +37399,7 @@
         </p:nvSpPr>
         <p:spPr>
           <a:xfrm>
-            <a:off x="551050" y="5772890"/>
+            <a:off x="551050" y="5735946"/>
             <a:ext cx="6597096" cy="461665"/>
           </a:xfrm>
           <a:prstGeom prst="rect">
@@ -36850,6 +37433,69 @@
             <a:r>
               <a:rPr lang="ja-JP" altLang="en-US" dirty="0" smtClean="0"/>
               <a:t>補足</a:t>
+            </a:r>
+            <a:endParaRPr lang="ja-JP" altLang="en-US" dirty="0"/>
+          </a:p>
+        </p:txBody>
+      </p:sp>
+      <p:sp>
+        <p:nvSpPr>
+          <p:cNvPr id="12" name="タイトル 1">
+            <a:extLst>
+              <a:ext uri="{FF2B5EF4-FFF2-40B4-BE49-F238E27FC236}">
+                <a16:creationId xmlns:a16="http://schemas.microsoft.com/office/drawing/2014/main" id="{CE9C4723-849E-4189-BCAE-2B79E708A85A}"/>
+              </a:ext>
+            </a:extLst>
+          </p:cNvPr>
+          <p:cNvSpPr txBox="1">
+            <a:spLocks/>
+          </p:cNvSpPr>
+          <p:nvPr/>
+        </p:nvSpPr>
+        <p:spPr>
+          <a:xfrm>
+            <a:off x="431799" y="339725"/>
+            <a:ext cx="10515601" cy="536575"/>
+          </a:xfrm>
+          <a:prstGeom prst="rect">
+            <a:avLst/>
+          </a:prstGeom>
+        </p:spPr>
+        <p:txBody>
+          <a:bodyPr vert="horz" lIns="91440" tIns="45720" rIns="91440" bIns="45720" rtlCol="0" anchor="ctr">
+            <a:normAutofit/>
+          </a:bodyPr>
+          <a:lstStyle>
+            <a:lvl1pPr algn="l" defTabSz="914400" rtl="0" eaLnBrk="1" latinLnBrk="0" hangingPunct="1">
+              <a:lnSpc>
+                <a:spcPct val="90000"/>
+              </a:lnSpc>
+              <a:spcBef>
+                <a:spcPct val="0"/>
+              </a:spcBef>
+              <a:buNone/>
+              <a:defRPr kumimoji="1" sz="2400" kern="1200">
+                <a:solidFill>
+                  <a:schemeClr val="tx1"/>
+                </a:solidFill>
+                <a:latin typeface="Meiryo UI" panose="020B0604030504040204" pitchFamily="50" charset="-128"/>
+                <a:ea typeface="Meiryo UI" panose="020B0604030504040204" pitchFamily="50" charset="-128"/>
+                <a:cs typeface="+mj-cs"/>
+              </a:defRPr>
+            </a:lvl1pPr>
+          </a:lstStyle>
+          <a:p>
+            <a:r>
+              <a:rPr lang="en-US" altLang="ja-JP" dirty="0"/>
+              <a:t>2-2. </a:t>
+            </a:r>
+            <a:r>
+              <a:rPr lang="ja-JP" altLang="en-US" dirty="0"/>
+              <a:t>仮想</a:t>
+            </a:r>
+            <a:r>
+              <a:rPr lang="en-US" altLang="ja-JP" dirty="0"/>
+              <a:t>DOM</a:t>
             </a:r>
             <a:endParaRPr lang="ja-JP" altLang="en-US" dirty="0"/>
           </a:p>
@@ -36970,69 +37616,6 @@
           </a:p>
         </p:txBody>
       </p:sp>
-      <p:sp>
-        <p:nvSpPr>
-          <p:cNvPr id="126" name="Shape 126"/>
-          <p:cNvSpPr>
-            <a:spLocks noGrp="1"/>
-          </p:cNvSpPr>
-          <p:nvPr>
-            <p:ph type="title"/>
-          </p:nvPr>
-        </p:nvSpPr>
-        <p:spPr>
-          <a:xfrm>
-            <a:off x="555218" y="284176"/>
-            <a:ext cx="9784082" cy="915974"/>
-          </a:xfrm>
-          <a:prstGeom prst="rect">
-            <a:avLst/>
-          </a:prstGeom>
-        </p:spPr>
-        <p:txBody>
-          <a:bodyPr/>
-          <a:lstStyle/>
-          <a:p>
-            <a:r>
-              <a:rPr lang="en-US" altLang="ja-JP" dirty="0" smtClean="0"/>
-              <a:t>2-2. </a:t>
-            </a:r>
-            <a:r>
-              <a:rPr lang="ja-JP" altLang="en-US" dirty="0" smtClean="0"/>
-              <a:t>仮想</a:t>
-            </a:r>
-            <a:r>
-              <a:rPr dirty="0" smtClean="0"/>
-              <a:t>DOM</a:t>
-            </a:r>
-            <a:r>
-              <a:rPr lang="ja-JP" altLang="en-US" dirty="0" smtClean="0"/>
-              <a:t> </a:t>
-            </a:r>
-            <a:r>
-              <a:rPr lang="en-US" altLang="ja-JP" dirty="0"/>
-              <a:t>-</a:t>
-            </a:r>
-            <a:r>
-              <a:rPr dirty="0" smtClean="0"/>
-              <a:t> </a:t>
-            </a:r>
-            <a:r>
-              <a:rPr lang="en-US" dirty="0" smtClean="0"/>
-              <a:t>DOM</a:t>
-            </a:r>
-            <a:r>
-              <a:rPr lang="ja-JP" altLang="en-US" dirty="0" smtClean="0"/>
-              <a:t>の</a:t>
-            </a:r>
-            <a:r>
-              <a:rPr dirty="0" smtClean="0"/>
-              <a:t>概要</a:t>
-            </a:r>
-            <a:endParaRPr dirty="0"/>
-          </a:p>
-        </p:txBody>
-      </p:sp>
       <p:grpSp>
         <p:nvGrpSpPr>
           <p:cNvPr id="129" name="Group 129"/>
@@ -37041,7 +37624,7 @@
         </p:nvGrpSpPr>
         <p:grpSpPr>
           <a:xfrm>
-            <a:off x="440919" y="1164631"/>
+            <a:off x="432000" y="1080000"/>
             <a:ext cx="11340775" cy="871419"/>
             <a:chOff x="-26029" y="0"/>
             <a:chExt cx="11190960" cy="871417"/>
@@ -39185,6 +39768,41 @@
           </a:fontRef>
         </p:style>
       </p:cxnSp>
+      <p:sp>
+        <p:nvSpPr>
+          <p:cNvPr id="2" name="タイトル 1"/>
+          <p:cNvSpPr>
+            <a:spLocks noGrp="1"/>
+          </p:cNvSpPr>
+          <p:nvPr>
+            <p:ph type="title"/>
+          </p:nvPr>
+        </p:nvSpPr>
+        <p:spPr/>
+        <p:txBody>
+          <a:bodyPr/>
+          <a:lstStyle/>
+          <a:p>
+            <a:r>
+              <a:rPr lang="en-US" altLang="ja-JP" dirty="0"/>
+              <a:t>2-2. </a:t>
+            </a:r>
+            <a:r>
+              <a:rPr lang="ja-JP" altLang="en-US" dirty="0"/>
+              <a:t>仮想</a:t>
+            </a:r>
+            <a:r>
+              <a:rPr lang="en-US" altLang="ja-JP" dirty="0"/>
+              <a:t>DOM - DOM</a:t>
+            </a:r>
+            <a:r>
+              <a:rPr lang="ja-JP" altLang="en-US" dirty="0"/>
+              <a:t>の概要</a:t>
+            </a:r>
+            <a:endParaRPr kumimoji="1" lang="ja-JP" altLang="en-US" dirty="0"/>
+          </a:p>
+        </p:txBody>
+      </p:sp>
     </p:spTree>
     <p:extLst>
       <p:ext uri="{BB962C8B-B14F-4D97-AF65-F5344CB8AC3E}">
@@ -39297,53 +39915,6 @@
               <a:cs typeface="+mn-cs"/>
               <a:sym typeface="Meiryo UI"/>
             </a:endParaRPr>
-          </a:p>
-        </p:txBody>
-      </p:sp>
-      <p:sp>
-        <p:nvSpPr>
-          <p:cNvPr id="226" name="Shape 226"/>
-          <p:cNvSpPr>
-            <a:spLocks noGrp="1"/>
-          </p:cNvSpPr>
-          <p:nvPr>
-            <p:ph type="title"/>
-          </p:nvPr>
-        </p:nvSpPr>
-        <p:spPr>
-          <a:xfrm>
-            <a:off x="555218" y="284176"/>
-            <a:ext cx="9784082" cy="915974"/>
-          </a:xfrm>
-          <a:prstGeom prst="rect">
-            <a:avLst/>
-          </a:prstGeom>
-        </p:spPr>
-        <p:txBody>
-          <a:bodyPr/>
-          <a:lstStyle/>
-          <a:p>
-            <a:r>
-              <a:rPr lang="en-US" altLang="ja-JP" dirty="0"/>
-              <a:t>2-2. </a:t>
-            </a:r>
-            <a:r>
-              <a:rPr lang="ja-JP" altLang="en-US" dirty="0" smtClean="0"/>
-              <a:t>仮想</a:t>
-            </a:r>
-            <a:r>
-              <a:rPr dirty="0" smtClean="0"/>
-              <a:t>DOM</a:t>
-            </a:r>
-            <a:r>
-              <a:rPr lang="en-US" dirty="0" smtClean="0"/>
-              <a:t> </a:t>
-            </a:r>
-            <a:r>
-              <a:rPr dirty="0" smtClean="0"/>
-              <a:t>- DOM操作</a:t>
-            </a:r>
-            <a:endParaRPr dirty="0"/>
           </a:p>
         </p:txBody>
       </p:sp>
@@ -39891,7 +40462,7 @@
         </p:nvGrpSpPr>
         <p:grpSpPr>
           <a:xfrm>
-            <a:off x="440919" y="1164631"/>
+            <a:off x="432000" y="1080000"/>
             <a:ext cx="11340775" cy="871419"/>
             <a:chOff x="-26029" y="0"/>
             <a:chExt cx="11190960" cy="871417"/>
@@ -40378,6 +40949,41 @@
           </a:fontRef>
         </p:style>
       </p:cxnSp>
+      <p:sp>
+        <p:nvSpPr>
+          <p:cNvPr id="2" name="タイトル 1"/>
+          <p:cNvSpPr>
+            <a:spLocks noGrp="1"/>
+          </p:cNvSpPr>
+          <p:nvPr>
+            <p:ph type="title"/>
+          </p:nvPr>
+        </p:nvSpPr>
+        <p:spPr/>
+        <p:txBody>
+          <a:bodyPr/>
+          <a:lstStyle/>
+          <a:p>
+            <a:r>
+              <a:rPr lang="en-US" altLang="ja-JP" dirty="0"/>
+              <a:t>2-2. </a:t>
+            </a:r>
+            <a:r>
+              <a:rPr lang="ja-JP" altLang="en-US" dirty="0"/>
+              <a:t>仮想</a:t>
+            </a:r>
+            <a:r>
+              <a:rPr lang="en-US" altLang="ja-JP" dirty="0"/>
+              <a:t>DOM - DOM</a:t>
+            </a:r>
+            <a:r>
+              <a:rPr lang="ja-JP" altLang="en-US" dirty="0"/>
+              <a:t>操作</a:t>
+            </a:r>
+            <a:endParaRPr kumimoji="1" lang="ja-JP" altLang="en-US" dirty="0"/>
+          </a:p>
+        </p:txBody>
+      </p:sp>
     </p:spTree>
     <p:extLst>
       <p:ext uri="{BB962C8B-B14F-4D97-AF65-F5344CB8AC3E}">
@@ -40632,57 +41238,6 @@
       </p:sp>
       <p:sp>
         <p:nvSpPr>
-          <p:cNvPr id="346" name="Shape 346"/>
-          <p:cNvSpPr>
-            <a:spLocks noGrp="1"/>
-          </p:cNvSpPr>
-          <p:nvPr>
-            <p:ph type="title"/>
-          </p:nvPr>
-        </p:nvSpPr>
-        <p:spPr>
-          <a:xfrm>
-            <a:off x="555218" y="284176"/>
-            <a:ext cx="10122018" cy="915974"/>
-          </a:xfrm>
-          <a:prstGeom prst="rect">
-            <a:avLst/>
-          </a:prstGeom>
-        </p:spPr>
-        <p:txBody>
-          <a:bodyPr/>
-          <a:lstStyle/>
-          <a:p>
-            <a:r>
-              <a:rPr lang="en-US" altLang="ja-JP" dirty="0"/>
-              <a:t>2-2. </a:t>
-            </a:r>
-            <a:r>
-              <a:rPr lang="ja-JP" altLang="en-US" dirty="0" smtClean="0"/>
-              <a:t>仮想</a:t>
-            </a:r>
-            <a:r>
-              <a:rPr lang="en-US" altLang="ja-JP" dirty="0" smtClean="0"/>
-              <a:t>DOM - </a:t>
-            </a:r>
-            <a:r>
-              <a:rPr lang="ja-JP" altLang="en-US" dirty="0" smtClean="0"/>
-              <a:t>従来のレンダリングと</a:t>
-            </a:r>
-            <a:r>
-              <a:rPr lang="en-US" altLang="ja-JP" dirty="0" smtClean="0"/>
-              <a:t>React</a:t>
-            </a:r>
-            <a:r>
-              <a:rPr lang="ja-JP" altLang="en-US" dirty="0" smtClean="0"/>
-              <a:t>を利用したレンダリング</a:t>
-            </a:r>
-            <a:endParaRPr dirty="0"/>
-          </a:p>
-        </p:txBody>
-      </p:sp>
-      <p:sp>
-        <p:nvSpPr>
           <p:cNvPr id="348" name="Shape 348"/>
           <p:cNvSpPr/>
           <p:nvPr/>
@@ -40734,7 +41289,7 @@
         </p:nvGrpSpPr>
         <p:grpSpPr>
           <a:xfrm>
-            <a:off x="537632" y="1164631"/>
+            <a:off x="432000" y="1080000"/>
             <a:ext cx="11164934" cy="871419"/>
             <a:chOff x="-1" y="0"/>
             <a:chExt cx="11164932" cy="871417"/>
@@ -42302,6 +42857,49 @@
                 </a:schemeClr>
               </a:solidFill>
             </a:endParaRPr>
+          </a:p>
+        </p:txBody>
+      </p:sp>
+      <p:sp>
+        <p:nvSpPr>
+          <p:cNvPr id="2" name="タイトル 1"/>
+          <p:cNvSpPr>
+            <a:spLocks noGrp="1"/>
+          </p:cNvSpPr>
+          <p:nvPr>
+            <p:ph type="title"/>
+          </p:nvPr>
+        </p:nvSpPr>
+        <p:spPr/>
+        <p:txBody>
+          <a:bodyPr/>
+          <a:lstStyle/>
+          <a:p>
+            <a:r>
+              <a:rPr lang="en-US" altLang="ja-JP" dirty="0"/>
+              <a:t>2-2. </a:t>
+            </a:r>
+            <a:r>
+              <a:rPr lang="ja-JP" altLang="en-US" dirty="0"/>
+              <a:t>仮想</a:t>
+            </a:r>
+            <a:r>
+              <a:rPr lang="en-US" altLang="ja-JP" dirty="0"/>
+              <a:t>DOM - </a:t>
+            </a:r>
+            <a:r>
+              <a:rPr lang="ja-JP" altLang="en-US" dirty="0"/>
+              <a:t>従来のレンダリングと</a:t>
+            </a:r>
+            <a:r>
+              <a:rPr lang="en-US" altLang="ja-JP" dirty="0"/>
+              <a:t>React</a:t>
+            </a:r>
+            <a:r>
+              <a:rPr lang="ja-JP" altLang="en-US" dirty="0"/>
+              <a:t>を利用したレンダリング</a:t>
+            </a:r>
+            <a:endParaRPr kumimoji="1" lang="ja-JP" altLang="en-US" dirty="0"/>
           </a:p>
         </p:txBody>
       </p:sp>
